--- a/20210804_REM分析.pptx
+++ b/20210804_REM分析.pptx
@@ -9,30 +9,30 @@
   </p:notesMasterIdLst>
   <p:sldIdLst>
     <p:sldId id="258" r:id="rId2"/>
-    <p:sldId id="321" r:id="rId3"/>
-    <p:sldId id="345" r:id="rId4"/>
-    <p:sldId id="346" r:id="rId5"/>
-    <p:sldId id="319" r:id="rId6"/>
-    <p:sldId id="320" r:id="rId7"/>
-    <p:sldId id="329" r:id="rId8"/>
-    <p:sldId id="328" r:id="rId9"/>
-    <p:sldId id="332" r:id="rId10"/>
-    <p:sldId id="333" r:id="rId11"/>
-    <p:sldId id="334" r:id="rId12"/>
-    <p:sldId id="335" r:id="rId13"/>
-    <p:sldId id="344" r:id="rId14"/>
-    <p:sldId id="347" r:id="rId15"/>
-    <p:sldId id="337" r:id="rId16"/>
-    <p:sldId id="338" r:id="rId17"/>
-    <p:sldId id="351" r:id="rId18"/>
-    <p:sldId id="341" r:id="rId19"/>
-    <p:sldId id="348" r:id="rId20"/>
-    <p:sldId id="349" r:id="rId21"/>
-    <p:sldId id="350" r:id="rId22"/>
-    <p:sldId id="352" r:id="rId23"/>
-    <p:sldId id="330" r:id="rId24"/>
-    <p:sldId id="353" r:id="rId25"/>
-    <p:sldId id="336" r:id="rId26"/>
+    <p:sldId id="354" r:id="rId3"/>
+    <p:sldId id="321" r:id="rId4"/>
+    <p:sldId id="345" r:id="rId5"/>
+    <p:sldId id="346" r:id="rId6"/>
+    <p:sldId id="319" r:id="rId7"/>
+    <p:sldId id="320" r:id="rId8"/>
+    <p:sldId id="329" r:id="rId9"/>
+    <p:sldId id="328" r:id="rId10"/>
+    <p:sldId id="332" r:id="rId11"/>
+    <p:sldId id="333" r:id="rId12"/>
+    <p:sldId id="334" r:id="rId13"/>
+    <p:sldId id="335" r:id="rId14"/>
+    <p:sldId id="344" r:id="rId15"/>
+    <p:sldId id="347" r:id="rId16"/>
+    <p:sldId id="337" r:id="rId17"/>
+    <p:sldId id="338" r:id="rId18"/>
+    <p:sldId id="351" r:id="rId19"/>
+    <p:sldId id="341" r:id="rId20"/>
+    <p:sldId id="348" r:id="rId21"/>
+    <p:sldId id="349" r:id="rId22"/>
+    <p:sldId id="350" r:id="rId23"/>
+    <p:sldId id="352" r:id="rId24"/>
+    <p:sldId id="330" r:id="rId25"/>
+    <p:sldId id="353" r:id="rId26"/>
     <p:sldId id="322" r:id="rId27"/>
     <p:sldId id="323" r:id="rId28"/>
     <p:sldId id="324" r:id="rId29"/>
@@ -559,7 +559,7 @@
           <a:p>
             <a:fld id="{F7FB5DC6-CCB2-413E-8E4D-68A492D6F246}" type="slidenum">
               <a:rPr lang="zh-TW" altLang="en-US" smtClean="0"/>
-              <a:t>11</a:t>
+              <a:t>12</a:t>
             </a:fld>
             <a:endParaRPr lang="zh-TW" altLang="en-US"/>
           </a:p>
@@ -4240,7 +4240,7 @@
           <p:cNvPr id="2" name="標題 1">
             <a:extLst>
               <a:ext uri="{FF2B5EF4-FFF2-40B4-BE49-F238E27FC236}">
-                <a16:creationId xmlns:a16="http://schemas.microsoft.com/office/drawing/2014/main" id="{58F4475D-5145-4BD0-A880-E3692ACD1A04}"/>
+                <a16:creationId xmlns:a16="http://schemas.microsoft.com/office/drawing/2014/main" id="{34622B3B-BE12-4C8B-AB8A-34D5B7C9390A}"/>
               </a:ext>
             </a:extLst>
           </p:cNvPr>
@@ -4276,7 +4276,7 @@
           <p:cNvPr id="3" name="內容版面配置區 2">
             <a:extLst>
               <a:ext uri="{FF2B5EF4-FFF2-40B4-BE49-F238E27FC236}">
-                <a16:creationId xmlns:a16="http://schemas.microsoft.com/office/drawing/2014/main" id="{C1585268-75E5-4D02-B34A-C1447BC9905A}"/>
+                <a16:creationId xmlns:a16="http://schemas.microsoft.com/office/drawing/2014/main" id="{ED5F113D-D4A8-4017-AC17-D6A9DB70C549}"/>
               </a:ext>
             </a:extLst>
           </p:cNvPr>
@@ -4294,59 +4294,23 @@
           <a:p>
             <a:r>
               <a:rPr lang="zh-TW" altLang="en-US" dirty="0"/>
-              <a:t>藍</a:t>
-            </a:r>
-            <a:r>
-              <a:rPr lang="en-US" altLang="zh-TW" dirty="0"/>
-              <a:t>:</a:t>
-            </a:r>
-            <a:r>
-              <a:rPr lang="zh-TW" altLang="en-US" dirty="0"/>
-              <a:t> 暴露傍晚</a:t>
-            </a:r>
-            <a:r>
-              <a:rPr lang="en-US" altLang="zh-TW" dirty="0"/>
-              <a:t>cortisol – </a:t>
-            </a:r>
-            <a:r>
-              <a:rPr lang="zh-TW" altLang="en-US" dirty="0"/>
-              <a:t>非暴露傍晚</a:t>
+              <a:t>預期暴露噪音的</a:t>
             </a:r>
             <a:r>
               <a:rPr lang="en-US" altLang="zh-TW" dirty="0"/>
               <a:t>cortisol</a:t>
             </a:r>
-          </a:p>
-          <a:p>
             <a:r>
               <a:rPr lang="zh-TW" altLang="en-US" dirty="0"/>
-              <a:t>橘</a:t>
-            </a:r>
-            <a:r>
-              <a:rPr lang="en-US" altLang="zh-TW" dirty="0"/>
-              <a:t>:</a:t>
-            </a:r>
-            <a:r>
-              <a:rPr lang="zh-TW" altLang="en-US" dirty="0"/>
-              <a:t> 暴露早晨</a:t>
-            </a:r>
-            <a:r>
-              <a:rPr lang="en-US" altLang="zh-TW" dirty="0"/>
-              <a:t>cortisol – </a:t>
-            </a:r>
-            <a:r>
-              <a:rPr lang="zh-TW" altLang="en-US" dirty="0"/>
-              <a:t>非暴露早晨</a:t>
+              <a:t>變化量應該要較小，而非暴露噪音的</a:t>
             </a:r>
             <a:r>
               <a:rPr lang="en-US" altLang="zh-TW" dirty="0"/>
               <a:t>cortisol</a:t>
             </a:r>
-          </a:p>
-          <a:p>
             <a:r>
               <a:rPr lang="zh-TW" altLang="en-US" dirty="0"/>
-              <a:t>可以觀察到大部分大於</a:t>
+              <a:t>變化量應該要較大，但結果顯示大部分的人數值皆在</a:t>
             </a:r>
             <a:r>
               <a:rPr lang="en-US" altLang="zh-TW" dirty="0"/>
@@ -4354,23 +4318,7 @@
             </a:r>
             <a:r>
               <a:rPr lang="zh-TW" altLang="en-US" dirty="0"/>
-              <a:t>，代表在噪音下會受影響，</a:t>
-            </a:r>
-            <a:r>
-              <a:rPr lang="en-US" altLang="zh-TW" dirty="0"/>
-              <a:t>cortisol</a:t>
-            </a:r>
-            <a:r>
-              <a:rPr lang="zh-TW" altLang="en-US" dirty="0"/>
-              <a:t>值會上升，由前一頁的圖可以推測，在噪音下無論早晨還是傍晚</a:t>
-            </a:r>
-            <a:r>
-              <a:rPr lang="en-US" altLang="zh-TW" dirty="0"/>
-              <a:t>cortisol</a:t>
-            </a:r>
-            <a:r>
-              <a:rPr lang="zh-TW" altLang="en-US" dirty="0"/>
-              <a:t>都容易上升，且在噪音下早晨的上升量還會更高</a:t>
+              <a:t>以上</a:t>
             </a:r>
           </a:p>
         </p:txBody>
@@ -4380,7 +4328,7 @@
           <p:cNvPr id="4" name="投影片編號版面配置區 3">
             <a:extLst>
               <a:ext uri="{FF2B5EF4-FFF2-40B4-BE49-F238E27FC236}">
-                <a16:creationId xmlns:a16="http://schemas.microsoft.com/office/drawing/2014/main" id="{DC7809F2-E938-48F3-936A-C5EB34A785EE}"/>
+                <a16:creationId xmlns:a16="http://schemas.microsoft.com/office/drawing/2014/main" id="{0AD7327E-B8B4-4730-AC06-7E23F4833613}"/>
               </a:ext>
             </a:extLst>
           </p:cNvPr>
@@ -4399,6 +4347,235 @@
             <a:fld id="{F230EE04-BD3A-40AA-92AC-647453D5DADF}" type="slidenum">
               <a:rPr lang="zh-TW" altLang="en-US" smtClean="0"/>
               <a:t>10</a:t>
+            </a:fld>
+            <a:endParaRPr lang="zh-TW" altLang="en-US"/>
+          </a:p>
+        </p:txBody>
+      </p:sp>
+      <p:pic>
+        <p:nvPicPr>
+          <p:cNvPr id="8" name="圖片 7">
+            <a:extLst>
+              <a:ext uri="{FF2B5EF4-FFF2-40B4-BE49-F238E27FC236}">
+                <a16:creationId xmlns:a16="http://schemas.microsoft.com/office/drawing/2014/main" id="{BDAAA4BA-F7F5-47A6-B594-5168F6870665}"/>
+              </a:ext>
+            </a:extLst>
+          </p:cNvPr>
+          <p:cNvPicPr>
+            <a:picLocks noChangeAspect="1"/>
+          </p:cNvPicPr>
+          <p:nvPr/>
+        </p:nvPicPr>
+        <p:blipFill>
+          <a:blip r:embed="rId2"/>
+          <a:stretch>
+            <a:fillRect/>
+          </a:stretch>
+        </p:blipFill>
+        <p:spPr>
+          <a:xfrm>
+            <a:off x="0" y="2730092"/>
+            <a:ext cx="12192000" cy="2951571"/>
+          </a:xfrm>
+          <a:prstGeom prst="rect">
+            <a:avLst/>
+          </a:prstGeom>
+        </p:spPr>
+      </p:pic>
+    </p:spTree>
+    <p:extLst>
+      <p:ext uri="{BB962C8B-B14F-4D97-AF65-F5344CB8AC3E}">
+        <p14:creationId xmlns:p14="http://schemas.microsoft.com/office/powerpoint/2010/main" val="989824843"/>
+      </p:ext>
+    </p:extLst>
+  </p:cSld>
+  <p:clrMapOvr>
+    <a:masterClrMapping/>
+  </p:clrMapOvr>
+</p:sld>
+</file>
+
+<file path=ppt/slides/slide11.xml><?xml version="1.0" encoding="utf-8"?>
+<p:sld xmlns:a="http://schemas.openxmlformats.org/drawingml/2006/main" xmlns:r="http://schemas.openxmlformats.org/officeDocument/2006/relationships" xmlns:p="http://schemas.openxmlformats.org/presentationml/2006/main">
+  <p:cSld>
+    <p:spTree>
+      <p:nvGrpSpPr>
+        <p:cNvPr id="1" name=""/>
+        <p:cNvGrpSpPr/>
+        <p:nvPr/>
+      </p:nvGrpSpPr>
+      <p:grpSpPr>
+        <a:xfrm>
+          <a:off x="0" y="0"/>
+          <a:ext cx="0" cy="0"/>
+          <a:chOff x="0" y="0"/>
+          <a:chExt cx="0" cy="0"/>
+        </a:xfrm>
+      </p:grpSpPr>
+      <p:sp>
+        <p:nvSpPr>
+          <p:cNvPr id="2" name="標題 1">
+            <a:extLst>
+              <a:ext uri="{FF2B5EF4-FFF2-40B4-BE49-F238E27FC236}">
+                <a16:creationId xmlns:a16="http://schemas.microsoft.com/office/drawing/2014/main" id="{58F4475D-5145-4BD0-A880-E3692ACD1A04}"/>
+              </a:ext>
+            </a:extLst>
+          </p:cNvPr>
+          <p:cNvSpPr>
+            <a:spLocks noGrp="1"/>
+          </p:cNvSpPr>
+          <p:nvPr>
+            <p:ph type="title"/>
+          </p:nvPr>
+        </p:nvSpPr>
+        <p:spPr/>
+        <p:txBody>
+          <a:bodyPr/>
+          <a:lstStyle/>
+          <a:p>
+            <a:r>
+              <a:rPr lang="zh-TW" altLang="en-US" dirty="0"/>
+              <a:t>自身</a:t>
+            </a:r>
+            <a:r>
+              <a:rPr lang="en-US" altLang="zh-TW" dirty="0"/>
+              <a:t>cortisol</a:t>
+            </a:r>
+            <a:r>
+              <a:rPr lang="zh-TW" altLang="en-US" dirty="0"/>
+              <a:t>變化量來比較睡眠指標</a:t>
+            </a:r>
+          </a:p>
+        </p:txBody>
+      </p:sp>
+      <p:sp>
+        <p:nvSpPr>
+          <p:cNvPr id="3" name="內容版面配置區 2">
+            <a:extLst>
+              <a:ext uri="{FF2B5EF4-FFF2-40B4-BE49-F238E27FC236}">
+                <a16:creationId xmlns:a16="http://schemas.microsoft.com/office/drawing/2014/main" id="{C1585268-75E5-4D02-B34A-C1447BC9905A}"/>
+              </a:ext>
+            </a:extLst>
+          </p:cNvPr>
+          <p:cNvSpPr>
+            <a:spLocks noGrp="1"/>
+          </p:cNvSpPr>
+          <p:nvPr>
+            <p:ph idx="1"/>
+          </p:nvPr>
+        </p:nvSpPr>
+        <p:spPr/>
+        <p:txBody>
+          <a:bodyPr/>
+          <a:lstStyle/>
+          <a:p>
+            <a:r>
+              <a:rPr lang="zh-TW" altLang="en-US" dirty="0"/>
+              <a:t>藍</a:t>
+            </a:r>
+            <a:r>
+              <a:rPr lang="en-US" altLang="zh-TW" dirty="0"/>
+              <a:t>:</a:t>
+            </a:r>
+            <a:r>
+              <a:rPr lang="zh-TW" altLang="en-US" dirty="0"/>
+              <a:t> 暴露傍晚</a:t>
+            </a:r>
+            <a:r>
+              <a:rPr lang="en-US" altLang="zh-TW" dirty="0"/>
+              <a:t>cortisol – </a:t>
+            </a:r>
+            <a:r>
+              <a:rPr lang="zh-TW" altLang="en-US" dirty="0"/>
+              <a:t>非暴露傍晚</a:t>
+            </a:r>
+            <a:r>
+              <a:rPr lang="en-US" altLang="zh-TW" dirty="0"/>
+              <a:t>cortisol</a:t>
+            </a:r>
+          </a:p>
+          <a:p>
+            <a:r>
+              <a:rPr lang="zh-TW" altLang="en-US" dirty="0"/>
+              <a:t>橘</a:t>
+            </a:r>
+            <a:r>
+              <a:rPr lang="en-US" altLang="zh-TW" dirty="0"/>
+              <a:t>:</a:t>
+            </a:r>
+            <a:r>
+              <a:rPr lang="zh-TW" altLang="en-US" dirty="0"/>
+              <a:t> 暴露早晨</a:t>
+            </a:r>
+            <a:r>
+              <a:rPr lang="en-US" altLang="zh-TW" dirty="0"/>
+              <a:t>cortisol – </a:t>
+            </a:r>
+            <a:r>
+              <a:rPr lang="zh-TW" altLang="en-US" dirty="0"/>
+              <a:t>非暴露早晨</a:t>
+            </a:r>
+            <a:r>
+              <a:rPr lang="en-US" altLang="zh-TW" dirty="0"/>
+              <a:t>cortisol</a:t>
+            </a:r>
+          </a:p>
+          <a:p>
+            <a:r>
+              <a:rPr lang="zh-TW" altLang="en-US" dirty="0"/>
+              <a:t>可以觀察到大部分大於</a:t>
+            </a:r>
+            <a:r>
+              <a:rPr lang="en-US" altLang="zh-TW" dirty="0"/>
+              <a:t>0</a:t>
+            </a:r>
+            <a:r>
+              <a:rPr lang="zh-TW" altLang="en-US" dirty="0"/>
+              <a:t>，代表在噪音下會受影響，</a:t>
+            </a:r>
+            <a:r>
+              <a:rPr lang="en-US" altLang="zh-TW" dirty="0"/>
+              <a:t>cortisol</a:t>
+            </a:r>
+            <a:r>
+              <a:rPr lang="zh-TW" altLang="en-US" dirty="0"/>
+              <a:t>值會上升，由前一頁的圖可以推測，在噪音下無論早晨還是傍晚</a:t>
+            </a:r>
+            <a:r>
+              <a:rPr lang="en-US" altLang="zh-TW" dirty="0"/>
+              <a:t>cortisol</a:t>
+            </a:r>
+            <a:r>
+              <a:rPr lang="zh-TW" altLang="en-US" dirty="0"/>
+              <a:t>都容易上升，且在噪音下早晨的上升量還會更高</a:t>
+            </a:r>
+          </a:p>
+        </p:txBody>
+      </p:sp>
+      <p:sp>
+        <p:nvSpPr>
+          <p:cNvPr id="4" name="投影片編號版面配置區 3">
+            <a:extLst>
+              <a:ext uri="{FF2B5EF4-FFF2-40B4-BE49-F238E27FC236}">
+                <a16:creationId xmlns:a16="http://schemas.microsoft.com/office/drawing/2014/main" id="{DC7809F2-E938-48F3-936A-C5EB34A785EE}"/>
+              </a:ext>
+            </a:extLst>
+          </p:cNvPr>
+          <p:cNvSpPr>
+            <a:spLocks noGrp="1"/>
+          </p:cNvSpPr>
+          <p:nvPr>
+            <p:ph type="sldNum" sz="quarter" idx="12"/>
+          </p:nvPr>
+        </p:nvSpPr>
+        <p:spPr/>
+        <p:txBody>
+          <a:bodyPr/>
+          <a:lstStyle/>
+          <a:p>
+            <a:fld id="{F230EE04-BD3A-40AA-92AC-647453D5DADF}" type="slidenum">
+              <a:rPr lang="zh-TW" altLang="en-US" smtClean="0"/>
+              <a:t>11</a:t>
             </a:fld>
             <a:endParaRPr lang="zh-TW" altLang="en-US"/>
           </a:p>
@@ -4447,7 +4624,7 @@
 </p:sld>
 </file>
 
-<file path=ppt/slides/slide11.xml><?xml version="1.0" encoding="utf-8"?>
+<file path=ppt/slides/slide12.xml><?xml version="1.0" encoding="utf-8"?>
 <p:sld xmlns:a="http://schemas.openxmlformats.org/drawingml/2006/main" xmlns:r="http://schemas.openxmlformats.org/officeDocument/2006/relationships" xmlns:p="http://schemas.openxmlformats.org/presentationml/2006/main">
   <p:cSld>
     <p:spTree>
@@ -4597,7 +4774,7 @@
           <a:p>
             <a:fld id="{F230EE04-BD3A-40AA-92AC-647453D5DADF}" type="slidenum">
               <a:rPr lang="zh-TW" altLang="en-US" smtClean="0"/>
-              <a:t>11</a:t>
+              <a:t>12</a:t>
             </a:fld>
             <a:endParaRPr lang="zh-TW" altLang="en-US"/>
           </a:p>
@@ -5549,7 +5726,7 @@
 </p:sld>
 </file>
 
-<file path=ppt/slides/slide12.xml><?xml version="1.0" encoding="utf-8"?>
+<file path=ppt/slides/slide13.xml><?xml version="1.0" encoding="utf-8"?>
 <p:sld xmlns:a="http://schemas.openxmlformats.org/drawingml/2006/main" xmlns:r="http://schemas.openxmlformats.org/officeDocument/2006/relationships" xmlns:p="http://schemas.openxmlformats.org/presentationml/2006/main">
   <p:cSld>
     <p:spTree>
@@ -5663,7 +5840,7 @@
           <a:p>
             <a:fld id="{F230EE04-BD3A-40AA-92AC-647453D5DADF}" type="slidenum">
               <a:rPr lang="zh-TW" altLang="en-US" smtClean="0"/>
-              <a:t>12</a:t>
+              <a:t>13</a:t>
             </a:fld>
             <a:endParaRPr lang="zh-TW" altLang="en-US"/>
           </a:p>
@@ -5882,7 +6059,7 @@
 </p:sld>
 </file>
 
-<file path=ppt/slides/slide13.xml><?xml version="1.0" encoding="utf-8"?>
+<file path=ppt/slides/slide14.xml><?xml version="1.0" encoding="utf-8"?>
 <p:sld xmlns:a="http://schemas.openxmlformats.org/drawingml/2006/main" xmlns:r="http://schemas.openxmlformats.org/officeDocument/2006/relationships" xmlns:p="http://schemas.openxmlformats.org/presentationml/2006/main">
   <p:cSld>
     <p:spTree>
@@ -5959,7 +6136,7 @@
           <a:p>
             <a:fld id="{F230EE04-BD3A-40AA-92AC-647453D5DADF}" type="slidenum">
               <a:rPr lang="zh-TW" altLang="en-US" smtClean="0"/>
-              <a:t>13</a:t>
+              <a:t>14</a:t>
             </a:fld>
             <a:endParaRPr lang="zh-TW" altLang="en-US"/>
           </a:p>
@@ -7360,7 +7537,7 @@
 </p:sld>
 </file>
 
-<file path=ppt/slides/slide14.xml><?xml version="1.0" encoding="utf-8"?>
+<file path=ppt/slides/slide15.xml><?xml version="1.0" encoding="utf-8"?>
 <p:sld xmlns:a="http://schemas.openxmlformats.org/drawingml/2006/main" xmlns:r="http://schemas.openxmlformats.org/officeDocument/2006/relationships" xmlns:p="http://schemas.openxmlformats.org/presentationml/2006/main">
   <p:cSld>
     <p:spTree>
@@ -7437,7 +7614,7 @@
           <a:p>
             <a:fld id="{F230EE04-BD3A-40AA-92AC-647453D5DADF}" type="slidenum">
               <a:rPr lang="zh-TW" altLang="en-US" smtClean="0"/>
-              <a:t>14</a:t>
+              <a:t>15</a:t>
             </a:fld>
             <a:endParaRPr lang="zh-TW" altLang="en-US"/>
           </a:p>
@@ -8718,7 +8895,7 @@
 </p:sld>
 </file>
 
-<file path=ppt/slides/slide15.xml><?xml version="1.0" encoding="utf-8"?>
+<file path=ppt/slides/slide16.xml><?xml version="1.0" encoding="utf-8"?>
 <p:sld xmlns:a="http://schemas.openxmlformats.org/drawingml/2006/main" xmlns:r="http://schemas.openxmlformats.org/officeDocument/2006/relationships" xmlns:p="http://schemas.openxmlformats.org/presentationml/2006/main">
   <p:cSld>
     <p:spTree>
@@ -8941,7 +9118,7 @@
           <a:p>
             <a:fld id="{F230EE04-BD3A-40AA-92AC-647453D5DADF}" type="slidenum">
               <a:rPr lang="zh-TW" altLang="en-US" smtClean="0"/>
-              <a:t>15</a:t>
+              <a:t>16</a:t>
             </a:fld>
             <a:endParaRPr lang="zh-TW" altLang="en-US"/>
           </a:p>
@@ -9130,7 +9307,7 @@
 </p:sld>
 </file>
 
-<file path=ppt/slides/slide16.xml><?xml version="1.0" encoding="utf-8"?>
+<file path=ppt/slides/slide17.xml><?xml version="1.0" encoding="utf-8"?>
 <p:sld xmlns:a="http://schemas.openxmlformats.org/drawingml/2006/main" xmlns:r="http://schemas.openxmlformats.org/officeDocument/2006/relationships" xmlns:p="http://schemas.openxmlformats.org/presentationml/2006/main">
   <p:cSld>
     <p:spTree>
@@ -9223,7 +9400,7 @@
           <a:p>
             <a:fld id="{F230EE04-BD3A-40AA-92AC-647453D5DADF}" type="slidenum">
               <a:rPr lang="zh-TW" altLang="en-US" smtClean="0"/>
-              <a:t>16</a:t>
+              <a:t>17</a:t>
             </a:fld>
             <a:endParaRPr lang="zh-TW" altLang="en-US"/>
           </a:p>
@@ -9542,7 +9719,7 @@
 </p:sld>
 </file>
 
-<file path=ppt/slides/slide17.xml><?xml version="1.0" encoding="utf-8"?>
+<file path=ppt/slides/slide18.xml><?xml version="1.0" encoding="utf-8"?>
 <p:sld xmlns:a="http://schemas.openxmlformats.org/drawingml/2006/main" xmlns:r="http://schemas.openxmlformats.org/officeDocument/2006/relationships" xmlns:p="http://schemas.openxmlformats.org/presentationml/2006/main">
   <p:cSld>
     <p:spTree>
@@ -9727,7 +9904,7 @@
           <a:p>
             <a:fld id="{F230EE04-BD3A-40AA-92AC-647453D5DADF}" type="slidenum">
               <a:rPr lang="zh-TW" altLang="en-US" smtClean="0"/>
-              <a:t>17</a:t>
+              <a:t>18</a:t>
             </a:fld>
             <a:endParaRPr lang="zh-TW" altLang="en-US"/>
           </a:p>
@@ -9946,7 +10123,7 @@
 </p:sld>
 </file>
 
-<file path=ppt/slides/slide18.xml><?xml version="1.0" encoding="utf-8"?>
+<file path=ppt/slides/slide19.xml><?xml version="1.0" encoding="utf-8"?>
 <p:sld xmlns:a="http://schemas.openxmlformats.org/drawingml/2006/main" xmlns:r="http://schemas.openxmlformats.org/officeDocument/2006/relationships" xmlns:p="http://schemas.openxmlformats.org/presentationml/2006/main">
   <p:cSld>
     <p:spTree>
@@ -10039,7 +10216,7 @@
           <a:p>
             <a:fld id="{F230EE04-BD3A-40AA-92AC-647453D5DADF}" type="slidenum">
               <a:rPr lang="zh-TW" altLang="en-US" smtClean="0"/>
-              <a:t>18</a:t>
+              <a:t>19</a:t>
             </a:fld>
             <a:endParaRPr lang="zh-TW" altLang="en-US"/>
           </a:p>
@@ -10358,7 +10535,7 @@
 </p:sld>
 </file>
 
-<file path=ppt/slides/slide19.xml><?xml version="1.0" encoding="utf-8"?>
+<file path=ppt/slides/slide2.xml><?xml version="1.0" encoding="utf-8"?>
 <p:sld xmlns:a="http://schemas.openxmlformats.org/drawingml/2006/main" xmlns:r="http://schemas.openxmlformats.org/officeDocument/2006/relationships" xmlns:p="http://schemas.openxmlformats.org/presentationml/2006/main">
   <p:cSld>
     <p:spTree>
@@ -10380,7 +10557,7 @@
           <p:cNvPr id="2" name="標題 1">
             <a:extLst>
               <a:ext uri="{FF2B5EF4-FFF2-40B4-BE49-F238E27FC236}">
-                <a16:creationId xmlns:a16="http://schemas.microsoft.com/office/drawing/2014/main" id="{00A05971-6D7A-450F-9AEA-0303E9A33E0E}"/>
+                <a16:creationId xmlns:a16="http://schemas.microsoft.com/office/drawing/2014/main" id="{A3EE1A25-06B3-42A5-A70A-AB338B027DA7}"/>
               </a:ext>
             </a:extLst>
           </p:cNvPr>
@@ -10397,33 +10574,211 @@
           <a:lstStyle/>
           <a:p>
             <a:r>
+              <a:rPr lang="zh-TW" altLang="en-US" dirty="0"/>
+              <a:t>睡眠指標</a:t>
+            </a:r>
+          </a:p>
+        </p:txBody>
+      </p:sp>
+      <p:sp>
+        <p:nvSpPr>
+          <p:cNvPr id="3" name="內容版面配置區 2">
+            <a:extLst>
+              <a:ext uri="{FF2B5EF4-FFF2-40B4-BE49-F238E27FC236}">
+                <a16:creationId xmlns:a16="http://schemas.microsoft.com/office/drawing/2014/main" id="{52147616-43DF-44FD-8661-721C076F8C98}"/>
+              </a:ext>
+            </a:extLst>
+          </p:cNvPr>
+          <p:cNvSpPr>
+            <a:spLocks noGrp="1"/>
+          </p:cNvSpPr>
+          <p:nvPr>
+            <p:ph idx="1"/>
+          </p:nvPr>
+        </p:nvSpPr>
+        <p:spPr/>
+        <p:txBody>
+          <a:bodyPr/>
+          <a:lstStyle/>
+          <a:p>
+            <a:pPr marL="114300" indent="-342900">
+              <a:buFont typeface="Arial" panose="020B0604020202020204" pitchFamily="34" charset="0"/>
+              <a:buChar char="•"/>
+            </a:pPr>
+            <a:r>
               <a:rPr lang="en-US" altLang="zh-TW" dirty="0"/>
               <a:t>REM</a:t>
             </a:r>
             <a:r>
               <a:rPr lang="zh-TW" altLang="en-US" dirty="0"/>
-              <a:t> </a:t>
+              <a:t>總次數</a:t>
             </a:r>
             <a:r>
               <a:rPr lang="en-US" altLang="zh-TW" dirty="0"/>
-              <a:t>fragmentation(</a:t>
+              <a:t>(</a:t>
             </a:r>
             <a:r>
               <a:rPr lang="zh-TW" altLang="en-US" dirty="0"/>
-              <a:t>以</a:t>
-            </a:r>
-            <a:r>
-              <a:rPr lang="en-US" altLang="zh-TW" dirty="0"/>
-              <a:t>cortisol</a:t>
-            </a:r>
-            <a:r>
-              <a:rPr lang="zh-TW" altLang="en-US" dirty="0"/>
-              <a:t>早晚差值變化量排序</a:t>
+              <a:t>次</a:t>
             </a:r>
             <a:r>
               <a:rPr lang="en-US" altLang="zh-TW" dirty="0"/>
               <a:t>)</a:t>
             </a:r>
+          </a:p>
+          <a:p>
+            <a:pPr marL="114300" indent="-342900">
+              <a:buFont typeface="Arial" panose="020B0604020202020204" pitchFamily="34" charset="0"/>
+              <a:buChar char="•"/>
+            </a:pPr>
+            <a:r>
+              <a:rPr lang="en-US" altLang="zh-TW" dirty="0"/>
+              <a:t>REM</a:t>
+            </a:r>
+            <a:r>
+              <a:rPr lang="zh-TW" altLang="en-US" dirty="0"/>
+              <a:t>總時間</a:t>
+            </a:r>
+            <a:r>
+              <a:rPr lang="en-US" altLang="zh-TW" dirty="0"/>
+              <a:t>(</a:t>
+            </a:r>
+            <a:r>
+              <a:rPr lang="zh-TW" altLang="en-US" dirty="0"/>
+              <a:t>秒</a:t>
+            </a:r>
+            <a:r>
+              <a:rPr lang="en-US" altLang="zh-TW" dirty="0"/>
+              <a:t>)</a:t>
+            </a:r>
+          </a:p>
+          <a:p>
+            <a:pPr marL="114300" indent="-342900">
+              <a:buFont typeface="Arial" panose="020B0604020202020204" pitchFamily="34" charset="0"/>
+              <a:buChar char="•"/>
+            </a:pPr>
+            <a:r>
+              <a:rPr lang="en-US" altLang="zh-TW" dirty="0"/>
+              <a:t>REM</a:t>
+            </a:r>
+            <a:r>
+              <a:rPr lang="zh-TW" altLang="en-US" dirty="0"/>
+              <a:t>平均長度</a:t>
+            </a:r>
+            <a:r>
+              <a:rPr lang="en-US" altLang="zh-TW" dirty="0"/>
+              <a:t>(</a:t>
+            </a:r>
+            <a:r>
+              <a:rPr lang="zh-TW" altLang="en-US" dirty="0"/>
+              <a:t>秒</a:t>
+            </a:r>
+            <a:r>
+              <a:rPr lang="en-US" altLang="zh-TW" dirty="0"/>
+              <a:t>)</a:t>
+            </a:r>
+          </a:p>
+          <a:p>
+            <a:pPr marL="114300" indent="-342900">
+              <a:buFont typeface="Arial" panose="020B0604020202020204" pitchFamily="34" charset="0"/>
+              <a:buChar char="•"/>
+            </a:pPr>
+            <a:r>
+              <a:rPr lang="en-US" altLang="zh-TW" dirty="0"/>
+              <a:t>REM</a:t>
+            </a:r>
+            <a:r>
+              <a:rPr lang="zh-TW" altLang="en-US" dirty="0"/>
+              <a:t> </a:t>
+            </a:r>
+            <a:r>
+              <a:rPr lang="en-US" altLang="zh-TW" dirty="0"/>
+              <a:t>fragmentation(%)</a:t>
+            </a:r>
+          </a:p>
+          <a:p>
+            <a:pPr lvl="1">
+              <a:buFont typeface="Wingdings" panose="05000000000000000000" pitchFamily="2" charset="2"/>
+              <a:buChar char="ü"/>
+            </a:pPr>
+            <a:r>
+              <a:rPr lang="en-US" altLang="zh-TW" dirty="0"/>
+              <a:t>percent of short arousal duration to REM sleep duration</a:t>
+            </a:r>
+          </a:p>
+          <a:p>
+            <a:pPr marL="114300" indent="-342900">
+              <a:buFont typeface="Arial" panose="020B0604020202020204" pitchFamily="34" charset="0"/>
+              <a:buChar char="•"/>
+            </a:pPr>
+            <a:r>
+              <a:rPr lang="en-US" altLang="zh-TW" dirty="0"/>
+              <a:t>REM latency(</a:t>
+            </a:r>
+            <a:r>
+              <a:rPr lang="zh-TW" altLang="en-US" dirty="0"/>
+              <a:t>秒</a:t>
+            </a:r>
+            <a:r>
+              <a:rPr lang="en-US" altLang="zh-TW" dirty="0"/>
+              <a:t>)</a:t>
+            </a:r>
+          </a:p>
+          <a:p>
+            <a:pPr marL="114300" indent="-342900">
+              <a:buFont typeface="Arial" panose="020B0604020202020204" pitchFamily="34" charset="0"/>
+              <a:buChar char="•"/>
+            </a:pPr>
+            <a:r>
+              <a:rPr lang="en-US" altLang="zh-TW" dirty="0"/>
+              <a:t>REM</a:t>
+            </a:r>
+            <a:r>
+              <a:rPr lang="zh-TW" altLang="en-US" dirty="0"/>
+              <a:t> </a:t>
+            </a:r>
+            <a:r>
+              <a:rPr lang="en-US" altLang="zh-TW" dirty="0"/>
+              <a:t>density(%)</a:t>
+            </a:r>
+          </a:p>
+          <a:p>
+            <a:pPr lvl="1">
+              <a:buFont typeface="Wingdings" panose="05000000000000000000" pitchFamily="2" charset="2"/>
+              <a:buChar char="ü"/>
+            </a:pPr>
+            <a:r>
+              <a:rPr lang="en-US" altLang="zh-TW" dirty="0"/>
+              <a:t>percent of rapid eye movements in relation to REM sleep duration</a:t>
+            </a:r>
+          </a:p>
+          <a:p>
+            <a:pPr marL="114300" indent="-342900">
+              <a:buFont typeface="Arial" panose="020B0604020202020204" pitchFamily="34" charset="0"/>
+              <a:buChar char="•"/>
+            </a:pPr>
+            <a:r>
+              <a:rPr lang="en-US" altLang="zh-TW" dirty="0"/>
+              <a:t>REM</a:t>
+            </a:r>
+            <a:r>
+              <a:rPr lang="zh-TW" altLang="en-US" dirty="0"/>
+              <a:t>睡眠階段比例</a:t>
+            </a:r>
+            <a:r>
+              <a:rPr lang="en-US" altLang="zh-TW" dirty="0"/>
+              <a:t>(%)</a:t>
+            </a:r>
+          </a:p>
+          <a:p>
+            <a:pPr marL="114300" indent="-342900">
+              <a:buFont typeface="Arial" panose="020B0604020202020204" pitchFamily="34" charset="0"/>
+              <a:buChar char="•"/>
+            </a:pPr>
+            <a:endParaRPr lang="en-US" altLang="zh-TW" dirty="0"/>
+          </a:p>
+          <a:p>
+            <a:pPr lvl="1"/>
             <a:endParaRPr lang="zh-TW" altLang="en-US" dirty="0"/>
           </a:p>
         </p:txBody>
@@ -10433,7 +10788,7 @@
           <p:cNvPr id="4" name="投影片編號版面配置區 3">
             <a:extLst>
               <a:ext uri="{FF2B5EF4-FFF2-40B4-BE49-F238E27FC236}">
-                <a16:creationId xmlns:a16="http://schemas.microsoft.com/office/drawing/2014/main" id="{82A0F3A4-24D1-46B4-872B-12DC4FDA06A9}"/>
+                <a16:creationId xmlns:a16="http://schemas.microsoft.com/office/drawing/2014/main" id="{48C565C8-2DA6-403A-86CD-5DF9C3F2CBAF}"/>
               </a:ext>
             </a:extLst>
           </p:cNvPr>
@@ -10451,7 +10806,119 @@
           <a:p>
             <a:fld id="{F230EE04-BD3A-40AA-92AC-647453D5DADF}" type="slidenum">
               <a:rPr lang="zh-TW" altLang="en-US" smtClean="0"/>
-              <a:t>19</a:t>
+              <a:t>2</a:t>
+            </a:fld>
+            <a:endParaRPr lang="zh-TW" altLang="en-US"/>
+          </a:p>
+        </p:txBody>
+      </p:sp>
+    </p:spTree>
+    <p:extLst>
+      <p:ext uri="{BB962C8B-B14F-4D97-AF65-F5344CB8AC3E}">
+        <p14:creationId xmlns:p14="http://schemas.microsoft.com/office/powerpoint/2010/main" val="539358749"/>
+      </p:ext>
+    </p:extLst>
+  </p:cSld>
+  <p:clrMapOvr>
+    <a:masterClrMapping/>
+  </p:clrMapOvr>
+</p:sld>
+</file>
+
+<file path=ppt/slides/slide20.xml><?xml version="1.0" encoding="utf-8"?>
+<p:sld xmlns:a="http://schemas.openxmlformats.org/drawingml/2006/main" xmlns:r="http://schemas.openxmlformats.org/officeDocument/2006/relationships" xmlns:p="http://schemas.openxmlformats.org/presentationml/2006/main">
+  <p:cSld>
+    <p:spTree>
+      <p:nvGrpSpPr>
+        <p:cNvPr id="1" name=""/>
+        <p:cNvGrpSpPr/>
+        <p:nvPr/>
+      </p:nvGrpSpPr>
+      <p:grpSpPr>
+        <a:xfrm>
+          <a:off x="0" y="0"/>
+          <a:ext cx="0" cy="0"/>
+          <a:chOff x="0" y="0"/>
+          <a:chExt cx="0" cy="0"/>
+        </a:xfrm>
+      </p:grpSpPr>
+      <p:sp>
+        <p:nvSpPr>
+          <p:cNvPr id="2" name="標題 1">
+            <a:extLst>
+              <a:ext uri="{FF2B5EF4-FFF2-40B4-BE49-F238E27FC236}">
+                <a16:creationId xmlns:a16="http://schemas.microsoft.com/office/drawing/2014/main" id="{00A05971-6D7A-450F-9AEA-0303E9A33E0E}"/>
+              </a:ext>
+            </a:extLst>
+          </p:cNvPr>
+          <p:cNvSpPr>
+            <a:spLocks noGrp="1"/>
+          </p:cNvSpPr>
+          <p:nvPr>
+            <p:ph type="title"/>
+          </p:nvPr>
+        </p:nvSpPr>
+        <p:spPr/>
+        <p:txBody>
+          <a:bodyPr/>
+          <a:lstStyle/>
+          <a:p>
+            <a:r>
+              <a:rPr lang="en-US" altLang="zh-TW" dirty="0"/>
+              <a:t>REM</a:t>
+            </a:r>
+            <a:r>
+              <a:rPr lang="zh-TW" altLang="en-US" dirty="0"/>
+              <a:t> </a:t>
+            </a:r>
+            <a:r>
+              <a:rPr lang="en-US" altLang="zh-TW" dirty="0"/>
+              <a:t>fragmentation(</a:t>
+            </a:r>
+            <a:r>
+              <a:rPr lang="zh-TW" altLang="en-US" dirty="0"/>
+              <a:t>以</a:t>
+            </a:r>
+            <a:r>
+              <a:rPr lang="en-US" altLang="zh-TW" dirty="0"/>
+              <a:t>cortisol</a:t>
+            </a:r>
+            <a:r>
+              <a:rPr lang="zh-TW" altLang="en-US" dirty="0"/>
+              <a:t>早晚差值變化量排序</a:t>
+            </a:r>
+            <a:r>
+              <a:rPr lang="en-US" altLang="zh-TW" dirty="0"/>
+              <a:t>)</a:t>
+            </a:r>
+            <a:endParaRPr lang="zh-TW" altLang="en-US" dirty="0"/>
+          </a:p>
+        </p:txBody>
+      </p:sp>
+      <p:sp>
+        <p:nvSpPr>
+          <p:cNvPr id="4" name="投影片編號版面配置區 3">
+            <a:extLst>
+              <a:ext uri="{FF2B5EF4-FFF2-40B4-BE49-F238E27FC236}">
+                <a16:creationId xmlns:a16="http://schemas.microsoft.com/office/drawing/2014/main" id="{82A0F3A4-24D1-46B4-872B-12DC4FDA06A9}"/>
+              </a:ext>
+            </a:extLst>
+          </p:cNvPr>
+          <p:cNvSpPr>
+            <a:spLocks noGrp="1"/>
+          </p:cNvSpPr>
+          <p:nvPr>
+            <p:ph type="sldNum" sz="quarter" idx="12"/>
+          </p:nvPr>
+        </p:nvSpPr>
+        <p:spPr/>
+        <p:txBody>
+          <a:bodyPr/>
+          <a:lstStyle/>
+          <a:p>
+            <a:fld id="{F230EE04-BD3A-40AA-92AC-647453D5DADF}" type="slidenum">
+              <a:rPr lang="zh-TW" altLang="en-US" smtClean="0"/>
+              <a:t>20</a:t>
             </a:fld>
             <a:endParaRPr lang="zh-TW" altLang="en-US"/>
           </a:p>
@@ -10770,7 +11237,7 @@
 </p:sld>
 </file>
 
-<file path=ppt/slides/slide2.xml><?xml version="1.0" encoding="utf-8"?>
+<file path=ppt/slides/slide21.xml><?xml version="1.0" encoding="utf-8"?>
 <p:sld xmlns:a="http://schemas.openxmlformats.org/drawingml/2006/main" xmlns:r="http://schemas.openxmlformats.org/officeDocument/2006/relationships" xmlns:p="http://schemas.openxmlformats.org/presentationml/2006/main">
   <p:cSld>
     <p:spTree>
@@ -10792,533 +11259,6 @@
           <p:cNvPr id="2" name="標題 1">
             <a:extLst>
               <a:ext uri="{FF2B5EF4-FFF2-40B4-BE49-F238E27FC236}">
-                <a16:creationId xmlns:a16="http://schemas.microsoft.com/office/drawing/2014/main" id="{331F264F-538B-4111-9AF6-93267F6E7AFF}"/>
-              </a:ext>
-            </a:extLst>
-          </p:cNvPr>
-          <p:cNvSpPr>
-            <a:spLocks noGrp="1"/>
-          </p:cNvSpPr>
-          <p:nvPr>
-            <p:ph type="title"/>
-          </p:nvPr>
-        </p:nvSpPr>
-        <p:spPr/>
-        <p:txBody>
-          <a:bodyPr/>
-          <a:lstStyle/>
-          <a:p>
-            <a:r>
-              <a:rPr lang="zh-TW" altLang="en-US" dirty="0"/>
-              <a:t>睡眠指標數值參考依據</a:t>
-            </a:r>
-          </a:p>
-        </p:txBody>
-      </p:sp>
-      <p:sp>
-        <p:nvSpPr>
-          <p:cNvPr id="3" name="內容版面配置區 2">
-            <a:extLst>
-              <a:ext uri="{FF2B5EF4-FFF2-40B4-BE49-F238E27FC236}">
-                <a16:creationId xmlns:a16="http://schemas.microsoft.com/office/drawing/2014/main" id="{6E131EDE-836B-4B96-B95A-BF400CDA4022}"/>
-              </a:ext>
-            </a:extLst>
-          </p:cNvPr>
-          <p:cNvSpPr>
-            <a:spLocks noGrp="1"/>
-          </p:cNvSpPr>
-          <p:nvPr>
-            <p:ph idx="1"/>
-          </p:nvPr>
-        </p:nvSpPr>
-        <p:spPr/>
-        <p:txBody>
-          <a:bodyPr/>
-          <a:lstStyle/>
-          <a:p>
-            <a:pPr marL="342900" indent="-342900">
-              <a:buFont typeface="Arial" panose="020B0604020202020204" pitchFamily="34" charset="0"/>
-              <a:buChar char="•"/>
-            </a:pPr>
-            <a:r>
-              <a:rPr lang="en-US" altLang="zh-TW" dirty="0"/>
-              <a:t>REM</a:t>
-            </a:r>
-            <a:r>
-              <a:rPr lang="zh-TW" altLang="en-US" dirty="0"/>
-              <a:t>總次數</a:t>
-            </a:r>
-            <a:r>
-              <a:rPr lang="en-US" altLang="zh-TW" dirty="0"/>
-              <a:t>:</a:t>
-            </a:r>
-            <a:r>
-              <a:rPr lang="zh-TW" altLang="en-US" dirty="0"/>
-              <a:t> </a:t>
-            </a:r>
-            <a:r>
-              <a:rPr lang="zh-TW" altLang="en-US" dirty="0">
-                <a:solidFill>
-                  <a:schemeClr val="accent5">
-                    <a:lumMod val="50000"/>
-                  </a:schemeClr>
-                </a:solidFill>
-              </a:rPr>
-              <a:t>典型為</a:t>
-            </a:r>
-            <a:r>
-              <a:rPr lang="en-US" altLang="zh-TW" dirty="0">
-                <a:solidFill>
-                  <a:schemeClr val="accent5">
-                    <a:lumMod val="50000"/>
-                  </a:schemeClr>
-                </a:solidFill>
-              </a:rPr>
-              <a:t>90</a:t>
-            </a:r>
-            <a:r>
-              <a:rPr lang="zh-TW" altLang="en-US" dirty="0">
-                <a:solidFill>
-                  <a:schemeClr val="accent5">
-                    <a:lumMod val="50000"/>
-                  </a:schemeClr>
-                </a:solidFill>
-              </a:rPr>
-              <a:t>分鐘週期循環，因此一晚約為</a:t>
-            </a:r>
-            <a:r>
-              <a:rPr lang="en-US" altLang="zh-TW" dirty="0">
-                <a:solidFill>
-                  <a:schemeClr val="accent5">
-                    <a:lumMod val="50000"/>
-                  </a:schemeClr>
-                </a:solidFill>
-              </a:rPr>
-              <a:t>5</a:t>
-            </a:r>
-            <a:r>
-              <a:rPr lang="zh-TW" altLang="en-US" dirty="0">
-                <a:solidFill>
-                  <a:schemeClr val="accent5">
-                    <a:lumMod val="50000"/>
-                  </a:schemeClr>
-                </a:solidFill>
-              </a:rPr>
-              <a:t>到</a:t>
-            </a:r>
-            <a:r>
-              <a:rPr lang="en-US" altLang="zh-TW" dirty="0">
-                <a:solidFill>
-                  <a:schemeClr val="accent5">
-                    <a:lumMod val="50000"/>
-                  </a:schemeClr>
-                </a:solidFill>
-              </a:rPr>
-              <a:t>6</a:t>
-            </a:r>
-            <a:r>
-              <a:rPr lang="zh-TW" altLang="en-US" dirty="0">
-                <a:solidFill>
-                  <a:schemeClr val="accent5">
-                    <a:lumMod val="50000"/>
-                  </a:schemeClr>
-                </a:solidFill>
-              </a:rPr>
-              <a:t>次</a:t>
-            </a:r>
-            <a:r>
-              <a:rPr lang="en-US" altLang="zh-TW" dirty="0">
-                <a:solidFill>
-                  <a:schemeClr val="accent5">
-                    <a:lumMod val="50000"/>
-                  </a:schemeClr>
-                </a:solidFill>
-              </a:rPr>
-              <a:t>REM</a:t>
-            </a:r>
-            <a:r>
-              <a:rPr lang="zh-TW" altLang="en-US" dirty="0">
-                <a:solidFill>
-                  <a:schemeClr val="accent5">
-                    <a:lumMod val="50000"/>
-                  </a:schemeClr>
-                </a:solidFill>
-              </a:rPr>
-              <a:t>，但對</a:t>
-            </a:r>
-            <a:r>
-              <a:rPr lang="en-US" altLang="zh-TW" dirty="0">
-                <a:solidFill>
-                  <a:schemeClr val="accent5">
-                    <a:lumMod val="50000"/>
-                  </a:schemeClr>
-                </a:solidFill>
-              </a:rPr>
-              <a:t>REM</a:t>
-            </a:r>
-            <a:r>
-              <a:rPr lang="zh-TW" altLang="en-US" dirty="0">
-                <a:solidFill>
-                  <a:schemeClr val="accent5">
-                    <a:lumMod val="50000"/>
-                  </a:schemeClr>
-                </a:solidFill>
-              </a:rPr>
-              <a:t>睡眠的剝奪，會導致嘗試進入</a:t>
-            </a:r>
-            <a:r>
-              <a:rPr lang="en-US" altLang="zh-TW" dirty="0">
-                <a:solidFill>
-                  <a:schemeClr val="accent5">
-                    <a:lumMod val="50000"/>
-                  </a:schemeClr>
-                </a:solidFill>
-              </a:rPr>
-              <a:t>REM</a:t>
-            </a:r>
-            <a:r>
-              <a:rPr lang="zh-TW" altLang="en-US" dirty="0">
-                <a:solidFill>
-                  <a:schemeClr val="accent5">
-                    <a:lumMod val="50000"/>
-                  </a:schemeClr>
-                </a:solidFill>
-              </a:rPr>
-              <a:t>睡眠的次數顯著增加。在允許恢復</a:t>
-            </a:r>
-            <a:r>
-              <a:rPr lang="en-US" altLang="zh-TW" dirty="0">
-                <a:solidFill>
-                  <a:schemeClr val="accent5">
-                    <a:lumMod val="50000"/>
-                  </a:schemeClr>
-                </a:solidFill>
-              </a:rPr>
-              <a:t>REM</a:t>
-            </a:r>
-            <a:r>
-              <a:rPr lang="zh-TW" altLang="en-US" dirty="0">
-                <a:solidFill>
-                  <a:schemeClr val="accent5">
-                    <a:lumMod val="50000"/>
-                  </a:schemeClr>
-                </a:solidFill>
-              </a:rPr>
-              <a:t>睡眠的夜晚，進入第三階段睡眠和</a:t>
-            </a:r>
-            <a:r>
-              <a:rPr lang="en-US" altLang="zh-TW" dirty="0">
-                <a:solidFill>
-                  <a:schemeClr val="accent5">
-                    <a:lumMod val="50000"/>
-                  </a:schemeClr>
-                </a:solidFill>
-              </a:rPr>
-              <a:t>REM</a:t>
-            </a:r>
-            <a:r>
-              <a:rPr lang="zh-TW" altLang="en-US" dirty="0">
-                <a:solidFill>
-                  <a:schemeClr val="accent5">
-                    <a:lumMod val="50000"/>
-                  </a:schemeClr>
-                </a:solidFill>
-              </a:rPr>
-              <a:t>睡眠的速度會加快，並且經歷</a:t>
-            </a:r>
-            <a:r>
-              <a:rPr lang="en-US" altLang="zh-TW" dirty="0">
-                <a:solidFill>
-                  <a:schemeClr val="accent5">
-                    <a:lumMod val="50000"/>
-                  </a:schemeClr>
-                </a:solidFill>
-              </a:rPr>
-              <a:t>REM</a:t>
-            </a:r>
-            <a:r>
-              <a:rPr lang="zh-TW" altLang="en-US" dirty="0">
-                <a:solidFill>
-                  <a:schemeClr val="accent5">
-                    <a:lumMod val="50000"/>
-                  </a:schemeClr>
-                </a:solidFill>
-              </a:rPr>
-              <a:t>反彈，也就是</a:t>
-            </a:r>
-            <a:r>
-              <a:rPr lang="en-US" altLang="zh-TW" dirty="0">
-                <a:solidFill>
-                  <a:schemeClr val="accent5">
-                    <a:lumMod val="50000"/>
-                  </a:schemeClr>
-                </a:solidFill>
-              </a:rPr>
-              <a:t>REM</a:t>
-            </a:r>
-            <a:r>
-              <a:rPr lang="zh-TW" altLang="en-US" dirty="0">
-                <a:solidFill>
-                  <a:schemeClr val="accent5">
-                    <a:lumMod val="50000"/>
-                  </a:schemeClr>
-                </a:solidFill>
-              </a:rPr>
-              <a:t>睡眠的時間會比正常情況大幅增加</a:t>
-            </a:r>
-            <a:br>
-              <a:rPr lang="en-US" altLang="zh-TW" dirty="0"/>
-            </a:br>
-            <a:r>
-              <a:rPr lang="en-US" altLang="zh-TW" sz="1400" dirty="0">
-                <a:solidFill>
-                  <a:schemeClr val="accent5">
-                    <a:lumMod val="50000"/>
-                  </a:schemeClr>
-                </a:solidFill>
-              </a:rPr>
-              <a:t>Selective REM sleep deprivation in humans: Effects on sleep and sleep EEG. The American journal of physiology. 1998</a:t>
-            </a:r>
-          </a:p>
-          <a:p>
-            <a:pPr marL="342900" indent="-342900">
-              <a:buFont typeface="Arial" panose="020B0604020202020204" pitchFamily="34" charset="0"/>
-              <a:buChar char="•"/>
-            </a:pPr>
-            <a:r>
-              <a:rPr lang="en-US" altLang="zh-TW" dirty="0"/>
-              <a:t>Typical REM duration:</a:t>
-            </a:r>
-            <a:r>
-              <a:rPr lang="zh-TW" altLang="en-US" dirty="0"/>
-              <a:t> </a:t>
-            </a:r>
-            <a:r>
-              <a:rPr lang="en-US" altLang="zh-TW" dirty="0">
-                <a:solidFill>
-                  <a:schemeClr val="accent5">
-                    <a:lumMod val="50000"/>
-                  </a:schemeClr>
-                </a:solidFill>
-              </a:rPr>
-              <a:t>20% - 25% of total sleep time</a:t>
-            </a:r>
-          </a:p>
-          <a:p>
-            <a:pPr marL="342900" indent="-342900">
-              <a:buFont typeface="Arial" panose="020B0604020202020204" pitchFamily="34" charset="0"/>
-              <a:buChar char="•"/>
-            </a:pPr>
-            <a:r>
-              <a:rPr lang="en-US" altLang="zh-TW" dirty="0"/>
-              <a:t>Typical REM average: </a:t>
-            </a:r>
-            <a:r>
-              <a:rPr lang="en-US" altLang="zh-TW" dirty="0">
-                <a:solidFill>
-                  <a:schemeClr val="accent5">
-                    <a:lumMod val="50000"/>
-                  </a:schemeClr>
-                </a:solidFill>
-              </a:rPr>
-              <a:t>in adult human lasts from 5 to 30 minutes</a:t>
-            </a:r>
-          </a:p>
-          <a:p>
-            <a:pPr marL="342900" indent="-342900">
-              <a:buFont typeface="Arial" panose="020B0604020202020204" pitchFamily="34" charset="0"/>
-              <a:buChar char="•"/>
-            </a:pPr>
-            <a:r>
-              <a:rPr lang="en-US" altLang="zh-TW" dirty="0"/>
-              <a:t>REM</a:t>
-            </a:r>
-            <a:r>
-              <a:rPr lang="zh-TW" altLang="en-US" dirty="0"/>
-              <a:t> </a:t>
-            </a:r>
-            <a:r>
-              <a:rPr lang="en-US" altLang="zh-TW" dirty="0"/>
-              <a:t>fragmentation</a:t>
-            </a:r>
-          </a:p>
-          <a:p>
-            <a:pPr marL="342900" indent="-342900">
-              <a:buFont typeface="Arial" panose="020B0604020202020204" pitchFamily="34" charset="0"/>
-              <a:buChar char="•"/>
-            </a:pPr>
-            <a:r>
-              <a:rPr lang="en-US" altLang="zh-TW" dirty="0"/>
-              <a:t>Typical REM latency: </a:t>
-            </a:r>
-            <a:r>
-              <a:rPr lang="en-US" altLang="zh-TW" dirty="0">
-                <a:solidFill>
-                  <a:schemeClr val="accent5">
-                    <a:lumMod val="50000"/>
-                  </a:schemeClr>
-                </a:solidFill>
-              </a:rPr>
-              <a:t>70 minutes after sleep</a:t>
-            </a:r>
-            <a:br>
-              <a:rPr lang="en-US" altLang="zh-TW" dirty="0"/>
-            </a:br>
-            <a:r>
-              <a:rPr lang="en-US" altLang="zh-TW" sz="1400" dirty="0">
-                <a:solidFill>
-                  <a:schemeClr val="accent5">
-                    <a:lumMod val="50000"/>
-                  </a:schemeClr>
-                </a:solidFill>
-              </a:rPr>
-              <a:t>Robert W. McCarley (2007)</a:t>
-            </a:r>
-            <a:r>
-              <a:rPr lang="zh-TW" altLang="en-US" sz="1400" dirty="0">
-                <a:solidFill>
-                  <a:schemeClr val="accent5">
-                    <a:lumMod val="50000"/>
-                  </a:schemeClr>
-                </a:solidFill>
-              </a:rPr>
-              <a:t>，「</a:t>
-            </a:r>
-            <a:r>
-              <a:rPr lang="en-US" altLang="zh-TW" sz="1400" dirty="0">
-                <a:solidFill>
-                  <a:schemeClr val="accent5">
-                    <a:lumMod val="50000"/>
-                  </a:schemeClr>
-                </a:solidFill>
-              </a:rPr>
-              <a:t>Neurobiology of REM and NREM sleep</a:t>
-            </a:r>
-            <a:r>
-              <a:rPr lang="zh-TW" altLang="en-US" sz="1400" dirty="0">
-                <a:solidFill>
-                  <a:schemeClr val="accent5">
-                    <a:lumMod val="50000"/>
-                  </a:schemeClr>
-                </a:solidFill>
-              </a:rPr>
-              <a:t>」</a:t>
-            </a:r>
-            <a:r>
-              <a:rPr lang="en-US" altLang="zh-TW" sz="1400" dirty="0">
-                <a:solidFill>
-                  <a:schemeClr val="accent5">
-                    <a:lumMod val="50000"/>
-                  </a:schemeClr>
-                </a:solidFill>
-              </a:rPr>
-              <a:t>, Sleep Medicine 8</a:t>
-            </a:r>
-          </a:p>
-          <a:p>
-            <a:pPr marL="342900" indent="-342900">
-              <a:buFont typeface="Arial" panose="020B0604020202020204" pitchFamily="34" charset="0"/>
-              <a:buChar char="•"/>
-            </a:pPr>
-            <a:r>
-              <a:rPr lang="en-US" altLang="zh-TW" dirty="0"/>
-              <a:t>REM density</a:t>
-            </a:r>
-          </a:p>
-          <a:p>
-            <a:pPr marL="342900" indent="-342900">
-              <a:buFont typeface="Arial" panose="020B0604020202020204" pitchFamily="34" charset="0"/>
-              <a:buChar char="•"/>
-            </a:pPr>
-            <a:r>
-              <a:rPr lang="en-US" altLang="zh-TW" dirty="0"/>
-              <a:t>REM percentage: </a:t>
-            </a:r>
-            <a:r>
-              <a:rPr lang="en-US" altLang="zh-TW" dirty="0">
-                <a:solidFill>
-                  <a:schemeClr val="accent5">
-                    <a:lumMod val="50000"/>
-                  </a:schemeClr>
-                </a:solidFill>
-              </a:rPr>
-              <a:t>20% - 25% of total sleep time</a:t>
-            </a:r>
-            <a:endParaRPr lang="en-US" altLang="zh-TW" dirty="0"/>
-          </a:p>
-          <a:p>
-            <a:pPr marL="342900" indent="-342900">
-              <a:buFont typeface="Arial" panose="020B0604020202020204" pitchFamily="34" charset="0"/>
-              <a:buChar char="•"/>
-            </a:pPr>
-            <a:endParaRPr lang="en-US" altLang="zh-TW" dirty="0"/>
-          </a:p>
-        </p:txBody>
-      </p:sp>
-      <p:sp>
-        <p:nvSpPr>
-          <p:cNvPr id="4" name="投影片編號版面配置區 3">
-            <a:extLst>
-              <a:ext uri="{FF2B5EF4-FFF2-40B4-BE49-F238E27FC236}">
-                <a16:creationId xmlns:a16="http://schemas.microsoft.com/office/drawing/2014/main" id="{19CE9778-C190-4E8A-ACD4-CB5B5B22B7BA}"/>
-              </a:ext>
-            </a:extLst>
-          </p:cNvPr>
-          <p:cNvSpPr>
-            <a:spLocks noGrp="1"/>
-          </p:cNvSpPr>
-          <p:nvPr>
-            <p:ph type="sldNum" sz="quarter" idx="12"/>
-          </p:nvPr>
-        </p:nvSpPr>
-        <p:spPr/>
-        <p:txBody>
-          <a:bodyPr/>
-          <a:lstStyle/>
-          <a:p>
-            <a:fld id="{F230EE04-BD3A-40AA-92AC-647453D5DADF}" type="slidenum">
-              <a:rPr lang="zh-TW" altLang="en-US" smtClean="0"/>
-              <a:t>2</a:t>
-            </a:fld>
-            <a:endParaRPr lang="zh-TW" altLang="en-US"/>
-          </a:p>
-        </p:txBody>
-      </p:sp>
-    </p:spTree>
-    <p:extLst>
-      <p:ext uri="{BB962C8B-B14F-4D97-AF65-F5344CB8AC3E}">
-        <p14:creationId xmlns:p14="http://schemas.microsoft.com/office/powerpoint/2010/main" val="929125191"/>
-      </p:ext>
-    </p:extLst>
-  </p:cSld>
-  <p:clrMapOvr>
-    <a:masterClrMapping/>
-  </p:clrMapOvr>
-</p:sld>
-</file>
-
-<file path=ppt/slides/slide20.xml><?xml version="1.0" encoding="utf-8"?>
-<p:sld xmlns:a="http://schemas.openxmlformats.org/drawingml/2006/main" xmlns:r="http://schemas.openxmlformats.org/officeDocument/2006/relationships" xmlns:p="http://schemas.openxmlformats.org/presentationml/2006/main">
-  <p:cSld>
-    <p:spTree>
-      <p:nvGrpSpPr>
-        <p:cNvPr id="1" name=""/>
-        <p:cNvGrpSpPr/>
-        <p:nvPr/>
-      </p:nvGrpSpPr>
-      <p:grpSpPr>
-        <a:xfrm>
-          <a:off x="0" y="0"/>
-          <a:ext cx="0" cy="0"/>
-          <a:chOff x="0" y="0"/>
-          <a:chExt cx="0" cy="0"/>
-        </a:xfrm>
-      </p:grpSpPr>
-      <p:sp>
-        <p:nvSpPr>
-          <p:cNvPr id="2" name="標題 1">
-            <a:extLst>
-              <a:ext uri="{FF2B5EF4-FFF2-40B4-BE49-F238E27FC236}">
                 <a16:creationId xmlns:a16="http://schemas.microsoft.com/office/drawing/2014/main" id="{3AFC7AD6-37C0-4064-AA7B-A745D8CE501D}"/>
               </a:ext>
             </a:extLst>
@@ -11482,7 +11422,7 @@
           <a:p>
             <a:fld id="{F230EE04-BD3A-40AA-92AC-647453D5DADF}" type="slidenum">
               <a:rPr lang="zh-TW" altLang="en-US" smtClean="0"/>
-              <a:t>20</a:t>
+              <a:t>21</a:t>
             </a:fld>
             <a:endParaRPr lang="zh-TW" altLang="en-US"/>
           </a:p>
@@ -11701,7 +11641,7 @@
 </p:sld>
 </file>
 
-<file path=ppt/slides/slide21.xml><?xml version="1.0" encoding="utf-8"?>
+<file path=ppt/slides/slide22.xml><?xml version="1.0" encoding="utf-8"?>
 <p:sld xmlns:a="http://schemas.openxmlformats.org/drawingml/2006/main" xmlns:r="http://schemas.openxmlformats.org/officeDocument/2006/relationships" xmlns:p="http://schemas.openxmlformats.org/presentationml/2006/main">
   <p:cSld>
     <p:spTree>
@@ -11886,7 +11826,7 @@
           <a:p>
             <a:fld id="{F230EE04-BD3A-40AA-92AC-647453D5DADF}" type="slidenum">
               <a:rPr lang="zh-TW" altLang="en-US" smtClean="0"/>
-              <a:t>21</a:t>
+              <a:t>22</a:t>
             </a:fld>
             <a:endParaRPr lang="zh-TW" altLang="en-US"/>
           </a:p>
@@ -12105,7 +12045,7 @@
 </p:sld>
 </file>
 
-<file path=ppt/slides/slide22.xml><?xml version="1.0" encoding="utf-8"?>
+<file path=ppt/slides/slide23.xml><?xml version="1.0" encoding="utf-8"?>
 <p:sld xmlns:a="http://schemas.openxmlformats.org/drawingml/2006/main" xmlns:r="http://schemas.openxmlformats.org/officeDocument/2006/relationships" xmlns:p="http://schemas.openxmlformats.org/presentationml/2006/main">
   <p:cSld>
     <p:spTree>
@@ -12173,7 +12113,7 @@
           <a:p>
             <a:fld id="{F230EE04-BD3A-40AA-92AC-647453D5DADF}" type="slidenum">
               <a:rPr lang="zh-TW" altLang="en-US" smtClean="0"/>
-              <a:t>22</a:t>
+              <a:t>23</a:t>
             </a:fld>
             <a:endParaRPr lang="zh-TW" altLang="en-US"/>
           </a:p>
@@ -12800,7 +12740,7 @@
 </p:sld>
 </file>
 
-<file path=ppt/slides/slide23.xml><?xml version="1.0" encoding="utf-8"?>
+<file path=ppt/slides/slide24.xml><?xml version="1.0" encoding="utf-8"?>
 <p:sld xmlns:a="http://schemas.openxmlformats.org/drawingml/2006/main" xmlns:r="http://schemas.openxmlformats.org/officeDocument/2006/relationships" xmlns:p="http://schemas.openxmlformats.org/presentationml/2006/main">
   <p:cSld>
     <p:spTree>
@@ -12954,7 +12894,7 @@
           <a:p>
             <a:fld id="{F230EE04-BD3A-40AA-92AC-647453D5DADF}" type="slidenum">
               <a:rPr lang="zh-TW" altLang="en-US" smtClean="0"/>
-              <a:t>23</a:t>
+              <a:t>24</a:t>
             </a:fld>
             <a:endParaRPr lang="zh-TW" altLang="en-US"/>
           </a:p>
@@ -13081,127 +13021,6 @@
 </p:sld>
 </file>
 
-<file path=ppt/slides/slide24.xml><?xml version="1.0" encoding="utf-8"?>
-<p:sld xmlns:a="http://schemas.openxmlformats.org/drawingml/2006/main" xmlns:r="http://schemas.openxmlformats.org/officeDocument/2006/relationships" xmlns:p="http://schemas.openxmlformats.org/presentationml/2006/main">
-  <p:cSld>
-    <p:spTree>
-      <p:nvGrpSpPr>
-        <p:cNvPr id="1" name=""/>
-        <p:cNvGrpSpPr/>
-        <p:nvPr/>
-      </p:nvGrpSpPr>
-      <p:grpSpPr>
-        <a:xfrm>
-          <a:off x="0" y="0"/>
-          <a:ext cx="0" cy="0"/>
-          <a:chOff x="0" y="0"/>
-          <a:chExt cx="0" cy="0"/>
-        </a:xfrm>
-      </p:grpSpPr>
-      <p:sp>
-        <p:nvSpPr>
-          <p:cNvPr id="2" name="標題 1">
-            <a:extLst>
-              <a:ext uri="{FF2B5EF4-FFF2-40B4-BE49-F238E27FC236}">
-                <a16:creationId xmlns:a16="http://schemas.microsoft.com/office/drawing/2014/main" id="{3FC6F6B6-D967-4132-998A-948D0E252501}"/>
-              </a:ext>
-            </a:extLst>
-          </p:cNvPr>
-          <p:cNvSpPr>
-            <a:spLocks noGrp="1"/>
-          </p:cNvSpPr>
-          <p:nvPr>
-            <p:ph type="title"/>
-          </p:nvPr>
-        </p:nvSpPr>
-        <p:spPr/>
-        <p:txBody>
-          <a:bodyPr/>
-          <a:lstStyle/>
-          <a:p>
-            <a:r>
-              <a:rPr lang="en-US" altLang="zh-TW" dirty="0"/>
-              <a:t>cortisol</a:t>
-            </a:r>
-            <a:r>
-              <a:rPr lang="zh-TW" altLang="en-US" dirty="0"/>
-              <a:t>絕對值高低分群睡眠指標</a:t>
-            </a:r>
-            <a:r>
-              <a:rPr lang="en-US" altLang="zh-TW"/>
-              <a:t>Mean(SD)</a:t>
-            </a:r>
-            <a:endParaRPr lang="zh-TW" altLang="en-US" dirty="0"/>
-          </a:p>
-        </p:txBody>
-      </p:sp>
-      <p:sp>
-        <p:nvSpPr>
-          <p:cNvPr id="3" name="內容版面配置區 2">
-            <a:extLst>
-              <a:ext uri="{FF2B5EF4-FFF2-40B4-BE49-F238E27FC236}">
-                <a16:creationId xmlns:a16="http://schemas.microsoft.com/office/drawing/2014/main" id="{D9E080AE-4486-4C30-A648-5555FB9E9B3E}"/>
-              </a:ext>
-            </a:extLst>
-          </p:cNvPr>
-          <p:cNvSpPr>
-            <a:spLocks noGrp="1"/>
-          </p:cNvSpPr>
-          <p:nvPr>
-            <p:ph idx="1"/>
-          </p:nvPr>
-        </p:nvSpPr>
-        <p:spPr/>
-        <p:txBody>
-          <a:bodyPr/>
-          <a:lstStyle/>
-          <a:p>
-            <a:endParaRPr lang="zh-TW" altLang="en-US"/>
-          </a:p>
-        </p:txBody>
-      </p:sp>
-      <p:sp>
-        <p:nvSpPr>
-          <p:cNvPr id="4" name="投影片編號版面配置區 3">
-            <a:extLst>
-              <a:ext uri="{FF2B5EF4-FFF2-40B4-BE49-F238E27FC236}">
-                <a16:creationId xmlns:a16="http://schemas.microsoft.com/office/drawing/2014/main" id="{A2CE50F2-8034-4389-B87F-1464EF328153}"/>
-              </a:ext>
-            </a:extLst>
-          </p:cNvPr>
-          <p:cNvSpPr>
-            <a:spLocks noGrp="1"/>
-          </p:cNvSpPr>
-          <p:nvPr>
-            <p:ph type="sldNum" sz="quarter" idx="12"/>
-          </p:nvPr>
-        </p:nvSpPr>
-        <p:spPr/>
-        <p:txBody>
-          <a:bodyPr/>
-          <a:lstStyle/>
-          <a:p>
-            <a:fld id="{F230EE04-BD3A-40AA-92AC-647453D5DADF}" type="slidenum">
-              <a:rPr lang="zh-TW" altLang="en-US" smtClean="0"/>
-              <a:t>24</a:t>
-            </a:fld>
-            <a:endParaRPr lang="zh-TW" altLang="en-US"/>
-          </a:p>
-        </p:txBody>
-      </p:sp>
-    </p:spTree>
-    <p:extLst>
-      <p:ext uri="{BB962C8B-B14F-4D97-AF65-F5344CB8AC3E}">
-        <p14:creationId xmlns:p14="http://schemas.microsoft.com/office/powerpoint/2010/main" val="3832836879"/>
-      </p:ext>
-    </p:extLst>
-  </p:cSld>
-  <p:clrMapOvr>
-    <a:masterClrMapping/>
-  </p:clrMapOvr>
-</p:sld>
-</file>
-
 <file path=ppt/slides/slide25.xml><?xml version="1.0" encoding="utf-8"?>
 <p:sld xmlns:a="http://schemas.openxmlformats.org/drawingml/2006/main" xmlns:r="http://schemas.openxmlformats.org/officeDocument/2006/relationships" xmlns:p="http://schemas.openxmlformats.org/presentationml/2006/main">
   <p:cSld>
@@ -13224,7 +13043,7 @@
           <p:cNvPr id="2" name="標題 1">
             <a:extLst>
               <a:ext uri="{FF2B5EF4-FFF2-40B4-BE49-F238E27FC236}">
-                <a16:creationId xmlns:a16="http://schemas.microsoft.com/office/drawing/2014/main" id="{67597C2D-E032-4D9D-9DA9-B3CC965C9511}"/>
+                <a16:creationId xmlns:a16="http://schemas.microsoft.com/office/drawing/2014/main" id="{3FC6F6B6-D967-4132-998A-948D0E252501}"/>
               </a:ext>
             </a:extLst>
           </p:cNvPr>
@@ -13241,26 +13060,392 @@
           <a:lstStyle/>
           <a:p>
             <a:r>
-              <a:rPr lang="zh-TW" altLang="en-US" dirty="0"/>
-              <a:t>絕對</a:t>
-            </a:r>
-            <a:r>
               <a:rPr lang="en-US" altLang="zh-TW" dirty="0"/>
               <a:t>cortisol</a:t>
             </a:r>
             <a:r>
               <a:rPr lang="zh-TW" altLang="en-US" dirty="0"/>
-              <a:t>值來與他人比較睡眠指標</a:t>
-            </a:r>
-          </a:p>
-        </p:txBody>
-      </p:sp>
-      <p:sp>
-        <p:nvSpPr>
-          <p:cNvPr id="3" name="內容版面配置區 2">
-            <a:extLst>
-              <a:ext uri="{FF2B5EF4-FFF2-40B4-BE49-F238E27FC236}">
-                <a16:creationId xmlns:a16="http://schemas.microsoft.com/office/drawing/2014/main" id="{E69C133B-29C7-4F3A-A41B-822915574210}"/>
+              <a:t>絕對值高低分群睡眠指標</a:t>
+            </a:r>
+            <a:r>
+              <a:rPr lang="en-US" altLang="zh-TW" dirty="0"/>
+              <a:t>Mean(SD)</a:t>
+            </a:r>
+            <a:endParaRPr lang="zh-TW" altLang="en-US" dirty="0"/>
+          </a:p>
+        </p:txBody>
+      </p:sp>
+      <p:sp>
+        <p:nvSpPr>
+          <p:cNvPr id="4" name="投影片編號版面配置區 3">
+            <a:extLst>
+              <a:ext uri="{FF2B5EF4-FFF2-40B4-BE49-F238E27FC236}">
+                <a16:creationId xmlns:a16="http://schemas.microsoft.com/office/drawing/2014/main" id="{A2CE50F2-8034-4389-B87F-1464EF328153}"/>
+              </a:ext>
+            </a:extLst>
+          </p:cNvPr>
+          <p:cNvSpPr>
+            <a:spLocks noGrp="1"/>
+          </p:cNvSpPr>
+          <p:nvPr>
+            <p:ph type="sldNum" sz="quarter" idx="12"/>
+          </p:nvPr>
+        </p:nvSpPr>
+        <p:spPr/>
+        <p:txBody>
+          <a:bodyPr/>
+          <a:lstStyle/>
+          <a:p>
+            <a:fld id="{F230EE04-BD3A-40AA-92AC-647453D5DADF}" type="slidenum">
+              <a:rPr lang="zh-TW" altLang="en-US" smtClean="0"/>
+              <a:t>25</a:t>
+            </a:fld>
+            <a:endParaRPr lang="zh-TW" altLang="en-US"/>
+          </a:p>
+        </p:txBody>
+      </p:sp>
+      <p:graphicFrame>
+        <p:nvGraphicFramePr>
+          <p:cNvPr id="5" name="表格 4">
+            <a:extLst>
+              <a:ext uri="{FF2B5EF4-FFF2-40B4-BE49-F238E27FC236}">
+                <a16:creationId xmlns:a16="http://schemas.microsoft.com/office/drawing/2014/main" id="{7F18335B-FF20-42BF-B5FE-66FED5102895}"/>
+              </a:ext>
+            </a:extLst>
+          </p:cNvPr>
+          <p:cNvGraphicFramePr>
+            <a:graphicFrameLocks/>
+          </p:cNvGraphicFramePr>
+          <p:nvPr>
+            <p:extLst>
+              <p:ext uri="{D42A27DB-BD31-4B8C-83A1-F6EECF244321}">
+                <p14:modId xmlns:p14="http://schemas.microsoft.com/office/powerpoint/2010/main" val="517164360"/>
+              </p:ext>
+            </p:extLst>
+          </p:nvPr>
+        </p:nvGraphicFramePr>
+        <p:xfrm>
+          <a:off x="779460" y="1612057"/>
+          <a:ext cx="10383841" cy="889000"/>
+        </p:xfrm>
+        <a:graphic>
+          <a:graphicData uri="http://schemas.openxmlformats.org/drawingml/2006/table">
+            <a:tbl>
+              <a:tblPr firstRow="1" bandRow="1">
+                <a:tableStyleId>{5C22544A-7EE6-4342-B048-85BDC9FD1C3A}</a:tableStyleId>
+              </a:tblPr>
+              <a:tblGrid>
+                <a:gridCol w="1160024">
+                  <a:extLst>
+                    <a:ext uri="{9D8B030D-6E8A-4147-A177-3AD203B41FA5}">
+                      <a16:colId xmlns:a16="http://schemas.microsoft.com/office/drawing/2014/main" val="2305944830"/>
+                    </a:ext>
+                  </a:extLst>
+                </a:gridCol>
+                <a:gridCol w="1342623">
+                  <a:extLst>
+                    <a:ext uri="{9D8B030D-6E8A-4147-A177-3AD203B41FA5}">
+                      <a16:colId xmlns:a16="http://schemas.microsoft.com/office/drawing/2014/main" val="2203109364"/>
+                    </a:ext>
+                  </a:extLst>
+                </a:gridCol>
+                <a:gridCol w="1600405">
+                  <a:extLst>
+                    <a:ext uri="{9D8B030D-6E8A-4147-A177-3AD203B41FA5}">
+                      <a16:colId xmlns:a16="http://schemas.microsoft.com/office/drawing/2014/main" val="2610944001"/>
+                    </a:ext>
+                  </a:extLst>
+                </a:gridCol>
+                <a:gridCol w="1901153">
+                  <a:extLst>
+                    <a:ext uri="{9D8B030D-6E8A-4147-A177-3AD203B41FA5}">
+                      <a16:colId xmlns:a16="http://schemas.microsoft.com/office/drawing/2014/main" val="613910059"/>
+                    </a:ext>
+                  </a:extLst>
+                </a:gridCol>
+                <a:gridCol w="1310398">
+                  <a:extLst>
+                    <a:ext uri="{9D8B030D-6E8A-4147-A177-3AD203B41FA5}">
+                      <a16:colId xmlns:a16="http://schemas.microsoft.com/office/drawing/2014/main" val="3071575370"/>
+                    </a:ext>
+                  </a:extLst>
+                </a:gridCol>
+                <a:gridCol w="1331880">
+                  <a:extLst>
+                    <a:ext uri="{9D8B030D-6E8A-4147-A177-3AD203B41FA5}">
+                      <a16:colId xmlns:a16="http://schemas.microsoft.com/office/drawing/2014/main" val="3926015702"/>
+                    </a:ext>
+                  </a:extLst>
+                </a:gridCol>
+                <a:gridCol w="1737358">
+                  <a:extLst>
+                    <a:ext uri="{9D8B030D-6E8A-4147-A177-3AD203B41FA5}">
+                      <a16:colId xmlns:a16="http://schemas.microsoft.com/office/drawing/2014/main" val="376486306"/>
+                    </a:ext>
+                  </a:extLst>
+                </a:gridCol>
+              </a:tblGrid>
+              <a:tr h="370840">
+                <a:tc>
+                  <a:txBody>
+                    <a:bodyPr/>
+                    <a:lstStyle/>
+                    <a:p>
+                      <a:pPr algn="ctr"/>
+                      <a:r>
+                        <a:rPr lang="en-US" altLang="zh-TW" sz="1400" dirty="0"/>
+                        <a:t>REM</a:t>
+                      </a:r>
+                      <a:r>
+                        <a:rPr lang="zh-TW" altLang="en-US" sz="1400" dirty="0"/>
+                        <a:t>總次數</a:t>
+                      </a:r>
+                    </a:p>
+                  </a:txBody>
+                  <a:tcPr anchor="ctr"/>
+                </a:tc>
+                <a:tc>
+                  <a:txBody>
+                    <a:bodyPr/>
+                    <a:lstStyle/>
+                    <a:p>
+                      <a:pPr algn="ctr"/>
+                      <a:r>
+                        <a:rPr lang="en-US" altLang="zh-TW" sz="1400" dirty="0"/>
+                        <a:t>REM</a:t>
+                      </a:r>
+                      <a:r>
+                        <a:rPr lang="zh-TW" altLang="en-US" sz="1400" dirty="0"/>
+                        <a:t>總時間</a:t>
+                      </a:r>
+                      <a:r>
+                        <a:rPr lang="en-US" altLang="zh-TW" sz="1400" dirty="0"/>
+                        <a:t>(s)</a:t>
+                      </a:r>
+                      <a:endParaRPr lang="zh-TW" altLang="en-US" sz="1400" dirty="0"/>
+                    </a:p>
+                  </a:txBody>
+                  <a:tcPr anchor="ctr"/>
+                </a:tc>
+                <a:tc>
+                  <a:txBody>
+                    <a:bodyPr/>
+                    <a:lstStyle/>
+                    <a:p>
+                      <a:pPr algn="ctr"/>
+                      <a:r>
+                        <a:rPr lang="en-US" altLang="zh-TW" sz="1400" dirty="0"/>
+                        <a:t>REM</a:t>
+                      </a:r>
+                      <a:r>
+                        <a:rPr lang="zh-TW" altLang="en-US" sz="1400" dirty="0"/>
+                        <a:t>平均長度</a:t>
+                      </a:r>
+                      <a:r>
+                        <a:rPr lang="en-US" altLang="zh-TW" sz="1400" dirty="0"/>
+                        <a:t>(s)</a:t>
+                      </a:r>
+                      <a:endParaRPr lang="zh-TW" altLang="en-US" sz="1400" dirty="0"/>
+                    </a:p>
+                  </a:txBody>
+                  <a:tcPr anchor="ctr"/>
+                </a:tc>
+                <a:tc>
+                  <a:txBody>
+                    <a:bodyPr/>
+                    <a:lstStyle/>
+                    <a:p>
+                      <a:pPr algn="ctr"/>
+                      <a:r>
+                        <a:rPr lang="en-US" altLang="zh-TW" sz="1400" dirty="0"/>
+                        <a:t>REM</a:t>
+                      </a:r>
+                      <a:r>
+                        <a:rPr lang="zh-TW" altLang="en-US" sz="1400" dirty="0"/>
+                        <a:t> </a:t>
+                      </a:r>
+                      <a:r>
+                        <a:rPr lang="en-US" altLang="zh-TW" sz="1400" dirty="0"/>
+                        <a:t>fragmentation(%)</a:t>
+                      </a:r>
+                      <a:endParaRPr lang="zh-TW" altLang="en-US" sz="1400" dirty="0"/>
+                    </a:p>
+                  </a:txBody>
+                  <a:tcPr anchor="ctr"/>
+                </a:tc>
+                <a:tc>
+                  <a:txBody>
+                    <a:bodyPr/>
+                    <a:lstStyle/>
+                    <a:p>
+                      <a:pPr algn="ctr"/>
+                      <a:r>
+                        <a:rPr lang="en-US" altLang="zh-TW" sz="1400" dirty="0"/>
+                        <a:t>REM latency(s)</a:t>
+                      </a:r>
+                      <a:endParaRPr lang="zh-TW" altLang="en-US" sz="1400" dirty="0"/>
+                    </a:p>
+                  </a:txBody>
+                  <a:tcPr anchor="ctr"/>
+                </a:tc>
+                <a:tc>
+                  <a:txBody>
+                    <a:bodyPr/>
+                    <a:lstStyle/>
+                    <a:p>
+                      <a:pPr algn="ctr"/>
+                      <a:r>
+                        <a:rPr lang="en-US" altLang="zh-TW" sz="1400" dirty="0"/>
+                        <a:t>REM density(%)</a:t>
+                      </a:r>
+                      <a:endParaRPr lang="zh-TW" altLang="en-US" sz="1400" dirty="0"/>
+                    </a:p>
+                  </a:txBody>
+                  <a:tcPr anchor="ctr"/>
+                </a:tc>
+                <a:tc>
+                  <a:txBody>
+                    <a:bodyPr/>
+                    <a:lstStyle/>
+                    <a:p>
+                      <a:pPr algn="ctr"/>
+                      <a:r>
+                        <a:rPr lang="en-US" altLang="zh-TW" sz="1400" dirty="0"/>
+                        <a:t>REM percentage(%)</a:t>
+                      </a:r>
+                      <a:endParaRPr lang="zh-TW" altLang="en-US" sz="1400" dirty="0"/>
+                    </a:p>
+                  </a:txBody>
+                  <a:tcPr anchor="ctr"/>
+                </a:tc>
+                <a:extLst>
+                  <a:ext uri="{0D108BD9-81ED-4DB2-BD59-A6C34878D82A}">
+                    <a16:rowId xmlns:a16="http://schemas.microsoft.com/office/drawing/2014/main" val="2528057296"/>
+                  </a:ext>
+                </a:extLst>
+              </a:tr>
+              <a:tr h="370840">
+                <a:tc>
+                  <a:txBody>
+                    <a:bodyPr/>
+                    <a:lstStyle/>
+                    <a:p>
+                      <a:pPr algn="ctr"/>
+                      <a:r>
+                        <a:rPr lang="en-US" altLang="zh-TW" sz="1400" dirty="0"/>
+                        <a:t>8.36(3.81)</a:t>
+                      </a:r>
+                      <a:endParaRPr lang="zh-TW" altLang="en-US" sz="1400" dirty="0"/>
+                    </a:p>
+                  </a:txBody>
+                  <a:tcPr anchor="ctr"/>
+                </a:tc>
+                <a:tc>
+                  <a:txBody>
+                    <a:bodyPr/>
+                    <a:lstStyle/>
+                    <a:p>
+                      <a:pPr algn="ctr"/>
+                      <a:r>
+                        <a:rPr lang="en-US" altLang="zh-TW" sz="1400" dirty="0"/>
+                        <a:t>4474(1476)</a:t>
+                      </a:r>
+                      <a:endParaRPr lang="zh-TW" altLang="en-US" sz="1400" dirty="0"/>
+                    </a:p>
+                  </a:txBody>
+                  <a:tcPr anchor="ctr"/>
+                </a:tc>
+                <a:tc>
+                  <a:txBody>
+                    <a:bodyPr/>
+                    <a:lstStyle/>
+                    <a:p>
+                      <a:pPr algn="ctr"/>
+                      <a:r>
+                        <a:rPr lang="en-US" altLang="zh-TW" sz="1400" dirty="0"/>
+                        <a:t>608(261)</a:t>
+                      </a:r>
+                      <a:endParaRPr lang="zh-TW" altLang="en-US" sz="1400" dirty="0"/>
+                    </a:p>
+                  </a:txBody>
+                  <a:tcPr anchor="ctr"/>
+                </a:tc>
+                <a:tc>
+                  <a:txBody>
+                    <a:bodyPr/>
+                    <a:lstStyle/>
+                    <a:p>
+                      <a:pPr algn="ctr"/>
+                      <a:r>
+                        <a:rPr lang="en-US" altLang="zh-TW" sz="1400" dirty="0"/>
+                        <a:t>5.43(3.39)</a:t>
+                      </a:r>
+                      <a:endParaRPr lang="zh-TW" altLang="en-US" sz="1400" dirty="0"/>
+                    </a:p>
+                  </a:txBody>
+                  <a:tcPr anchor="ctr"/>
+                </a:tc>
+                <a:tc>
+                  <a:txBody>
+                    <a:bodyPr/>
+                    <a:lstStyle/>
+                    <a:p>
+                      <a:pPr algn="ctr"/>
+                      <a:r>
+                        <a:rPr lang="en-US" altLang="zh-TW" sz="1400" dirty="0"/>
+                        <a:t>6720(3258)</a:t>
+                      </a:r>
+                      <a:endParaRPr lang="zh-TW" altLang="en-US" sz="1400" dirty="0"/>
+                    </a:p>
+                  </a:txBody>
+                  <a:tcPr anchor="ctr"/>
+                </a:tc>
+                <a:tc>
+                  <a:txBody>
+                    <a:bodyPr/>
+                    <a:lstStyle/>
+                    <a:p>
+                      <a:pPr algn="ctr"/>
+                      <a:r>
+                        <a:rPr lang="en-US" altLang="zh-TW" sz="1400" dirty="0"/>
+                        <a:t>21.85(10.5)</a:t>
+                      </a:r>
+                      <a:endParaRPr lang="zh-TW" altLang="en-US" sz="1400" dirty="0"/>
+                    </a:p>
+                  </a:txBody>
+                  <a:tcPr anchor="ctr"/>
+                </a:tc>
+                <a:tc>
+                  <a:txBody>
+                    <a:bodyPr/>
+                    <a:lstStyle/>
+                    <a:p>
+                      <a:pPr algn="ctr"/>
+                      <a:r>
+                        <a:rPr lang="en-US" altLang="zh-TW" sz="1400" dirty="0"/>
+                        <a:t>17.61(5.23)</a:t>
+                      </a:r>
+                      <a:endParaRPr lang="zh-TW" altLang="en-US" sz="1400" dirty="0"/>
+                    </a:p>
+                  </a:txBody>
+                  <a:tcPr anchor="ctr"/>
+                </a:tc>
+                <a:extLst>
+                  <a:ext uri="{0D108BD9-81ED-4DB2-BD59-A6C34878D82A}">
+                    <a16:rowId xmlns:a16="http://schemas.microsoft.com/office/drawing/2014/main" val="558100869"/>
+                  </a:ext>
+                </a:extLst>
+              </a:tr>
+            </a:tbl>
+          </a:graphicData>
+        </a:graphic>
+      </p:graphicFrame>
+      <p:sp>
+        <p:nvSpPr>
+          <p:cNvPr id="6" name="內容版面配置區 2">
+            <a:extLst>
+              <a:ext uri="{FF2B5EF4-FFF2-40B4-BE49-F238E27FC236}">
+                <a16:creationId xmlns:a16="http://schemas.microsoft.com/office/drawing/2014/main" id="{85B275DB-62F4-4F0B-B25E-0EB7A4592A9E}"/>
               </a:ext>
             </a:extLst>
           </p:cNvPr>
@@ -13271,59 +13456,604 @@
             <p:ph idx="1"/>
           </p:nvPr>
         </p:nvSpPr>
-        <p:spPr/>
+        <p:spPr>
+          <a:xfrm>
+            <a:off x="720436" y="1210492"/>
+            <a:ext cx="10633364" cy="1313321"/>
+          </a:xfrm>
+        </p:spPr>
         <p:txBody>
           <a:bodyPr/>
           <a:lstStyle/>
           <a:p>
+            <a:pPr indent="-228600"/>
             <a:r>
               <a:rPr lang="zh-TW" altLang="en-US" dirty="0"/>
-              <a:t>觀察傍晚</a:t>
+              <a:t>以半數為區分點左半族群</a:t>
             </a:r>
             <a:r>
               <a:rPr lang="en-US" altLang="zh-TW" dirty="0"/>
-              <a:t>cortisol</a:t>
+              <a:t>39</a:t>
             </a:r>
             <a:r>
               <a:rPr lang="zh-TW" altLang="en-US" dirty="0"/>
-              <a:t>數值較高與其他人相比睡眠指標會有什麼現象</a:t>
-            </a:r>
-          </a:p>
-        </p:txBody>
-      </p:sp>
-      <p:sp>
-        <p:nvSpPr>
-          <p:cNvPr id="4" name="投影片編號版面配置區 3">
-            <a:extLst>
-              <a:ext uri="{FF2B5EF4-FFF2-40B4-BE49-F238E27FC236}">
-                <a16:creationId xmlns:a16="http://schemas.microsoft.com/office/drawing/2014/main" id="{D40FBF5D-137D-4BB9-B3E3-E53064831F2E}"/>
-              </a:ext>
-            </a:extLst>
-          </p:cNvPr>
-          <p:cNvSpPr>
-            <a:spLocks noGrp="1"/>
+              <a:t>位</a:t>
+            </a:r>
+            <a:r>
+              <a:rPr lang="en-US" altLang="zh-TW" dirty="0"/>
+              <a:t>(cortisol</a:t>
+            </a:r>
+            <a:r>
+              <a:rPr lang="zh-TW" altLang="en-US" dirty="0"/>
+              <a:t>較低</a:t>
+            </a:r>
+            <a:r>
+              <a:rPr lang="en-US" altLang="zh-TW" dirty="0"/>
+              <a:t>)</a:t>
+            </a:r>
+          </a:p>
+        </p:txBody>
+      </p:sp>
+      <p:sp>
+        <p:nvSpPr>
+          <p:cNvPr id="7" name="內容版面配置區 2">
+            <a:extLst>
+              <a:ext uri="{FF2B5EF4-FFF2-40B4-BE49-F238E27FC236}">
+                <a16:creationId xmlns:a16="http://schemas.microsoft.com/office/drawing/2014/main" id="{965412EB-EB5B-4F60-B187-3503065325EB}"/>
+              </a:ext>
+            </a:extLst>
+          </p:cNvPr>
+          <p:cNvSpPr txBox="1">
+            <a:spLocks/>
           </p:cNvSpPr>
+          <p:nvPr/>
+        </p:nvSpPr>
+        <p:spPr>
+          <a:xfrm>
+            <a:off x="720436" y="3003440"/>
+            <a:ext cx="10633364" cy="982664"/>
+          </a:xfrm>
+          <a:prstGeom prst="rect">
+            <a:avLst/>
+          </a:prstGeom>
+        </p:spPr>
+        <p:txBody>
+          <a:bodyPr vert="horz" lIns="91440" tIns="45720" rIns="91440" bIns="45720" rtlCol="0">
+            <a:normAutofit/>
+          </a:bodyPr>
+          <a:lstStyle>
+            <a:lvl1pPr marL="0" indent="0" algn="l" defTabSz="914400" rtl="0" eaLnBrk="1" latinLnBrk="0" hangingPunct="1">
+              <a:lnSpc>
+                <a:spcPct val="90000"/>
+              </a:lnSpc>
+              <a:spcBef>
+                <a:spcPts val="1000"/>
+              </a:spcBef>
+              <a:buFontTx/>
+              <a:buNone/>
+              <a:defRPr sz="2400" kern="1200">
+                <a:solidFill>
+                  <a:schemeClr val="tx1"/>
+                </a:solidFill>
+                <a:latin typeface="+mn-lt"/>
+                <a:ea typeface="+mn-ea"/>
+                <a:cs typeface="+mn-cs"/>
+              </a:defRPr>
+            </a:lvl1pPr>
+            <a:lvl2pPr marL="685800" indent="-228600" algn="l" defTabSz="914400" rtl="0" eaLnBrk="1" latinLnBrk="0" hangingPunct="1">
+              <a:lnSpc>
+                <a:spcPct val="90000"/>
+              </a:lnSpc>
+              <a:spcBef>
+                <a:spcPts val="500"/>
+              </a:spcBef>
+              <a:buFont typeface="Arial" panose="020B0604020202020204" pitchFamily="34" charset="0"/>
+              <a:buChar char="•"/>
+              <a:defRPr sz="2400" kern="1200">
+                <a:solidFill>
+                  <a:schemeClr val="tx1"/>
+                </a:solidFill>
+                <a:latin typeface="+mn-lt"/>
+                <a:ea typeface="+mn-ea"/>
+                <a:cs typeface="+mn-cs"/>
+              </a:defRPr>
+            </a:lvl2pPr>
+            <a:lvl3pPr marL="1143000" indent="-228600" algn="l" defTabSz="914400" rtl="0" eaLnBrk="1" latinLnBrk="0" hangingPunct="1">
+              <a:lnSpc>
+                <a:spcPct val="90000"/>
+              </a:lnSpc>
+              <a:spcBef>
+                <a:spcPts val="500"/>
+              </a:spcBef>
+              <a:buFont typeface="Wingdings" panose="05000000000000000000" pitchFamily="2" charset="2"/>
+              <a:buChar char="ü"/>
+              <a:defRPr sz="2000" kern="1200">
+                <a:solidFill>
+                  <a:schemeClr val="tx1"/>
+                </a:solidFill>
+                <a:latin typeface="+mn-lt"/>
+                <a:ea typeface="+mn-ea"/>
+                <a:cs typeface="+mn-cs"/>
+              </a:defRPr>
+            </a:lvl3pPr>
+            <a:lvl4pPr marL="1600200" indent="-228600" algn="l" defTabSz="914400" rtl="0" eaLnBrk="1" latinLnBrk="0" hangingPunct="1">
+              <a:lnSpc>
+                <a:spcPct val="90000"/>
+              </a:lnSpc>
+              <a:spcBef>
+                <a:spcPts val="500"/>
+              </a:spcBef>
+              <a:buFont typeface="Arial" panose="020B0604020202020204" pitchFamily="34" charset="0"/>
+              <a:buChar char="•"/>
+              <a:defRPr sz="1800" kern="1200">
+                <a:solidFill>
+                  <a:schemeClr val="tx1"/>
+                </a:solidFill>
+                <a:latin typeface="+mn-lt"/>
+                <a:ea typeface="+mn-ea"/>
+                <a:cs typeface="+mn-cs"/>
+              </a:defRPr>
+            </a:lvl4pPr>
+            <a:lvl5pPr marL="2057400" indent="-228600" algn="l" defTabSz="914400" rtl="0" eaLnBrk="1" latinLnBrk="0" hangingPunct="1">
+              <a:lnSpc>
+                <a:spcPct val="90000"/>
+              </a:lnSpc>
+              <a:spcBef>
+                <a:spcPts val="500"/>
+              </a:spcBef>
+              <a:buFont typeface="Arial" panose="020B0604020202020204" pitchFamily="34" charset="0"/>
+              <a:buChar char="•"/>
+              <a:defRPr sz="1800" kern="1200">
+                <a:solidFill>
+                  <a:schemeClr val="tx1"/>
+                </a:solidFill>
+                <a:latin typeface="+mn-lt"/>
+                <a:ea typeface="+mn-ea"/>
+                <a:cs typeface="+mn-cs"/>
+              </a:defRPr>
+            </a:lvl5pPr>
+            <a:lvl6pPr marL="2514600" indent="-228600" algn="l" defTabSz="914400" rtl="0" eaLnBrk="1" latinLnBrk="0" hangingPunct="1">
+              <a:lnSpc>
+                <a:spcPct val="90000"/>
+              </a:lnSpc>
+              <a:spcBef>
+                <a:spcPts val="500"/>
+              </a:spcBef>
+              <a:buFont typeface="Arial" panose="020B0604020202020204" pitchFamily="34" charset="0"/>
+              <a:buChar char="•"/>
+              <a:defRPr sz="1800" kern="1200">
+                <a:solidFill>
+                  <a:schemeClr val="tx1"/>
+                </a:solidFill>
+                <a:latin typeface="+mn-lt"/>
+                <a:ea typeface="+mn-ea"/>
+                <a:cs typeface="+mn-cs"/>
+              </a:defRPr>
+            </a:lvl6pPr>
+            <a:lvl7pPr marL="2971800" indent="-228600" algn="l" defTabSz="914400" rtl="0" eaLnBrk="1" latinLnBrk="0" hangingPunct="1">
+              <a:lnSpc>
+                <a:spcPct val="90000"/>
+              </a:lnSpc>
+              <a:spcBef>
+                <a:spcPts val="500"/>
+              </a:spcBef>
+              <a:buFont typeface="Arial" panose="020B0604020202020204" pitchFamily="34" charset="0"/>
+              <a:buChar char="•"/>
+              <a:defRPr sz="1800" kern="1200">
+                <a:solidFill>
+                  <a:schemeClr val="tx1"/>
+                </a:solidFill>
+                <a:latin typeface="+mn-lt"/>
+                <a:ea typeface="+mn-ea"/>
+                <a:cs typeface="+mn-cs"/>
+              </a:defRPr>
+            </a:lvl7pPr>
+            <a:lvl8pPr marL="3429000" indent="-228600" algn="l" defTabSz="914400" rtl="0" eaLnBrk="1" latinLnBrk="0" hangingPunct="1">
+              <a:lnSpc>
+                <a:spcPct val="90000"/>
+              </a:lnSpc>
+              <a:spcBef>
+                <a:spcPts val="500"/>
+              </a:spcBef>
+              <a:buFont typeface="Arial" panose="020B0604020202020204" pitchFamily="34" charset="0"/>
+              <a:buChar char="•"/>
+              <a:defRPr sz="1800" kern="1200">
+                <a:solidFill>
+                  <a:schemeClr val="tx1"/>
+                </a:solidFill>
+                <a:latin typeface="+mn-lt"/>
+                <a:ea typeface="+mn-ea"/>
+                <a:cs typeface="+mn-cs"/>
+              </a:defRPr>
+            </a:lvl8pPr>
+            <a:lvl9pPr marL="3886200" indent="-228600" algn="l" defTabSz="914400" rtl="0" eaLnBrk="1" latinLnBrk="0" hangingPunct="1">
+              <a:lnSpc>
+                <a:spcPct val="90000"/>
+              </a:lnSpc>
+              <a:spcBef>
+                <a:spcPts val="500"/>
+              </a:spcBef>
+              <a:buFont typeface="Arial" panose="020B0604020202020204" pitchFamily="34" charset="0"/>
+              <a:buChar char="•"/>
+              <a:defRPr sz="1800" kern="1200">
+                <a:solidFill>
+                  <a:schemeClr val="tx1"/>
+                </a:solidFill>
+                <a:latin typeface="+mn-lt"/>
+                <a:ea typeface="+mn-ea"/>
+                <a:cs typeface="+mn-cs"/>
+              </a:defRPr>
+            </a:lvl9pPr>
+          </a:lstStyle>
+          <a:p>
+            <a:pPr indent="-228600"/>
+            <a:r>
+              <a:rPr lang="zh-TW" altLang="en-US" dirty="0"/>
+              <a:t>以半數為區分點右半族群</a:t>
+            </a:r>
+            <a:r>
+              <a:rPr lang="en-US" altLang="zh-TW" dirty="0"/>
+              <a:t>39</a:t>
+            </a:r>
+            <a:r>
+              <a:rPr lang="zh-TW" altLang="en-US" dirty="0"/>
+              <a:t>位</a:t>
+            </a:r>
+            <a:r>
+              <a:rPr lang="en-US" altLang="zh-TW" dirty="0"/>
+              <a:t>(cortisol</a:t>
+            </a:r>
+            <a:r>
+              <a:rPr lang="zh-TW" altLang="en-US" dirty="0"/>
+              <a:t>較高</a:t>
+            </a:r>
+            <a:r>
+              <a:rPr lang="en-US" altLang="zh-TW" dirty="0"/>
+              <a:t>)</a:t>
+            </a:r>
+          </a:p>
+        </p:txBody>
+      </p:sp>
+      <p:graphicFrame>
+        <p:nvGraphicFramePr>
+          <p:cNvPr id="8" name="表格 7">
+            <a:extLst>
+              <a:ext uri="{FF2B5EF4-FFF2-40B4-BE49-F238E27FC236}">
+                <a16:creationId xmlns:a16="http://schemas.microsoft.com/office/drawing/2014/main" id="{6434C75D-E29E-449D-982F-F44CBE82C6D6}"/>
+              </a:ext>
+            </a:extLst>
+          </p:cNvPr>
+          <p:cNvGraphicFramePr>
+            <a:graphicFrameLocks/>
+          </p:cNvGraphicFramePr>
           <p:nvPr>
-            <p:ph type="sldNum" sz="quarter" idx="12"/>
+            <p:extLst>
+              <p:ext uri="{D42A27DB-BD31-4B8C-83A1-F6EECF244321}">
+                <p14:modId xmlns:p14="http://schemas.microsoft.com/office/powerpoint/2010/main" val="1761178031"/>
+              </p:ext>
+            </p:extLst>
           </p:nvPr>
-        </p:nvSpPr>
-        <p:spPr/>
-        <p:txBody>
-          <a:bodyPr/>
-          <a:lstStyle/>
-          <a:p>
-            <a:fld id="{F230EE04-BD3A-40AA-92AC-647453D5DADF}" type="slidenum">
-              <a:rPr lang="zh-TW" altLang="en-US" smtClean="0"/>
-              <a:t>25</a:t>
-            </a:fld>
-            <a:endParaRPr lang="zh-TW" altLang="en-US"/>
-          </a:p>
-        </p:txBody>
-      </p:sp>
+        </p:nvGraphicFramePr>
+        <p:xfrm>
+          <a:off x="779459" y="3429000"/>
+          <a:ext cx="10383841" cy="889000"/>
+        </p:xfrm>
+        <a:graphic>
+          <a:graphicData uri="http://schemas.openxmlformats.org/drawingml/2006/table">
+            <a:tbl>
+              <a:tblPr firstRow="1" bandRow="1">
+                <a:tableStyleId>{5C22544A-7EE6-4342-B048-85BDC9FD1C3A}</a:tableStyleId>
+              </a:tblPr>
+              <a:tblGrid>
+                <a:gridCol w="1160024">
+                  <a:extLst>
+                    <a:ext uri="{9D8B030D-6E8A-4147-A177-3AD203B41FA5}">
+                      <a16:colId xmlns:a16="http://schemas.microsoft.com/office/drawing/2014/main" val="2305944830"/>
+                    </a:ext>
+                  </a:extLst>
+                </a:gridCol>
+                <a:gridCol w="1342622">
+                  <a:extLst>
+                    <a:ext uri="{9D8B030D-6E8A-4147-A177-3AD203B41FA5}">
+                      <a16:colId xmlns:a16="http://schemas.microsoft.com/office/drawing/2014/main" val="2203109364"/>
+                    </a:ext>
+                  </a:extLst>
+                </a:gridCol>
+                <a:gridCol w="1600405">
+                  <a:extLst>
+                    <a:ext uri="{9D8B030D-6E8A-4147-A177-3AD203B41FA5}">
+                      <a16:colId xmlns:a16="http://schemas.microsoft.com/office/drawing/2014/main" val="2610944001"/>
+                    </a:ext>
+                  </a:extLst>
+                </a:gridCol>
+                <a:gridCol w="1901153">
+                  <a:extLst>
+                    <a:ext uri="{9D8B030D-6E8A-4147-A177-3AD203B41FA5}">
+                      <a16:colId xmlns:a16="http://schemas.microsoft.com/office/drawing/2014/main" val="613910059"/>
+                    </a:ext>
+                  </a:extLst>
+                </a:gridCol>
+                <a:gridCol w="1310398">
+                  <a:extLst>
+                    <a:ext uri="{9D8B030D-6E8A-4147-A177-3AD203B41FA5}">
+                      <a16:colId xmlns:a16="http://schemas.microsoft.com/office/drawing/2014/main" val="3071575370"/>
+                    </a:ext>
+                  </a:extLst>
+                </a:gridCol>
+                <a:gridCol w="1331881">
+                  <a:extLst>
+                    <a:ext uri="{9D8B030D-6E8A-4147-A177-3AD203B41FA5}">
+                      <a16:colId xmlns:a16="http://schemas.microsoft.com/office/drawing/2014/main" val="3926015702"/>
+                    </a:ext>
+                  </a:extLst>
+                </a:gridCol>
+                <a:gridCol w="1737358">
+                  <a:extLst>
+                    <a:ext uri="{9D8B030D-6E8A-4147-A177-3AD203B41FA5}">
+                      <a16:colId xmlns:a16="http://schemas.microsoft.com/office/drawing/2014/main" val="376486306"/>
+                    </a:ext>
+                  </a:extLst>
+                </a:gridCol>
+              </a:tblGrid>
+              <a:tr h="370840">
+                <a:tc>
+                  <a:txBody>
+                    <a:bodyPr/>
+                    <a:lstStyle/>
+                    <a:p>
+                      <a:pPr algn="ctr"/>
+                      <a:r>
+                        <a:rPr lang="en-US" altLang="zh-TW" sz="1400" dirty="0"/>
+                        <a:t>REM</a:t>
+                      </a:r>
+                      <a:r>
+                        <a:rPr lang="zh-TW" altLang="en-US" sz="1400" dirty="0"/>
+                        <a:t>總次數</a:t>
+                      </a:r>
+                    </a:p>
+                  </a:txBody>
+                  <a:tcPr anchor="ctr"/>
+                </a:tc>
+                <a:tc>
+                  <a:txBody>
+                    <a:bodyPr/>
+                    <a:lstStyle/>
+                    <a:p>
+                      <a:pPr algn="ctr"/>
+                      <a:r>
+                        <a:rPr lang="en-US" altLang="zh-TW" sz="1400" dirty="0"/>
+                        <a:t>REM</a:t>
+                      </a:r>
+                      <a:r>
+                        <a:rPr lang="zh-TW" altLang="en-US" sz="1400" dirty="0"/>
+                        <a:t>總時間</a:t>
+                      </a:r>
+                      <a:r>
+                        <a:rPr lang="en-US" altLang="zh-TW" sz="1400" dirty="0"/>
+                        <a:t>(s)</a:t>
+                      </a:r>
+                      <a:endParaRPr lang="zh-TW" altLang="en-US" sz="1400" dirty="0"/>
+                    </a:p>
+                  </a:txBody>
+                  <a:tcPr anchor="ctr"/>
+                </a:tc>
+                <a:tc>
+                  <a:txBody>
+                    <a:bodyPr/>
+                    <a:lstStyle/>
+                    <a:p>
+                      <a:pPr algn="ctr"/>
+                      <a:r>
+                        <a:rPr lang="en-US" altLang="zh-TW" sz="1400" dirty="0"/>
+                        <a:t>REM</a:t>
+                      </a:r>
+                      <a:r>
+                        <a:rPr lang="zh-TW" altLang="en-US" sz="1400" dirty="0"/>
+                        <a:t>平均長度</a:t>
+                      </a:r>
+                      <a:r>
+                        <a:rPr lang="en-US" altLang="zh-TW" sz="1400" dirty="0"/>
+                        <a:t>(s)</a:t>
+                      </a:r>
+                      <a:endParaRPr lang="zh-TW" altLang="en-US" sz="1400" dirty="0"/>
+                    </a:p>
+                  </a:txBody>
+                  <a:tcPr anchor="ctr"/>
+                </a:tc>
+                <a:tc>
+                  <a:txBody>
+                    <a:bodyPr/>
+                    <a:lstStyle/>
+                    <a:p>
+                      <a:pPr algn="ctr"/>
+                      <a:r>
+                        <a:rPr lang="en-US" altLang="zh-TW" sz="1400" dirty="0"/>
+                        <a:t>REM</a:t>
+                      </a:r>
+                      <a:r>
+                        <a:rPr lang="zh-TW" altLang="en-US" sz="1400" dirty="0"/>
+                        <a:t> </a:t>
+                      </a:r>
+                      <a:r>
+                        <a:rPr lang="en-US" altLang="zh-TW" sz="1400" dirty="0"/>
+                        <a:t>fragmentation(%)</a:t>
+                      </a:r>
+                      <a:endParaRPr lang="zh-TW" altLang="en-US" sz="1400" dirty="0"/>
+                    </a:p>
+                  </a:txBody>
+                  <a:tcPr anchor="ctr"/>
+                </a:tc>
+                <a:tc>
+                  <a:txBody>
+                    <a:bodyPr/>
+                    <a:lstStyle/>
+                    <a:p>
+                      <a:pPr algn="ctr"/>
+                      <a:r>
+                        <a:rPr lang="en-US" altLang="zh-TW" sz="1400" dirty="0"/>
+                        <a:t>REM latency(s)</a:t>
+                      </a:r>
+                      <a:endParaRPr lang="zh-TW" altLang="en-US" sz="1400" dirty="0"/>
+                    </a:p>
+                  </a:txBody>
+                  <a:tcPr anchor="ctr"/>
+                </a:tc>
+                <a:tc>
+                  <a:txBody>
+                    <a:bodyPr/>
+                    <a:lstStyle/>
+                    <a:p>
+                      <a:pPr algn="ctr"/>
+                      <a:r>
+                        <a:rPr lang="en-US" altLang="zh-TW" sz="1400" dirty="0"/>
+                        <a:t>REM density(%)</a:t>
+                      </a:r>
+                      <a:endParaRPr lang="zh-TW" altLang="en-US" sz="1400" dirty="0"/>
+                    </a:p>
+                  </a:txBody>
+                  <a:tcPr anchor="ctr"/>
+                </a:tc>
+                <a:tc>
+                  <a:txBody>
+                    <a:bodyPr/>
+                    <a:lstStyle/>
+                    <a:p>
+                      <a:pPr algn="ctr"/>
+                      <a:r>
+                        <a:rPr lang="en-US" altLang="zh-TW" sz="1400" dirty="0"/>
+                        <a:t>REM percentage(%)</a:t>
+                      </a:r>
+                      <a:endParaRPr lang="zh-TW" altLang="en-US" sz="1400" dirty="0"/>
+                    </a:p>
+                  </a:txBody>
+                  <a:tcPr anchor="ctr"/>
+                </a:tc>
+                <a:extLst>
+                  <a:ext uri="{0D108BD9-81ED-4DB2-BD59-A6C34878D82A}">
+                    <a16:rowId xmlns:a16="http://schemas.microsoft.com/office/drawing/2014/main" val="2528057296"/>
+                  </a:ext>
+                </a:extLst>
+              </a:tr>
+              <a:tr h="370840">
+                <a:tc>
+                  <a:txBody>
+                    <a:bodyPr/>
+                    <a:lstStyle/>
+                    <a:p>
+                      <a:pPr algn="ctr"/>
+                      <a:r>
+                        <a:rPr lang="en-US" altLang="zh-TW" sz="1400" dirty="0"/>
+                        <a:t>6.95(2.8)</a:t>
+                      </a:r>
+                      <a:endParaRPr lang="zh-TW" altLang="en-US" sz="1400" dirty="0"/>
+                    </a:p>
+                  </a:txBody>
+                  <a:tcPr anchor="ctr"/>
+                </a:tc>
+                <a:tc>
+                  <a:txBody>
+                    <a:bodyPr/>
+                    <a:lstStyle/>
+                    <a:p>
+                      <a:pPr algn="ctr"/>
+                      <a:r>
+                        <a:rPr lang="en-US" altLang="zh-TW" sz="1400" dirty="0"/>
+                        <a:t>3797(1282)</a:t>
+                      </a:r>
+                      <a:endParaRPr lang="zh-TW" altLang="en-US" sz="1400" dirty="0"/>
+                    </a:p>
+                  </a:txBody>
+                  <a:tcPr anchor="ctr"/>
+                </a:tc>
+                <a:tc>
+                  <a:txBody>
+                    <a:bodyPr/>
+                    <a:lstStyle/>
+                    <a:p>
+                      <a:pPr algn="ctr"/>
+                      <a:r>
+                        <a:rPr lang="en-US" altLang="zh-TW" sz="1400" dirty="0"/>
+                        <a:t>629(316)</a:t>
+                      </a:r>
+                      <a:endParaRPr lang="zh-TW" altLang="en-US" sz="1400" dirty="0"/>
+                    </a:p>
+                  </a:txBody>
+                  <a:tcPr anchor="ctr"/>
+                </a:tc>
+                <a:tc>
+                  <a:txBody>
+                    <a:bodyPr/>
+                    <a:lstStyle/>
+                    <a:p>
+                      <a:pPr algn="ctr"/>
+                      <a:r>
+                        <a:rPr lang="en-US" altLang="zh-TW" sz="1400" dirty="0"/>
+                        <a:t>6.44(5.07)</a:t>
+                      </a:r>
+                      <a:endParaRPr lang="zh-TW" altLang="en-US" sz="1400" dirty="0"/>
+                    </a:p>
+                  </a:txBody>
+                  <a:tcPr anchor="ctr"/>
+                </a:tc>
+                <a:tc>
+                  <a:txBody>
+                    <a:bodyPr/>
+                    <a:lstStyle/>
+                    <a:p>
+                      <a:pPr algn="ctr"/>
+                      <a:r>
+                        <a:rPr lang="en-US" altLang="zh-TW" sz="1400" dirty="0"/>
+                        <a:t>7131(4278)</a:t>
+                      </a:r>
+                      <a:endParaRPr lang="zh-TW" altLang="en-US" sz="1400" dirty="0"/>
+                    </a:p>
+                  </a:txBody>
+                  <a:tcPr anchor="ctr"/>
+                </a:tc>
+                <a:tc>
+                  <a:txBody>
+                    <a:bodyPr/>
+                    <a:lstStyle/>
+                    <a:p>
+                      <a:pPr algn="ctr"/>
+                      <a:r>
+                        <a:rPr lang="en-US" altLang="zh-TW" sz="1400" dirty="0"/>
+                        <a:t>21.73(10.56)</a:t>
+                      </a:r>
+                      <a:endParaRPr lang="zh-TW" altLang="en-US" sz="1400" dirty="0"/>
+                    </a:p>
+                  </a:txBody>
+                  <a:tcPr anchor="ctr"/>
+                </a:tc>
+                <a:tc>
+                  <a:txBody>
+                    <a:bodyPr/>
+                    <a:lstStyle/>
+                    <a:p>
+                      <a:pPr algn="ctr"/>
+                      <a:r>
+                        <a:rPr lang="en-US" altLang="zh-TW" sz="1400" dirty="0"/>
+                        <a:t>14.84(5.03)</a:t>
+                      </a:r>
+                      <a:endParaRPr lang="zh-TW" altLang="en-US" sz="1400" dirty="0"/>
+                    </a:p>
+                  </a:txBody>
+                  <a:tcPr anchor="ctr"/>
+                </a:tc>
+                <a:extLst>
+                  <a:ext uri="{0D108BD9-81ED-4DB2-BD59-A6C34878D82A}">
+                    <a16:rowId xmlns:a16="http://schemas.microsoft.com/office/drawing/2014/main" val="558100869"/>
+                  </a:ext>
+                </a:extLst>
+              </a:tr>
+            </a:tbl>
+          </a:graphicData>
+        </a:graphic>
+      </p:graphicFrame>
     </p:spTree>
     <p:extLst>
       <p:ext uri="{BB962C8B-B14F-4D97-AF65-F5344CB8AC3E}">
-        <p14:creationId xmlns:p14="http://schemas.microsoft.com/office/powerpoint/2010/main" val="3357467412"/>
+        <p14:creationId xmlns:p14="http://schemas.microsoft.com/office/powerpoint/2010/main" val="3832836879"/>
       </p:ext>
     </p:extLst>
   </p:cSld>
@@ -13433,7 +14163,7 @@
         </p:blipFill>
         <p:spPr>
           <a:xfrm>
-            <a:off x="0" y="1404497"/>
+            <a:off x="0" y="1412838"/>
             <a:ext cx="12192000" cy="2896120"/>
           </a:xfrm>
           <a:prstGeom prst="rect">
@@ -13463,7 +14193,7 @@
         </p:blipFill>
         <p:spPr>
           <a:xfrm>
-            <a:off x="68826" y="4234720"/>
+            <a:off x="68826" y="4243061"/>
             <a:ext cx="12192000" cy="2249813"/>
           </a:xfrm>
           <a:prstGeom prst="rect">
@@ -13487,7 +14217,7 @@
         </p:nvCxnSpPr>
         <p:spPr>
           <a:xfrm>
-            <a:off x="321269" y="3304222"/>
+            <a:off x="321269" y="3312563"/>
             <a:ext cx="11795484" cy="0"/>
           </a:xfrm>
           <a:prstGeom prst="line">
@@ -13514,6 +14244,370 @@
           </a:fontRef>
         </p:style>
       </p:cxnSp>
+      <p:sp>
+        <p:nvSpPr>
+          <p:cNvPr id="14" name="矩形 13">
+            <a:extLst>
+              <a:ext uri="{FF2B5EF4-FFF2-40B4-BE49-F238E27FC236}">
+                <a16:creationId xmlns:a16="http://schemas.microsoft.com/office/drawing/2014/main" id="{2EE0F5A7-1366-45E7-9702-F67DBDE57657}"/>
+              </a:ext>
+            </a:extLst>
+          </p:cNvPr>
+          <p:cNvSpPr/>
+          <p:nvPr/>
+        </p:nvSpPr>
+        <p:spPr>
+          <a:xfrm>
+            <a:off x="321268" y="2057402"/>
+            <a:ext cx="1215431" cy="4165620"/>
+          </a:xfrm>
+          <a:prstGeom prst="rect">
+            <a:avLst/>
+          </a:prstGeom>
+          <a:noFill/>
+          <a:ln w="19050">
+            <a:solidFill>
+              <a:schemeClr val="tx1"/>
+            </a:solidFill>
+          </a:ln>
+        </p:spPr>
+        <p:style>
+          <a:lnRef idx="2">
+            <a:schemeClr val="accent1">
+              <a:shade val="50000"/>
+            </a:schemeClr>
+          </a:lnRef>
+          <a:fillRef idx="1">
+            <a:schemeClr val="accent1"/>
+          </a:fillRef>
+          <a:effectRef idx="0">
+            <a:schemeClr val="accent1"/>
+          </a:effectRef>
+          <a:fontRef idx="minor">
+            <a:schemeClr val="lt1"/>
+          </a:fontRef>
+        </p:style>
+        <p:txBody>
+          <a:bodyPr rtlCol="0" anchor="ctr"/>
+          <a:lstStyle/>
+          <a:p>
+            <a:pPr algn="ctr"/>
+            <a:endParaRPr lang="zh-TW" altLang="en-US"/>
+          </a:p>
+        </p:txBody>
+      </p:sp>
+      <p:sp>
+        <p:nvSpPr>
+          <p:cNvPr id="15" name="矩形 14">
+            <a:extLst>
+              <a:ext uri="{FF2B5EF4-FFF2-40B4-BE49-F238E27FC236}">
+                <a16:creationId xmlns:a16="http://schemas.microsoft.com/office/drawing/2014/main" id="{66457EE9-FAE5-4248-B287-0A39B2ACFC12}"/>
+              </a:ext>
+            </a:extLst>
+          </p:cNvPr>
+          <p:cNvSpPr/>
+          <p:nvPr/>
+        </p:nvSpPr>
+        <p:spPr>
+          <a:xfrm>
+            <a:off x="1857967" y="2057402"/>
+            <a:ext cx="1215431" cy="4165620"/>
+          </a:xfrm>
+          <a:prstGeom prst="rect">
+            <a:avLst/>
+          </a:prstGeom>
+          <a:noFill/>
+          <a:ln w="19050">
+            <a:solidFill>
+              <a:schemeClr val="tx1"/>
+            </a:solidFill>
+          </a:ln>
+        </p:spPr>
+        <p:style>
+          <a:lnRef idx="2">
+            <a:schemeClr val="accent1">
+              <a:shade val="50000"/>
+            </a:schemeClr>
+          </a:lnRef>
+          <a:fillRef idx="1">
+            <a:schemeClr val="accent1"/>
+          </a:fillRef>
+          <a:effectRef idx="0">
+            <a:schemeClr val="accent1"/>
+          </a:effectRef>
+          <a:fontRef idx="minor">
+            <a:schemeClr val="lt1"/>
+          </a:fontRef>
+        </p:style>
+        <p:txBody>
+          <a:bodyPr rtlCol="0" anchor="ctr"/>
+          <a:lstStyle/>
+          <a:p>
+            <a:pPr algn="ctr"/>
+            <a:endParaRPr lang="zh-TW" altLang="en-US"/>
+          </a:p>
+        </p:txBody>
+      </p:sp>
+      <p:sp>
+        <p:nvSpPr>
+          <p:cNvPr id="16" name="矩形 15">
+            <a:extLst>
+              <a:ext uri="{FF2B5EF4-FFF2-40B4-BE49-F238E27FC236}">
+                <a16:creationId xmlns:a16="http://schemas.microsoft.com/office/drawing/2014/main" id="{4350AF80-9A06-428F-88FA-795DF341A0A1}"/>
+              </a:ext>
+            </a:extLst>
+          </p:cNvPr>
+          <p:cNvSpPr/>
+          <p:nvPr/>
+        </p:nvSpPr>
+        <p:spPr>
+          <a:xfrm>
+            <a:off x="3648669" y="2057402"/>
+            <a:ext cx="631232" cy="4165620"/>
+          </a:xfrm>
+          <a:prstGeom prst="rect">
+            <a:avLst/>
+          </a:prstGeom>
+          <a:noFill/>
+          <a:ln w="19050">
+            <a:solidFill>
+              <a:schemeClr val="tx1"/>
+            </a:solidFill>
+          </a:ln>
+        </p:spPr>
+        <p:style>
+          <a:lnRef idx="2">
+            <a:schemeClr val="accent1">
+              <a:shade val="50000"/>
+            </a:schemeClr>
+          </a:lnRef>
+          <a:fillRef idx="1">
+            <a:schemeClr val="accent1"/>
+          </a:fillRef>
+          <a:effectRef idx="0">
+            <a:schemeClr val="accent1"/>
+          </a:effectRef>
+          <a:fontRef idx="minor">
+            <a:schemeClr val="lt1"/>
+          </a:fontRef>
+        </p:style>
+        <p:txBody>
+          <a:bodyPr rtlCol="0" anchor="ctr"/>
+          <a:lstStyle/>
+          <a:p>
+            <a:pPr algn="ctr"/>
+            <a:endParaRPr lang="zh-TW" altLang="en-US"/>
+          </a:p>
+        </p:txBody>
+      </p:sp>
+      <p:sp>
+        <p:nvSpPr>
+          <p:cNvPr id="17" name="矩形 16">
+            <a:extLst>
+              <a:ext uri="{FF2B5EF4-FFF2-40B4-BE49-F238E27FC236}">
+                <a16:creationId xmlns:a16="http://schemas.microsoft.com/office/drawing/2014/main" id="{0BED58A1-B36C-4D52-9931-F2E435CBC072}"/>
+              </a:ext>
+            </a:extLst>
+          </p:cNvPr>
+          <p:cNvSpPr/>
+          <p:nvPr/>
+        </p:nvSpPr>
+        <p:spPr>
+          <a:xfrm>
+            <a:off x="4601168" y="2057402"/>
+            <a:ext cx="2104432" cy="4165620"/>
+          </a:xfrm>
+          <a:prstGeom prst="rect">
+            <a:avLst/>
+          </a:prstGeom>
+          <a:noFill/>
+          <a:ln w="19050">
+            <a:solidFill>
+              <a:schemeClr val="tx1"/>
+            </a:solidFill>
+          </a:ln>
+        </p:spPr>
+        <p:style>
+          <a:lnRef idx="2">
+            <a:schemeClr val="accent1">
+              <a:shade val="50000"/>
+            </a:schemeClr>
+          </a:lnRef>
+          <a:fillRef idx="1">
+            <a:schemeClr val="accent1"/>
+          </a:fillRef>
+          <a:effectRef idx="0">
+            <a:schemeClr val="accent1"/>
+          </a:effectRef>
+          <a:fontRef idx="minor">
+            <a:schemeClr val="lt1"/>
+          </a:fontRef>
+        </p:style>
+        <p:txBody>
+          <a:bodyPr rtlCol="0" anchor="ctr"/>
+          <a:lstStyle/>
+          <a:p>
+            <a:pPr algn="ctr"/>
+            <a:endParaRPr lang="zh-TW" altLang="en-US"/>
+          </a:p>
+        </p:txBody>
+      </p:sp>
+      <p:sp>
+        <p:nvSpPr>
+          <p:cNvPr id="18" name="矩形 17">
+            <a:extLst>
+              <a:ext uri="{FF2B5EF4-FFF2-40B4-BE49-F238E27FC236}">
+                <a16:creationId xmlns:a16="http://schemas.microsoft.com/office/drawing/2014/main" id="{0C848D7E-3E96-47CF-AA8F-1C33B8C74CFD}"/>
+              </a:ext>
+            </a:extLst>
+          </p:cNvPr>
+          <p:cNvSpPr/>
+          <p:nvPr/>
+        </p:nvSpPr>
+        <p:spPr>
+          <a:xfrm>
+            <a:off x="7598368" y="2057402"/>
+            <a:ext cx="910632" cy="4165620"/>
+          </a:xfrm>
+          <a:prstGeom prst="rect">
+            <a:avLst/>
+          </a:prstGeom>
+          <a:noFill/>
+          <a:ln w="19050">
+            <a:solidFill>
+              <a:schemeClr val="tx1"/>
+            </a:solidFill>
+          </a:ln>
+        </p:spPr>
+        <p:style>
+          <a:lnRef idx="2">
+            <a:schemeClr val="accent1">
+              <a:shade val="50000"/>
+            </a:schemeClr>
+          </a:lnRef>
+          <a:fillRef idx="1">
+            <a:schemeClr val="accent1"/>
+          </a:fillRef>
+          <a:effectRef idx="0">
+            <a:schemeClr val="accent1"/>
+          </a:effectRef>
+          <a:fontRef idx="minor">
+            <a:schemeClr val="lt1"/>
+          </a:fontRef>
+        </p:style>
+        <p:txBody>
+          <a:bodyPr rtlCol="0" anchor="ctr"/>
+          <a:lstStyle/>
+          <a:p>
+            <a:pPr algn="ctr"/>
+            <a:endParaRPr lang="zh-TW" altLang="en-US"/>
+          </a:p>
+        </p:txBody>
+      </p:sp>
+      <p:sp>
+        <p:nvSpPr>
+          <p:cNvPr id="19" name="矩形 18">
+            <a:extLst>
+              <a:ext uri="{FF2B5EF4-FFF2-40B4-BE49-F238E27FC236}">
+                <a16:creationId xmlns:a16="http://schemas.microsoft.com/office/drawing/2014/main" id="{0BE68211-F07B-4158-AC44-C2B4C296EE45}"/>
+              </a:ext>
+            </a:extLst>
+          </p:cNvPr>
+          <p:cNvSpPr/>
+          <p:nvPr/>
+        </p:nvSpPr>
+        <p:spPr>
+          <a:xfrm>
+            <a:off x="9414467" y="2057402"/>
+            <a:ext cx="2702285" cy="4165620"/>
+          </a:xfrm>
+          <a:prstGeom prst="rect">
+            <a:avLst/>
+          </a:prstGeom>
+          <a:noFill/>
+          <a:ln w="19050">
+            <a:solidFill>
+              <a:schemeClr val="tx1"/>
+            </a:solidFill>
+          </a:ln>
+        </p:spPr>
+        <p:style>
+          <a:lnRef idx="2">
+            <a:schemeClr val="accent1">
+              <a:shade val="50000"/>
+            </a:schemeClr>
+          </a:lnRef>
+          <a:fillRef idx="1">
+            <a:schemeClr val="accent1"/>
+          </a:fillRef>
+          <a:effectRef idx="0">
+            <a:schemeClr val="accent1"/>
+          </a:effectRef>
+          <a:fontRef idx="minor">
+            <a:schemeClr val="lt1"/>
+          </a:fontRef>
+        </p:style>
+        <p:txBody>
+          <a:bodyPr rtlCol="0" anchor="ctr"/>
+          <a:lstStyle/>
+          <a:p>
+            <a:pPr algn="ctr"/>
+            <a:endParaRPr lang="zh-TW" altLang="en-US"/>
+          </a:p>
+        </p:txBody>
+      </p:sp>
+      <p:sp>
+        <p:nvSpPr>
+          <p:cNvPr id="20" name="矩形 19">
+            <a:extLst>
+              <a:ext uri="{FF2B5EF4-FFF2-40B4-BE49-F238E27FC236}">
+                <a16:creationId xmlns:a16="http://schemas.microsoft.com/office/drawing/2014/main" id="{74200ABF-E2DC-40A7-B65B-43E8337A15BD}"/>
+              </a:ext>
+            </a:extLst>
+          </p:cNvPr>
+          <p:cNvSpPr/>
+          <p:nvPr/>
+        </p:nvSpPr>
+        <p:spPr>
+          <a:xfrm>
+            <a:off x="8825799" y="2057402"/>
+            <a:ext cx="292802" cy="4165620"/>
+          </a:xfrm>
+          <a:prstGeom prst="rect">
+            <a:avLst/>
+          </a:prstGeom>
+          <a:noFill/>
+          <a:ln w="19050">
+            <a:solidFill>
+              <a:schemeClr val="tx1"/>
+            </a:solidFill>
+          </a:ln>
+        </p:spPr>
+        <p:style>
+          <a:lnRef idx="2">
+            <a:schemeClr val="accent1">
+              <a:shade val="50000"/>
+            </a:schemeClr>
+          </a:lnRef>
+          <a:fillRef idx="1">
+            <a:schemeClr val="accent1"/>
+          </a:fillRef>
+          <a:effectRef idx="0">
+            <a:schemeClr val="accent1"/>
+          </a:effectRef>
+          <a:fontRef idx="minor">
+            <a:schemeClr val="lt1"/>
+          </a:fontRef>
+        </p:style>
+        <p:txBody>
+          <a:bodyPr rtlCol="0" anchor="ctr"/>
+          <a:lstStyle/>
+          <a:p>
+            <a:pPr algn="ctr"/>
+            <a:endParaRPr lang="zh-TW" altLang="en-US"/>
+          </a:p>
+        </p:txBody>
+      </p:sp>
     </p:spTree>
     <p:extLst>
       <p:ext uri="{BB962C8B-B14F-4D97-AF65-F5344CB8AC3E}">
@@ -13708,6 +14802,370 @@
           </a:fontRef>
         </p:style>
       </p:cxnSp>
+      <p:sp>
+        <p:nvSpPr>
+          <p:cNvPr id="11" name="矩形 10">
+            <a:extLst>
+              <a:ext uri="{FF2B5EF4-FFF2-40B4-BE49-F238E27FC236}">
+                <a16:creationId xmlns:a16="http://schemas.microsoft.com/office/drawing/2014/main" id="{B6CE72A1-9423-41E7-8388-A0B30B4EF866}"/>
+              </a:ext>
+            </a:extLst>
+          </p:cNvPr>
+          <p:cNvSpPr/>
+          <p:nvPr/>
+        </p:nvSpPr>
+        <p:spPr>
+          <a:xfrm>
+            <a:off x="321268" y="1337187"/>
+            <a:ext cx="1215431" cy="4885835"/>
+          </a:xfrm>
+          <a:prstGeom prst="rect">
+            <a:avLst/>
+          </a:prstGeom>
+          <a:noFill/>
+          <a:ln w="19050">
+            <a:solidFill>
+              <a:schemeClr val="tx1"/>
+            </a:solidFill>
+          </a:ln>
+        </p:spPr>
+        <p:style>
+          <a:lnRef idx="2">
+            <a:schemeClr val="accent1">
+              <a:shade val="50000"/>
+            </a:schemeClr>
+          </a:lnRef>
+          <a:fillRef idx="1">
+            <a:schemeClr val="accent1"/>
+          </a:fillRef>
+          <a:effectRef idx="0">
+            <a:schemeClr val="accent1"/>
+          </a:effectRef>
+          <a:fontRef idx="minor">
+            <a:schemeClr val="lt1"/>
+          </a:fontRef>
+        </p:style>
+        <p:txBody>
+          <a:bodyPr rtlCol="0" anchor="ctr"/>
+          <a:lstStyle/>
+          <a:p>
+            <a:pPr algn="ctr"/>
+            <a:endParaRPr lang="zh-TW" altLang="en-US"/>
+          </a:p>
+        </p:txBody>
+      </p:sp>
+      <p:sp>
+        <p:nvSpPr>
+          <p:cNvPr id="12" name="矩形 11">
+            <a:extLst>
+              <a:ext uri="{FF2B5EF4-FFF2-40B4-BE49-F238E27FC236}">
+                <a16:creationId xmlns:a16="http://schemas.microsoft.com/office/drawing/2014/main" id="{94AF881D-F6E7-45F2-9B60-BD40BEE61D52}"/>
+              </a:ext>
+            </a:extLst>
+          </p:cNvPr>
+          <p:cNvSpPr/>
+          <p:nvPr/>
+        </p:nvSpPr>
+        <p:spPr>
+          <a:xfrm>
+            <a:off x="1857967" y="1337187"/>
+            <a:ext cx="1215431" cy="4885835"/>
+          </a:xfrm>
+          <a:prstGeom prst="rect">
+            <a:avLst/>
+          </a:prstGeom>
+          <a:noFill/>
+          <a:ln w="19050">
+            <a:solidFill>
+              <a:schemeClr val="tx1"/>
+            </a:solidFill>
+          </a:ln>
+        </p:spPr>
+        <p:style>
+          <a:lnRef idx="2">
+            <a:schemeClr val="accent1">
+              <a:shade val="50000"/>
+            </a:schemeClr>
+          </a:lnRef>
+          <a:fillRef idx="1">
+            <a:schemeClr val="accent1"/>
+          </a:fillRef>
+          <a:effectRef idx="0">
+            <a:schemeClr val="accent1"/>
+          </a:effectRef>
+          <a:fontRef idx="minor">
+            <a:schemeClr val="lt1"/>
+          </a:fontRef>
+        </p:style>
+        <p:txBody>
+          <a:bodyPr rtlCol="0" anchor="ctr"/>
+          <a:lstStyle/>
+          <a:p>
+            <a:pPr algn="ctr"/>
+            <a:endParaRPr lang="zh-TW" altLang="en-US"/>
+          </a:p>
+        </p:txBody>
+      </p:sp>
+      <p:sp>
+        <p:nvSpPr>
+          <p:cNvPr id="13" name="矩形 12">
+            <a:extLst>
+              <a:ext uri="{FF2B5EF4-FFF2-40B4-BE49-F238E27FC236}">
+                <a16:creationId xmlns:a16="http://schemas.microsoft.com/office/drawing/2014/main" id="{17E1258B-DC43-43B2-9329-63A4F5473D60}"/>
+              </a:ext>
+            </a:extLst>
+          </p:cNvPr>
+          <p:cNvSpPr/>
+          <p:nvPr/>
+        </p:nvSpPr>
+        <p:spPr>
+          <a:xfrm>
+            <a:off x="3648669" y="1337187"/>
+            <a:ext cx="631232" cy="4885835"/>
+          </a:xfrm>
+          <a:prstGeom prst="rect">
+            <a:avLst/>
+          </a:prstGeom>
+          <a:noFill/>
+          <a:ln w="19050">
+            <a:solidFill>
+              <a:schemeClr val="tx1"/>
+            </a:solidFill>
+          </a:ln>
+        </p:spPr>
+        <p:style>
+          <a:lnRef idx="2">
+            <a:schemeClr val="accent1">
+              <a:shade val="50000"/>
+            </a:schemeClr>
+          </a:lnRef>
+          <a:fillRef idx="1">
+            <a:schemeClr val="accent1"/>
+          </a:fillRef>
+          <a:effectRef idx="0">
+            <a:schemeClr val="accent1"/>
+          </a:effectRef>
+          <a:fontRef idx="minor">
+            <a:schemeClr val="lt1"/>
+          </a:fontRef>
+        </p:style>
+        <p:txBody>
+          <a:bodyPr rtlCol="0" anchor="ctr"/>
+          <a:lstStyle/>
+          <a:p>
+            <a:pPr algn="ctr"/>
+            <a:endParaRPr lang="zh-TW" altLang="en-US"/>
+          </a:p>
+        </p:txBody>
+      </p:sp>
+      <p:sp>
+        <p:nvSpPr>
+          <p:cNvPr id="14" name="矩形 13">
+            <a:extLst>
+              <a:ext uri="{FF2B5EF4-FFF2-40B4-BE49-F238E27FC236}">
+                <a16:creationId xmlns:a16="http://schemas.microsoft.com/office/drawing/2014/main" id="{1CDF2E61-4D5C-4655-9C2D-6ADC0CD4A5F6}"/>
+              </a:ext>
+            </a:extLst>
+          </p:cNvPr>
+          <p:cNvSpPr/>
+          <p:nvPr/>
+        </p:nvSpPr>
+        <p:spPr>
+          <a:xfrm>
+            <a:off x="4601168" y="1337187"/>
+            <a:ext cx="2104432" cy="4885835"/>
+          </a:xfrm>
+          <a:prstGeom prst="rect">
+            <a:avLst/>
+          </a:prstGeom>
+          <a:noFill/>
+          <a:ln w="19050">
+            <a:solidFill>
+              <a:schemeClr val="tx1"/>
+            </a:solidFill>
+          </a:ln>
+        </p:spPr>
+        <p:style>
+          <a:lnRef idx="2">
+            <a:schemeClr val="accent1">
+              <a:shade val="50000"/>
+            </a:schemeClr>
+          </a:lnRef>
+          <a:fillRef idx="1">
+            <a:schemeClr val="accent1"/>
+          </a:fillRef>
+          <a:effectRef idx="0">
+            <a:schemeClr val="accent1"/>
+          </a:effectRef>
+          <a:fontRef idx="minor">
+            <a:schemeClr val="lt1"/>
+          </a:fontRef>
+        </p:style>
+        <p:txBody>
+          <a:bodyPr rtlCol="0" anchor="ctr"/>
+          <a:lstStyle/>
+          <a:p>
+            <a:pPr algn="ctr"/>
+            <a:endParaRPr lang="zh-TW" altLang="en-US"/>
+          </a:p>
+        </p:txBody>
+      </p:sp>
+      <p:sp>
+        <p:nvSpPr>
+          <p:cNvPr id="15" name="矩形 14">
+            <a:extLst>
+              <a:ext uri="{FF2B5EF4-FFF2-40B4-BE49-F238E27FC236}">
+                <a16:creationId xmlns:a16="http://schemas.microsoft.com/office/drawing/2014/main" id="{36951EFE-0347-488E-A1B5-9ABA5EFCF4DC}"/>
+              </a:ext>
+            </a:extLst>
+          </p:cNvPr>
+          <p:cNvSpPr/>
+          <p:nvPr/>
+        </p:nvSpPr>
+        <p:spPr>
+          <a:xfrm>
+            <a:off x="7598368" y="1337187"/>
+            <a:ext cx="910632" cy="4885835"/>
+          </a:xfrm>
+          <a:prstGeom prst="rect">
+            <a:avLst/>
+          </a:prstGeom>
+          <a:noFill/>
+          <a:ln w="19050">
+            <a:solidFill>
+              <a:schemeClr val="tx1"/>
+            </a:solidFill>
+          </a:ln>
+        </p:spPr>
+        <p:style>
+          <a:lnRef idx="2">
+            <a:schemeClr val="accent1">
+              <a:shade val="50000"/>
+            </a:schemeClr>
+          </a:lnRef>
+          <a:fillRef idx="1">
+            <a:schemeClr val="accent1"/>
+          </a:fillRef>
+          <a:effectRef idx="0">
+            <a:schemeClr val="accent1"/>
+          </a:effectRef>
+          <a:fontRef idx="minor">
+            <a:schemeClr val="lt1"/>
+          </a:fontRef>
+        </p:style>
+        <p:txBody>
+          <a:bodyPr rtlCol="0" anchor="ctr"/>
+          <a:lstStyle/>
+          <a:p>
+            <a:pPr algn="ctr"/>
+            <a:endParaRPr lang="zh-TW" altLang="en-US"/>
+          </a:p>
+        </p:txBody>
+      </p:sp>
+      <p:sp>
+        <p:nvSpPr>
+          <p:cNvPr id="16" name="矩形 15">
+            <a:extLst>
+              <a:ext uri="{FF2B5EF4-FFF2-40B4-BE49-F238E27FC236}">
+                <a16:creationId xmlns:a16="http://schemas.microsoft.com/office/drawing/2014/main" id="{DA9BF6D1-10CA-4F9E-BF98-61BB68806CAA}"/>
+              </a:ext>
+            </a:extLst>
+          </p:cNvPr>
+          <p:cNvSpPr/>
+          <p:nvPr/>
+        </p:nvSpPr>
+        <p:spPr>
+          <a:xfrm>
+            <a:off x="9414467" y="1337187"/>
+            <a:ext cx="2702285" cy="4885835"/>
+          </a:xfrm>
+          <a:prstGeom prst="rect">
+            <a:avLst/>
+          </a:prstGeom>
+          <a:noFill/>
+          <a:ln w="19050">
+            <a:solidFill>
+              <a:schemeClr val="tx1"/>
+            </a:solidFill>
+          </a:ln>
+        </p:spPr>
+        <p:style>
+          <a:lnRef idx="2">
+            <a:schemeClr val="accent1">
+              <a:shade val="50000"/>
+            </a:schemeClr>
+          </a:lnRef>
+          <a:fillRef idx="1">
+            <a:schemeClr val="accent1"/>
+          </a:fillRef>
+          <a:effectRef idx="0">
+            <a:schemeClr val="accent1"/>
+          </a:effectRef>
+          <a:fontRef idx="minor">
+            <a:schemeClr val="lt1"/>
+          </a:fontRef>
+        </p:style>
+        <p:txBody>
+          <a:bodyPr rtlCol="0" anchor="ctr"/>
+          <a:lstStyle/>
+          <a:p>
+            <a:pPr algn="ctr"/>
+            <a:endParaRPr lang="zh-TW" altLang="en-US"/>
+          </a:p>
+        </p:txBody>
+      </p:sp>
+      <p:sp>
+        <p:nvSpPr>
+          <p:cNvPr id="17" name="矩形 16">
+            <a:extLst>
+              <a:ext uri="{FF2B5EF4-FFF2-40B4-BE49-F238E27FC236}">
+                <a16:creationId xmlns:a16="http://schemas.microsoft.com/office/drawing/2014/main" id="{4A65F78D-0945-4293-990E-A76C457D5CD3}"/>
+              </a:ext>
+            </a:extLst>
+          </p:cNvPr>
+          <p:cNvSpPr/>
+          <p:nvPr/>
+        </p:nvSpPr>
+        <p:spPr>
+          <a:xfrm>
+            <a:off x="8825799" y="1337187"/>
+            <a:ext cx="292802" cy="4885835"/>
+          </a:xfrm>
+          <a:prstGeom prst="rect">
+            <a:avLst/>
+          </a:prstGeom>
+          <a:noFill/>
+          <a:ln w="19050">
+            <a:solidFill>
+              <a:schemeClr val="tx1"/>
+            </a:solidFill>
+          </a:ln>
+        </p:spPr>
+        <p:style>
+          <a:lnRef idx="2">
+            <a:schemeClr val="accent1">
+              <a:shade val="50000"/>
+            </a:schemeClr>
+          </a:lnRef>
+          <a:fillRef idx="1">
+            <a:schemeClr val="accent1"/>
+          </a:fillRef>
+          <a:effectRef idx="0">
+            <a:schemeClr val="accent1"/>
+          </a:effectRef>
+          <a:fontRef idx="minor">
+            <a:schemeClr val="lt1"/>
+          </a:fontRef>
+        </p:style>
+        <p:txBody>
+          <a:bodyPr rtlCol="0" anchor="ctr"/>
+          <a:lstStyle/>
+          <a:p>
+            <a:pPr algn="ctr"/>
+            <a:endParaRPr lang="zh-TW" altLang="en-US"/>
+          </a:p>
+        </p:txBody>
+      </p:sp>
     </p:spTree>
     <p:extLst>
       <p:ext uri="{BB962C8B-B14F-4D97-AF65-F5344CB8AC3E}">
@@ -13902,6 +15360,370 @@
           </a:fontRef>
         </p:style>
       </p:cxnSp>
+      <p:sp>
+        <p:nvSpPr>
+          <p:cNvPr id="11" name="矩形 10">
+            <a:extLst>
+              <a:ext uri="{FF2B5EF4-FFF2-40B4-BE49-F238E27FC236}">
+                <a16:creationId xmlns:a16="http://schemas.microsoft.com/office/drawing/2014/main" id="{0A76D9CC-BEC7-4F17-ACA5-8ED4450D840F}"/>
+              </a:ext>
+            </a:extLst>
+          </p:cNvPr>
+          <p:cNvSpPr/>
+          <p:nvPr/>
+        </p:nvSpPr>
+        <p:spPr>
+          <a:xfrm>
+            <a:off x="362564" y="2057402"/>
+            <a:ext cx="1215431" cy="4165620"/>
+          </a:xfrm>
+          <a:prstGeom prst="rect">
+            <a:avLst/>
+          </a:prstGeom>
+          <a:noFill/>
+          <a:ln w="19050">
+            <a:solidFill>
+              <a:schemeClr val="tx1"/>
+            </a:solidFill>
+          </a:ln>
+        </p:spPr>
+        <p:style>
+          <a:lnRef idx="2">
+            <a:schemeClr val="accent1">
+              <a:shade val="50000"/>
+            </a:schemeClr>
+          </a:lnRef>
+          <a:fillRef idx="1">
+            <a:schemeClr val="accent1"/>
+          </a:fillRef>
+          <a:effectRef idx="0">
+            <a:schemeClr val="accent1"/>
+          </a:effectRef>
+          <a:fontRef idx="minor">
+            <a:schemeClr val="lt1"/>
+          </a:fontRef>
+        </p:style>
+        <p:txBody>
+          <a:bodyPr rtlCol="0" anchor="ctr"/>
+          <a:lstStyle/>
+          <a:p>
+            <a:pPr algn="ctr"/>
+            <a:endParaRPr lang="zh-TW" altLang="en-US"/>
+          </a:p>
+        </p:txBody>
+      </p:sp>
+      <p:sp>
+        <p:nvSpPr>
+          <p:cNvPr id="12" name="矩形 11">
+            <a:extLst>
+              <a:ext uri="{FF2B5EF4-FFF2-40B4-BE49-F238E27FC236}">
+                <a16:creationId xmlns:a16="http://schemas.microsoft.com/office/drawing/2014/main" id="{AC33DC72-2F0C-4F02-960F-06A6FDE98490}"/>
+              </a:ext>
+            </a:extLst>
+          </p:cNvPr>
+          <p:cNvSpPr/>
+          <p:nvPr/>
+        </p:nvSpPr>
+        <p:spPr>
+          <a:xfrm>
+            <a:off x="1857967" y="2057402"/>
+            <a:ext cx="1215431" cy="4165620"/>
+          </a:xfrm>
+          <a:prstGeom prst="rect">
+            <a:avLst/>
+          </a:prstGeom>
+          <a:noFill/>
+          <a:ln w="19050">
+            <a:solidFill>
+              <a:schemeClr val="tx1"/>
+            </a:solidFill>
+          </a:ln>
+        </p:spPr>
+        <p:style>
+          <a:lnRef idx="2">
+            <a:schemeClr val="accent1">
+              <a:shade val="50000"/>
+            </a:schemeClr>
+          </a:lnRef>
+          <a:fillRef idx="1">
+            <a:schemeClr val="accent1"/>
+          </a:fillRef>
+          <a:effectRef idx="0">
+            <a:schemeClr val="accent1"/>
+          </a:effectRef>
+          <a:fontRef idx="minor">
+            <a:schemeClr val="lt1"/>
+          </a:fontRef>
+        </p:style>
+        <p:txBody>
+          <a:bodyPr rtlCol="0" anchor="ctr"/>
+          <a:lstStyle/>
+          <a:p>
+            <a:pPr algn="ctr"/>
+            <a:endParaRPr lang="zh-TW" altLang="en-US"/>
+          </a:p>
+        </p:txBody>
+      </p:sp>
+      <p:sp>
+        <p:nvSpPr>
+          <p:cNvPr id="13" name="矩形 12">
+            <a:extLst>
+              <a:ext uri="{FF2B5EF4-FFF2-40B4-BE49-F238E27FC236}">
+                <a16:creationId xmlns:a16="http://schemas.microsoft.com/office/drawing/2014/main" id="{DC7CE1DD-CF19-473E-A190-BDB63D7D26E4}"/>
+              </a:ext>
+            </a:extLst>
+          </p:cNvPr>
+          <p:cNvSpPr/>
+          <p:nvPr/>
+        </p:nvSpPr>
+        <p:spPr>
+          <a:xfrm>
+            <a:off x="3648669" y="2057402"/>
+            <a:ext cx="631232" cy="4165620"/>
+          </a:xfrm>
+          <a:prstGeom prst="rect">
+            <a:avLst/>
+          </a:prstGeom>
+          <a:noFill/>
+          <a:ln w="19050">
+            <a:solidFill>
+              <a:schemeClr val="tx1"/>
+            </a:solidFill>
+          </a:ln>
+        </p:spPr>
+        <p:style>
+          <a:lnRef idx="2">
+            <a:schemeClr val="accent1">
+              <a:shade val="50000"/>
+            </a:schemeClr>
+          </a:lnRef>
+          <a:fillRef idx="1">
+            <a:schemeClr val="accent1"/>
+          </a:fillRef>
+          <a:effectRef idx="0">
+            <a:schemeClr val="accent1"/>
+          </a:effectRef>
+          <a:fontRef idx="minor">
+            <a:schemeClr val="lt1"/>
+          </a:fontRef>
+        </p:style>
+        <p:txBody>
+          <a:bodyPr rtlCol="0" anchor="ctr"/>
+          <a:lstStyle/>
+          <a:p>
+            <a:pPr algn="ctr"/>
+            <a:endParaRPr lang="zh-TW" altLang="en-US"/>
+          </a:p>
+        </p:txBody>
+      </p:sp>
+      <p:sp>
+        <p:nvSpPr>
+          <p:cNvPr id="14" name="矩形 13">
+            <a:extLst>
+              <a:ext uri="{FF2B5EF4-FFF2-40B4-BE49-F238E27FC236}">
+                <a16:creationId xmlns:a16="http://schemas.microsoft.com/office/drawing/2014/main" id="{2735BAB8-90E2-440F-B919-4B6AD833BC20}"/>
+              </a:ext>
+            </a:extLst>
+          </p:cNvPr>
+          <p:cNvSpPr/>
+          <p:nvPr/>
+        </p:nvSpPr>
+        <p:spPr>
+          <a:xfrm>
+            <a:off x="4601168" y="2057402"/>
+            <a:ext cx="2104432" cy="4165620"/>
+          </a:xfrm>
+          <a:prstGeom prst="rect">
+            <a:avLst/>
+          </a:prstGeom>
+          <a:noFill/>
+          <a:ln w="19050">
+            <a:solidFill>
+              <a:schemeClr val="tx1"/>
+            </a:solidFill>
+          </a:ln>
+        </p:spPr>
+        <p:style>
+          <a:lnRef idx="2">
+            <a:schemeClr val="accent1">
+              <a:shade val="50000"/>
+            </a:schemeClr>
+          </a:lnRef>
+          <a:fillRef idx="1">
+            <a:schemeClr val="accent1"/>
+          </a:fillRef>
+          <a:effectRef idx="0">
+            <a:schemeClr val="accent1"/>
+          </a:effectRef>
+          <a:fontRef idx="minor">
+            <a:schemeClr val="lt1"/>
+          </a:fontRef>
+        </p:style>
+        <p:txBody>
+          <a:bodyPr rtlCol="0" anchor="ctr"/>
+          <a:lstStyle/>
+          <a:p>
+            <a:pPr algn="ctr"/>
+            <a:endParaRPr lang="zh-TW" altLang="en-US"/>
+          </a:p>
+        </p:txBody>
+      </p:sp>
+      <p:sp>
+        <p:nvSpPr>
+          <p:cNvPr id="15" name="矩形 14">
+            <a:extLst>
+              <a:ext uri="{FF2B5EF4-FFF2-40B4-BE49-F238E27FC236}">
+                <a16:creationId xmlns:a16="http://schemas.microsoft.com/office/drawing/2014/main" id="{DC745D9B-8FCB-4314-A966-1B27D1383075}"/>
+              </a:ext>
+            </a:extLst>
+          </p:cNvPr>
+          <p:cNvSpPr/>
+          <p:nvPr/>
+        </p:nvSpPr>
+        <p:spPr>
+          <a:xfrm>
+            <a:off x="7598368" y="2057402"/>
+            <a:ext cx="910632" cy="4165620"/>
+          </a:xfrm>
+          <a:prstGeom prst="rect">
+            <a:avLst/>
+          </a:prstGeom>
+          <a:noFill/>
+          <a:ln w="19050">
+            <a:solidFill>
+              <a:schemeClr val="tx1"/>
+            </a:solidFill>
+          </a:ln>
+        </p:spPr>
+        <p:style>
+          <a:lnRef idx="2">
+            <a:schemeClr val="accent1">
+              <a:shade val="50000"/>
+            </a:schemeClr>
+          </a:lnRef>
+          <a:fillRef idx="1">
+            <a:schemeClr val="accent1"/>
+          </a:fillRef>
+          <a:effectRef idx="0">
+            <a:schemeClr val="accent1"/>
+          </a:effectRef>
+          <a:fontRef idx="minor">
+            <a:schemeClr val="lt1"/>
+          </a:fontRef>
+        </p:style>
+        <p:txBody>
+          <a:bodyPr rtlCol="0" anchor="ctr"/>
+          <a:lstStyle/>
+          <a:p>
+            <a:pPr algn="ctr"/>
+            <a:endParaRPr lang="zh-TW" altLang="en-US"/>
+          </a:p>
+        </p:txBody>
+      </p:sp>
+      <p:sp>
+        <p:nvSpPr>
+          <p:cNvPr id="16" name="矩形 15">
+            <a:extLst>
+              <a:ext uri="{FF2B5EF4-FFF2-40B4-BE49-F238E27FC236}">
+                <a16:creationId xmlns:a16="http://schemas.microsoft.com/office/drawing/2014/main" id="{5C8D8E96-D233-4EAE-99F5-36B065BF6BBD}"/>
+              </a:ext>
+            </a:extLst>
+          </p:cNvPr>
+          <p:cNvSpPr/>
+          <p:nvPr/>
+        </p:nvSpPr>
+        <p:spPr>
+          <a:xfrm>
+            <a:off x="9414467" y="2057402"/>
+            <a:ext cx="2702285" cy="4165620"/>
+          </a:xfrm>
+          <a:prstGeom prst="rect">
+            <a:avLst/>
+          </a:prstGeom>
+          <a:noFill/>
+          <a:ln w="19050">
+            <a:solidFill>
+              <a:schemeClr val="tx1"/>
+            </a:solidFill>
+          </a:ln>
+        </p:spPr>
+        <p:style>
+          <a:lnRef idx="2">
+            <a:schemeClr val="accent1">
+              <a:shade val="50000"/>
+            </a:schemeClr>
+          </a:lnRef>
+          <a:fillRef idx="1">
+            <a:schemeClr val="accent1"/>
+          </a:fillRef>
+          <a:effectRef idx="0">
+            <a:schemeClr val="accent1"/>
+          </a:effectRef>
+          <a:fontRef idx="minor">
+            <a:schemeClr val="lt1"/>
+          </a:fontRef>
+        </p:style>
+        <p:txBody>
+          <a:bodyPr rtlCol="0" anchor="ctr"/>
+          <a:lstStyle/>
+          <a:p>
+            <a:pPr algn="ctr"/>
+            <a:endParaRPr lang="zh-TW" altLang="en-US"/>
+          </a:p>
+        </p:txBody>
+      </p:sp>
+      <p:sp>
+        <p:nvSpPr>
+          <p:cNvPr id="17" name="矩形 16">
+            <a:extLst>
+              <a:ext uri="{FF2B5EF4-FFF2-40B4-BE49-F238E27FC236}">
+                <a16:creationId xmlns:a16="http://schemas.microsoft.com/office/drawing/2014/main" id="{296280FF-47DE-47B2-9ED9-6B7B8DBCDF2A}"/>
+              </a:ext>
+            </a:extLst>
+          </p:cNvPr>
+          <p:cNvSpPr/>
+          <p:nvPr/>
+        </p:nvSpPr>
+        <p:spPr>
+          <a:xfrm>
+            <a:off x="8825799" y="2057402"/>
+            <a:ext cx="292802" cy="4165620"/>
+          </a:xfrm>
+          <a:prstGeom prst="rect">
+            <a:avLst/>
+          </a:prstGeom>
+          <a:noFill/>
+          <a:ln w="19050">
+            <a:solidFill>
+              <a:schemeClr val="tx1"/>
+            </a:solidFill>
+          </a:ln>
+        </p:spPr>
+        <p:style>
+          <a:lnRef idx="2">
+            <a:schemeClr val="accent1">
+              <a:shade val="50000"/>
+            </a:schemeClr>
+          </a:lnRef>
+          <a:fillRef idx="1">
+            <a:schemeClr val="accent1"/>
+          </a:fillRef>
+          <a:effectRef idx="0">
+            <a:schemeClr val="accent1"/>
+          </a:effectRef>
+          <a:fontRef idx="minor">
+            <a:schemeClr val="lt1"/>
+          </a:fontRef>
+        </p:style>
+        <p:txBody>
+          <a:bodyPr rtlCol="0" anchor="ctr"/>
+          <a:lstStyle/>
+          <a:p>
+            <a:pPr algn="ctr"/>
+            <a:endParaRPr lang="zh-TW" altLang="en-US"/>
+          </a:p>
+        </p:txBody>
+      </p:sp>
     </p:spTree>
     <p:extLst>
       <p:ext uri="{BB962C8B-B14F-4D97-AF65-F5344CB8AC3E}">
@@ -14058,6 +15880,370 @@
           </a:prstGeom>
         </p:spPr>
       </p:pic>
+      <p:sp>
+        <p:nvSpPr>
+          <p:cNvPr id="8" name="矩形 7">
+            <a:extLst>
+              <a:ext uri="{FF2B5EF4-FFF2-40B4-BE49-F238E27FC236}">
+                <a16:creationId xmlns:a16="http://schemas.microsoft.com/office/drawing/2014/main" id="{39A08865-8C49-45F4-998B-0E5A3B01B25A}"/>
+              </a:ext>
+            </a:extLst>
+          </p:cNvPr>
+          <p:cNvSpPr/>
+          <p:nvPr/>
+        </p:nvSpPr>
+        <p:spPr>
+          <a:xfrm>
+            <a:off x="321268" y="2057402"/>
+            <a:ext cx="1215431" cy="4165620"/>
+          </a:xfrm>
+          <a:prstGeom prst="rect">
+            <a:avLst/>
+          </a:prstGeom>
+          <a:noFill/>
+          <a:ln w="19050">
+            <a:solidFill>
+              <a:schemeClr val="tx1"/>
+            </a:solidFill>
+          </a:ln>
+        </p:spPr>
+        <p:style>
+          <a:lnRef idx="2">
+            <a:schemeClr val="accent1">
+              <a:shade val="50000"/>
+            </a:schemeClr>
+          </a:lnRef>
+          <a:fillRef idx="1">
+            <a:schemeClr val="accent1"/>
+          </a:fillRef>
+          <a:effectRef idx="0">
+            <a:schemeClr val="accent1"/>
+          </a:effectRef>
+          <a:fontRef idx="minor">
+            <a:schemeClr val="lt1"/>
+          </a:fontRef>
+        </p:style>
+        <p:txBody>
+          <a:bodyPr rtlCol="0" anchor="ctr"/>
+          <a:lstStyle/>
+          <a:p>
+            <a:pPr algn="ctr"/>
+            <a:endParaRPr lang="zh-TW" altLang="en-US"/>
+          </a:p>
+        </p:txBody>
+      </p:sp>
+      <p:sp>
+        <p:nvSpPr>
+          <p:cNvPr id="9" name="矩形 8">
+            <a:extLst>
+              <a:ext uri="{FF2B5EF4-FFF2-40B4-BE49-F238E27FC236}">
+                <a16:creationId xmlns:a16="http://schemas.microsoft.com/office/drawing/2014/main" id="{38E74088-EFE2-4F0D-B74E-BFA3D3A49472}"/>
+              </a:ext>
+            </a:extLst>
+          </p:cNvPr>
+          <p:cNvSpPr/>
+          <p:nvPr/>
+        </p:nvSpPr>
+        <p:spPr>
+          <a:xfrm>
+            <a:off x="1857967" y="2057402"/>
+            <a:ext cx="1215431" cy="4165620"/>
+          </a:xfrm>
+          <a:prstGeom prst="rect">
+            <a:avLst/>
+          </a:prstGeom>
+          <a:noFill/>
+          <a:ln w="19050">
+            <a:solidFill>
+              <a:schemeClr val="tx1"/>
+            </a:solidFill>
+          </a:ln>
+        </p:spPr>
+        <p:style>
+          <a:lnRef idx="2">
+            <a:schemeClr val="accent1">
+              <a:shade val="50000"/>
+            </a:schemeClr>
+          </a:lnRef>
+          <a:fillRef idx="1">
+            <a:schemeClr val="accent1"/>
+          </a:fillRef>
+          <a:effectRef idx="0">
+            <a:schemeClr val="accent1"/>
+          </a:effectRef>
+          <a:fontRef idx="minor">
+            <a:schemeClr val="lt1"/>
+          </a:fontRef>
+        </p:style>
+        <p:txBody>
+          <a:bodyPr rtlCol="0" anchor="ctr"/>
+          <a:lstStyle/>
+          <a:p>
+            <a:pPr algn="ctr"/>
+            <a:endParaRPr lang="zh-TW" altLang="en-US"/>
+          </a:p>
+        </p:txBody>
+      </p:sp>
+      <p:sp>
+        <p:nvSpPr>
+          <p:cNvPr id="10" name="矩形 9">
+            <a:extLst>
+              <a:ext uri="{FF2B5EF4-FFF2-40B4-BE49-F238E27FC236}">
+                <a16:creationId xmlns:a16="http://schemas.microsoft.com/office/drawing/2014/main" id="{0FF19268-2461-41AC-BCD5-1984D89893AC}"/>
+              </a:ext>
+            </a:extLst>
+          </p:cNvPr>
+          <p:cNvSpPr/>
+          <p:nvPr/>
+        </p:nvSpPr>
+        <p:spPr>
+          <a:xfrm>
+            <a:off x="3648669" y="2057402"/>
+            <a:ext cx="631232" cy="4165620"/>
+          </a:xfrm>
+          <a:prstGeom prst="rect">
+            <a:avLst/>
+          </a:prstGeom>
+          <a:noFill/>
+          <a:ln w="19050">
+            <a:solidFill>
+              <a:schemeClr val="tx1"/>
+            </a:solidFill>
+          </a:ln>
+        </p:spPr>
+        <p:style>
+          <a:lnRef idx="2">
+            <a:schemeClr val="accent1">
+              <a:shade val="50000"/>
+            </a:schemeClr>
+          </a:lnRef>
+          <a:fillRef idx="1">
+            <a:schemeClr val="accent1"/>
+          </a:fillRef>
+          <a:effectRef idx="0">
+            <a:schemeClr val="accent1"/>
+          </a:effectRef>
+          <a:fontRef idx="minor">
+            <a:schemeClr val="lt1"/>
+          </a:fontRef>
+        </p:style>
+        <p:txBody>
+          <a:bodyPr rtlCol="0" anchor="ctr"/>
+          <a:lstStyle/>
+          <a:p>
+            <a:pPr algn="ctr"/>
+            <a:endParaRPr lang="zh-TW" altLang="en-US"/>
+          </a:p>
+        </p:txBody>
+      </p:sp>
+      <p:sp>
+        <p:nvSpPr>
+          <p:cNvPr id="11" name="矩形 10">
+            <a:extLst>
+              <a:ext uri="{FF2B5EF4-FFF2-40B4-BE49-F238E27FC236}">
+                <a16:creationId xmlns:a16="http://schemas.microsoft.com/office/drawing/2014/main" id="{F76AE7C2-4ADD-451D-88B1-A550BAF358E7}"/>
+              </a:ext>
+            </a:extLst>
+          </p:cNvPr>
+          <p:cNvSpPr/>
+          <p:nvPr/>
+        </p:nvSpPr>
+        <p:spPr>
+          <a:xfrm>
+            <a:off x="4601168" y="2057402"/>
+            <a:ext cx="2104432" cy="4165620"/>
+          </a:xfrm>
+          <a:prstGeom prst="rect">
+            <a:avLst/>
+          </a:prstGeom>
+          <a:noFill/>
+          <a:ln w="19050">
+            <a:solidFill>
+              <a:schemeClr val="tx1"/>
+            </a:solidFill>
+          </a:ln>
+        </p:spPr>
+        <p:style>
+          <a:lnRef idx="2">
+            <a:schemeClr val="accent1">
+              <a:shade val="50000"/>
+            </a:schemeClr>
+          </a:lnRef>
+          <a:fillRef idx="1">
+            <a:schemeClr val="accent1"/>
+          </a:fillRef>
+          <a:effectRef idx="0">
+            <a:schemeClr val="accent1"/>
+          </a:effectRef>
+          <a:fontRef idx="minor">
+            <a:schemeClr val="lt1"/>
+          </a:fontRef>
+        </p:style>
+        <p:txBody>
+          <a:bodyPr rtlCol="0" anchor="ctr"/>
+          <a:lstStyle/>
+          <a:p>
+            <a:pPr algn="ctr"/>
+            <a:endParaRPr lang="zh-TW" altLang="en-US"/>
+          </a:p>
+        </p:txBody>
+      </p:sp>
+      <p:sp>
+        <p:nvSpPr>
+          <p:cNvPr id="12" name="矩形 11">
+            <a:extLst>
+              <a:ext uri="{FF2B5EF4-FFF2-40B4-BE49-F238E27FC236}">
+                <a16:creationId xmlns:a16="http://schemas.microsoft.com/office/drawing/2014/main" id="{07C74B0C-71A3-4E05-BC9B-A88540884DFE}"/>
+              </a:ext>
+            </a:extLst>
+          </p:cNvPr>
+          <p:cNvSpPr/>
+          <p:nvPr/>
+        </p:nvSpPr>
+        <p:spPr>
+          <a:xfrm>
+            <a:off x="7598368" y="2057402"/>
+            <a:ext cx="910632" cy="4165620"/>
+          </a:xfrm>
+          <a:prstGeom prst="rect">
+            <a:avLst/>
+          </a:prstGeom>
+          <a:noFill/>
+          <a:ln w="19050">
+            <a:solidFill>
+              <a:schemeClr val="tx1"/>
+            </a:solidFill>
+          </a:ln>
+        </p:spPr>
+        <p:style>
+          <a:lnRef idx="2">
+            <a:schemeClr val="accent1">
+              <a:shade val="50000"/>
+            </a:schemeClr>
+          </a:lnRef>
+          <a:fillRef idx="1">
+            <a:schemeClr val="accent1"/>
+          </a:fillRef>
+          <a:effectRef idx="0">
+            <a:schemeClr val="accent1"/>
+          </a:effectRef>
+          <a:fontRef idx="minor">
+            <a:schemeClr val="lt1"/>
+          </a:fontRef>
+        </p:style>
+        <p:txBody>
+          <a:bodyPr rtlCol="0" anchor="ctr"/>
+          <a:lstStyle/>
+          <a:p>
+            <a:pPr algn="ctr"/>
+            <a:endParaRPr lang="zh-TW" altLang="en-US"/>
+          </a:p>
+        </p:txBody>
+      </p:sp>
+      <p:sp>
+        <p:nvSpPr>
+          <p:cNvPr id="13" name="矩形 12">
+            <a:extLst>
+              <a:ext uri="{FF2B5EF4-FFF2-40B4-BE49-F238E27FC236}">
+                <a16:creationId xmlns:a16="http://schemas.microsoft.com/office/drawing/2014/main" id="{83542046-3BC7-480F-A83D-D6637430673F}"/>
+              </a:ext>
+            </a:extLst>
+          </p:cNvPr>
+          <p:cNvSpPr/>
+          <p:nvPr/>
+        </p:nvSpPr>
+        <p:spPr>
+          <a:xfrm>
+            <a:off x="9414467" y="2057402"/>
+            <a:ext cx="2702285" cy="4165620"/>
+          </a:xfrm>
+          <a:prstGeom prst="rect">
+            <a:avLst/>
+          </a:prstGeom>
+          <a:noFill/>
+          <a:ln w="19050">
+            <a:solidFill>
+              <a:schemeClr val="tx1"/>
+            </a:solidFill>
+          </a:ln>
+        </p:spPr>
+        <p:style>
+          <a:lnRef idx="2">
+            <a:schemeClr val="accent1">
+              <a:shade val="50000"/>
+            </a:schemeClr>
+          </a:lnRef>
+          <a:fillRef idx="1">
+            <a:schemeClr val="accent1"/>
+          </a:fillRef>
+          <a:effectRef idx="0">
+            <a:schemeClr val="accent1"/>
+          </a:effectRef>
+          <a:fontRef idx="minor">
+            <a:schemeClr val="lt1"/>
+          </a:fontRef>
+        </p:style>
+        <p:txBody>
+          <a:bodyPr rtlCol="0" anchor="ctr"/>
+          <a:lstStyle/>
+          <a:p>
+            <a:pPr algn="ctr"/>
+            <a:endParaRPr lang="zh-TW" altLang="en-US"/>
+          </a:p>
+        </p:txBody>
+      </p:sp>
+      <p:sp>
+        <p:nvSpPr>
+          <p:cNvPr id="14" name="矩形 13">
+            <a:extLst>
+              <a:ext uri="{FF2B5EF4-FFF2-40B4-BE49-F238E27FC236}">
+                <a16:creationId xmlns:a16="http://schemas.microsoft.com/office/drawing/2014/main" id="{729FA3D6-997B-4DF5-A170-64B95BDDF742}"/>
+              </a:ext>
+            </a:extLst>
+          </p:cNvPr>
+          <p:cNvSpPr/>
+          <p:nvPr/>
+        </p:nvSpPr>
+        <p:spPr>
+          <a:xfrm>
+            <a:off x="8825799" y="2057402"/>
+            <a:ext cx="292802" cy="4165620"/>
+          </a:xfrm>
+          <a:prstGeom prst="rect">
+            <a:avLst/>
+          </a:prstGeom>
+          <a:noFill/>
+          <a:ln w="19050">
+            <a:solidFill>
+              <a:schemeClr val="tx1"/>
+            </a:solidFill>
+          </a:ln>
+        </p:spPr>
+        <p:style>
+          <a:lnRef idx="2">
+            <a:schemeClr val="accent1">
+              <a:shade val="50000"/>
+            </a:schemeClr>
+          </a:lnRef>
+          <a:fillRef idx="1">
+            <a:schemeClr val="accent1"/>
+          </a:fillRef>
+          <a:effectRef idx="0">
+            <a:schemeClr val="accent1"/>
+          </a:effectRef>
+          <a:fontRef idx="minor">
+            <a:schemeClr val="lt1"/>
+          </a:fontRef>
+        </p:style>
+        <p:txBody>
+          <a:bodyPr rtlCol="0" anchor="ctr"/>
+          <a:lstStyle/>
+          <a:p>
+            <a:pPr algn="ctr"/>
+            <a:endParaRPr lang="zh-TW" altLang="en-US"/>
+          </a:p>
+        </p:txBody>
+      </p:sp>
     </p:spTree>
     <p:extLst>
       <p:ext uri="{BB962C8B-B14F-4D97-AF65-F5344CB8AC3E}">
@@ -14072,6 +16258,1600 @@
 </file>
 
 <file path=ppt/slides/slide3.xml><?xml version="1.0" encoding="utf-8"?>
+<p:sld xmlns:a="http://schemas.openxmlformats.org/drawingml/2006/main" xmlns:r="http://schemas.openxmlformats.org/officeDocument/2006/relationships" xmlns:p="http://schemas.openxmlformats.org/presentationml/2006/main">
+  <p:cSld>
+    <p:spTree>
+      <p:nvGrpSpPr>
+        <p:cNvPr id="1" name=""/>
+        <p:cNvGrpSpPr/>
+        <p:nvPr/>
+      </p:nvGrpSpPr>
+      <p:grpSpPr>
+        <a:xfrm>
+          <a:off x="0" y="0"/>
+          <a:ext cx="0" cy="0"/>
+          <a:chOff x="0" y="0"/>
+          <a:chExt cx="0" cy="0"/>
+        </a:xfrm>
+      </p:grpSpPr>
+      <p:sp>
+        <p:nvSpPr>
+          <p:cNvPr id="2" name="標題 1">
+            <a:extLst>
+              <a:ext uri="{FF2B5EF4-FFF2-40B4-BE49-F238E27FC236}">
+                <a16:creationId xmlns:a16="http://schemas.microsoft.com/office/drawing/2014/main" id="{331F264F-538B-4111-9AF6-93267F6E7AFF}"/>
+              </a:ext>
+            </a:extLst>
+          </p:cNvPr>
+          <p:cNvSpPr>
+            <a:spLocks noGrp="1"/>
+          </p:cNvSpPr>
+          <p:nvPr>
+            <p:ph type="title"/>
+          </p:nvPr>
+        </p:nvSpPr>
+        <p:spPr/>
+        <p:txBody>
+          <a:bodyPr/>
+          <a:lstStyle/>
+          <a:p>
+            <a:r>
+              <a:rPr lang="zh-TW" altLang="en-US" dirty="0"/>
+              <a:t>睡眠指標數值參考依據</a:t>
+            </a:r>
+          </a:p>
+        </p:txBody>
+      </p:sp>
+      <p:sp>
+        <p:nvSpPr>
+          <p:cNvPr id="3" name="內容版面配置區 2">
+            <a:extLst>
+              <a:ext uri="{FF2B5EF4-FFF2-40B4-BE49-F238E27FC236}">
+                <a16:creationId xmlns:a16="http://schemas.microsoft.com/office/drawing/2014/main" id="{6E131EDE-836B-4B96-B95A-BF400CDA4022}"/>
+              </a:ext>
+            </a:extLst>
+          </p:cNvPr>
+          <p:cNvSpPr>
+            <a:spLocks noGrp="1"/>
+          </p:cNvSpPr>
+          <p:nvPr>
+            <p:ph idx="1"/>
+          </p:nvPr>
+        </p:nvSpPr>
+        <p:spPr/>
+        <p:txBody>
+          <a:bodyPr/>
+          <a:lstStyle/>
+          <a:p>
+            <a:pPr marL="342900" indent="-342900">
+              <a:buFont typeface="Arial" panose="020B0604020202020204" pitchFamily="34" charset="0"/>
+              <a:buChar char="•"/>
+            </a:pPr>
+            <a:r>
+              <a:rPr lang="en-US" altLang="zh-TW" dirty="0"/>
+              <a:t>REM</a:t>
+            </a:r>
+            <a:r>
+              <a:rPr lang="zh-TW" altLang="en-US" dirty="0"/>
+              <a:t>總次數</a:t>
+            </a:r>
+            <a:r>
+              <a:rPr lang="en-US" altLang="zh-TW" dirty="0"/>
+              <a:t>:</a:t>
+            </a:r>
+            <a:r>
+              <a:rPr lang="zh-TW" altLang="en-US" dirty="0"/>
+              <a:t> </a:t>
+            </a:r>
+            <a:r>
+              <a:rPr lang="zh-TW" altLang="en-US" dirty="0">
+                <a:solidFill>
+                  <a:schemeClr val="accent5">
+                    <a:lumMod val="50000"/>
+                  </a:schemeClr>
+                </a:solidFill>
+              </a:rPr>
+              <a:t>典型為</a:t>
+            </a:r>
+            <a:r>
+              <a:rPr lang="en-US" altLang="zh-TW" dirty="0">
+                <a:solidFill>
+                  <a:schemeClr val="accent5">
+                    <a:lumMod val="50000"/>
+                  </a:schemeClr>
+                </a:solidFill>
+              </a:rPr>
+              <a:t>90</a:t>
+            </a:r>
+            <a:r>
+              <a:rPr lang="zh-TW" altLang="en-US" dirty="0">
+                <a:solidFill>
+                  <a:schemeClr val="accent5">
+                    <a:lumMod val="50000"/>
+                  </a:schemeClr>
+                </a:solidFill>
+              </a:rPr>
+              <a:t>分鐘週期循環，因此一晚約為</a:t>
+            </a:r>
+            <a:r>
+              <a:rPr lang="en-US" altLang="zh-TW" dirty="0">
+                <a:solidFill>
+                  <a:schemeClr val="accent5">
+                    <a:lumMod val="50000"/>
+                  </a:schemeClr>
+                </a:solidFill>
+              </a:rPr>
+              <a:t>5</a:t>
+            </a:r>
+            <a:r>
+              <a:rPr lang="zh-TW" altLang="en-US" dirty="0">
+                <a:solidFill>
+                  <a:schemeClr val="accent5">
+                    <a:lumMod val="50000"/>
+                  </a:schemeClr>
+                </a:solidFill>
+              </a:rPr>
+              <a:t>到</a:t>
+            </a:r>
+            <a:r>
+              <a:rPr lang="en-US" altLang="zh-TW" dirty="0">
+                <a:solidFill>
+                  <a:schemeClr val="accent5">
+                    <a:lumMod val="50000"/>
+                  </a:schemeClr>
+                </a:solidFill>
+              </a:rPr>
+              <a:t>6</a:t>
+            </a:r>
+            <a:r>
+              <a:rPr lang="zh-TW" altLang="en-US" dirty="0">
+                <a:solidFill>
+                  <a:schemeClr val="accent5">
+                    <a:lumMod val="50000"/>
+                  </a:schemeClr>
+                </a:solidFill>
+              </a:rPr>
+              <a:t>次</a:t>
+            </a:r>
+            <a:r>
+              <a:rPr lang="en-US" altLang="zh-TW" dirty="0">
+                <a:solidFill>
+                  <a:schemeClr val="accent5">
+                    <a:lumMod val="50000"/>
+                  </a:schemeClr>
+                </a:solidFill>
+              </a:rPr>
+              <a:t>REM</a:t>
+            </a:r>
+            <a:r>
+              <a:rPr lang="zh-TW" altLang="en-US" dirty="0">
+                <a:solidFill>
+                  <a:schemeClr val="accent5">
+                    <a:lumMod val="50000"/>
+                  </a:schemeClr>
+                </a:solidFill>
+              </a:rPr>
+              <a:t>，但對</a:t>
+            </a:r>
+            <a:r>
+              <a:rPr lang="en-US" altLang="zh-TW" dirty="0">
+                <a:solidFill>
+                  <a:schemeClr val="accent5">
+                    <a:lumMod val="50000"/>
+                  </a:schemeClr>
+                </a:solidFill>
+              </a:rPr>
+              <a:t>REM</a:t>
+            </a:r>
+            <a:r>
+              <a:rPr lang="zh-TW" altLang="en-US" dirty="0">
+                <a:solidFill>
+                  <a:schemeClr val="accent5">
+                    <a:lumMod val="50000"/>
+                  </a:schemeClr>
+                </a:solidFill>
+              </a:rPr>
+              <a:t>睡眠的剝奪，會導致嘗試進入</a:t>
+            </a:r>
+            <a:r>
+              <a:rPr lang="en-US" altLang="zh-TW" dirty="0">
+                <a:solidFill>
+                  <a:schemeClr val="accent5">
+                    <a:lumMod val="50000"/>
+                  </a:schemeClr>
+                </a:solidFill>
+              </a:rPr>
+              <a:t>REM</a:t>
+            </a:r>
+            <a:r>
+              <a:rPr lang="zh-TW" altLang="en-US" dirty="0">
+                <a:solidFill>
+                  <a:schemeClr val="accent5">
+                    <a:lumMod val="50000"/>
+                  </a:schemeClr>
+                </a:solidFill>
+              </a:rPr>
+              <a:t>睡眠的次數顯著增加。在允許恢復</a:t>
+            </a:r>
+            <a:r>
+              <a:rPr lang="en-US" altLang="zh-TW" dirty="0">
+                <a:solidFill>
+                  <a:schemeClr val="accent5">
+                    <a:lumMod val="50000"/>
+                  </a:schemeClr>
+                </a:solidFill>
+              </a:rPr>
+              <a:t>REM</a:t>
+            </a:r>
+            <a:r>
+              <a:rPr lang="zh-TW" altLang="en-US" dirty="0">
+                <a:solidFill>
+                  <a:schemeClr val="accent5">
+                    <a:lumMod val="50000"/>
+                  </a:schemeClr>
+                </a:solidFill>
+              </a:rPr>
+              <a:t>睡眠的夜晚，進入第三階段睡眠和</a:t>
+            </a:r>
+            <a:r>
+              <a:rPr lang="en-US" altLang="zh-TW" dirty="0">
+                <a:solidFill>
+                  <a:schemeClr val="accent5">
+                    <a:lumMod val="50000"/>
+                  </a:schemeClr>
+                </a:solidFill>
+              </a:rPr>
+              <a:t>REM</a:t>
+            </a:r>
+            <a:r>
+              <a:rPr lang="zh-TW" altLang="en-US" dirty="0">
+                <a:solidFill>
+                  <a:schemeClr val="accent5">
+                    <a:lumMod val="50000"/>
+                  </a:schemeClr>
+                </a:solidFill>
+              </a:rPr>
+              <a:t>睡眠的速度會加快，並且經歷</a:t>
+            </a:r>
+            <a:r>
+              <a:rPr lang="en-US" altLang="zh-TW" dirty="0">
+                <a:solidFill>
+                  <a:schemeClr val="accent5">
+                    <a:lumMod val="50000"/>
+                  </a:schemeClr>
+                </a:solidFill>
+              </a:rPr>
+              <a:t>REM</a:t>
+            </a:r>
+            <a:r>
+              <a:rPr lang="zh-TW" altLang="en-US" dirty="0">
+                <a:solidFill>
+                  <a:schemeClr val="accent5">
+                    <a:lumMod val="50000"/>
+                  </a:schemeClr>
+                </a:solidFill>
+              </a:rPr>
+              <a:t>反彈，也就是</a:t>
+            </a:r>
+            <a:r>
+              <a:rPr lang="en-US" altLang="zh-TW" dirty="0">
+                <a:solidFill>
+                  <a:schemeClr val="accent5">
+                    <a:lumMod val="50000"/>
+                  </a:schemeClr>
+                </a:solidFill>
+              </a:rPr>
+              <a:t>REM</a:t>
+            </a:r>
+            <a:r>
+              <a:rPr lang="zh-TW" altLang="en-US" dirty="0">
+                <a:solidFill>
+                  <a:schemeClr val="accent5">
+                    <a:lumMod val="50000"/>
+                  </a:schemeClr>
+                </a:solidFill>
+              </a:rPr>
+              <a:t>睡眠的時間會比正常情況大幅增加</a:t>
+            </a:r>
+            <a:br>
+              <a:rPr lang="en-US" altLang="zh-TW" dirty="0"/>
+            </a:br>
+            <a:r>
+              <a:rPr lang="en-US" altLang="zh-TW" sz="1400" dirty="0">
+                <a:solidFill>
+                  <a:schemeClr val="accent5">
+                    <a:lumMod val="50000"/>
+                  </a:schemeClr>
+                </a:solidFill>
+              </a:rPr>
+              <a:t>Selective REM sleep deprivation in humans: Effects on sleep and sleep EEG. The American journal of physiology. 1998</a:t>
+            </a:r>
+          </a:p>
+          <a:p>
+            <a:pPr marL="342900" indent="-342900">
+              <a:buFont typeface="Arial" panose="020B0604020202020204" pitchFamily="34" charset="0"/>
+              <a:buChar char="•"/>
+            </a:pPr>
+            <a:r>
+              <a:rPr lang="en-US" altLang="zh-TW" dirty="0"/>
+              <a:t>Typical REM duration:</a:t>
+            </a:r>
+            <a:r>
+              <a:rPr lang="zh-TW" altLang="en-US" dirty="0"/>
+              <a:t> </a:t>
+            </a:r>
+            <a:r>
+              <a:rPr lang="en-US" altLang="zh-TW" dirty="0">
+                <a:solidFill>
+                  <a:schemeClr val="accent5">
+                    <a:lumMod val="50000"/>
+                  </a:schemeClr>
+                </a:solidFill>
+              </a:rPr>
+              <a:t>20% - 25% of total sleep time</a:t>
+            </a:r>
+          </a:p>
+          <a:p>
+            <a:pPr marL="342900" indent="-342900">
+              <a:buFont typeface="Arial" panose="020B0604020202020204" pitchFamily="34" charset="0"/>
+              <a:buChar char="•"/>
+            </a:pPr>
+            <a:r>
+              <a:rPr lang="en-US" altLang="zh-TW" dirty="0"/>
+              <a:t>Typical REM average: </a:t>
+            </a:r>
+            <a:r>
+              <a:rPr lang="en-US" altLang="zh-TW" dirty="0">
+                <a:solidFill>
+                  <a:schemeClr val="accent5">
+                    <a:lumMod val="50000"/>
+                  </a:schemeClr>
+                </a:solidFill>
+              </a:rPr>
+              <a:t>in adult human lasts from 5 to 30 minutes</a:t>
+            </a:r>
+          </a:p>
+          <a:p>
+            <a:pPr marL="342900" indent="-342900">
+              <a:buFont typeface="Arial" panose="020B0604020202020204" pitchFamily="34" charset="0"/>
+              <a:buChar char="•"/>
+            </a:pPr>
+            <a:r>
+              <a:rPr lang="en-US" altLang="zh-TW" dirty="0"/>
+              <a:t>REM</a:t>
+            </a:r>
+            <a:r>
+              <a:rPr lang="zh-TW" altLang="en-US" dirty="0"/>
+              <a:t> </a:t>
+            </a:r>
+            <a:r>
+              <a:rPr lang="en-US" altLang="zh-TW" dirty="0"/>
+              <a:t>fragmentation</a:t>
+            </a:r>
+          </a:p>
+          <a:p>
+            <a:pPr marL="342900" indent="-342900">
+              <a:buFont typeface="Arial" panose="020B0604020202020204" pitchFamily="34" charset="0"/>
+              <a:buChar char="•"/>
+            </a:pPr>
+            <a:r>
+              <a:rPr lang="en-US" altLang="zh-TW" dirty="0"/>
+              <a:t>Typical REM latency: </a:t>
+            </a:r>
+            <a:r>
+              <a:rPr lang="en-US" altLang="zh-TW" dirty="0">
+                <a:solidFill>
+                  <a:schemeClr val="accent5">
+                    <a:lumMod val="50000"/>
+                  </a:schemeClr>
+                </a:solidFill>
+              </a:rPr>
+              <a:t>70 minutes after sleep</a:t>
+            </a:r>
+            <a:br>
+              <a:rPr lang="en-US" altLang="zh-TW" dirty="0"/>
+            </a:br>
+            <a:r>
+              <a:rPr lang="en-US" altLang="zh-TW" sz="1400" dirty="0">
+                <a:solidFill>
+                  <a:schemeClr val="accent5">
+                    <a:lumMod val="50000"/>
+                  </a:schemeClr>
+                </a:solidFill>
+              </a:rPr>
+              <a:t>Robert W. McCarley (2007)</a:t>
+            </a:r>
+            <a:r>
+              <a:rPr lang="zh-TW" altLang="en-US" sz="1400" dirty="0">
+                <a:solidFill>
+                  <a:schemeClr val="accent5">
+                    <a:lumMod val="50000"/>
+                  </a:schemeClr>
+                </a:solidFill>
+              </a:rPr>
+              <a:t>，「</a:t>
+            </a:r>
+            <a:r>
+              <a:rPr lang="en-US" altLang="zh-TW" sz="1400" dirty="0">
+                <a:solidFill>
+                  <a:schemeClr val="accent5">
+                    <a:lumMod val="50000"/>
+                  </a:schemeClr>
+                </a:solidFill>
+              </a:rPr>
+              <a:t>Neurobiology of REM and NREM sleep</a:t>
+            </a:r>
+            <a:r>
+              <a:rPr lang="zh-TW" altLang="en-US" sz="1400" dirty="0">
+                <a:solidFill>
+                  <a:schemeClr val="accent5">
+                    <a:lumMod val="50000"/>
+                  </a:schemeClr>
+                </a:solidFill>
+              </a:rPr>
+              <a:t>」</a:t>
+            </a:r>
+            <a:r>
+              <a:rPr lang="en-US" altLang="zh-TW" sz="1400" dirty="0">
+                <a:solidFill>
+                  <a:schemeClr val="accent5">
+                    <a:lumMod val="50000"/>
+                  </a:schemeClr>
+                </a:solidFill>
+              </a:rPr>
+              <a:t>, Sleep Medicine 8</a:t>
+            </a:r>
+          </a:p>
+          <a:p>
+            <a:pPr marL="342900" indent="-342900">
+              <a:buFont typeface="Arial" panose="020B0604020202020204" pitchFamily="34" charset="0"/>
+              <a:buChar char="•"/>
+            </a:pPr>
+            <a:r>
+              <a:rPr lang="en-US" altLang="zh-TW" dirty="0"/>
+              <a:t>REM density</a:t>
+            </a:r>
+          </a:p>
+          <a:p>
+            <a:pPr marL="342900" indent="-342900">
+              <a:buFont typeface="Arial" panose="020B0604020202020204" pitchFamily="34" charset="0"/>
+              <a:buChar char="•"/>
+            </a:pPr>
+            <a:r>
+              <a:rPr lang="en-US" altLang="zh-TW" dirty="0"/>
+              <a:t>REM percentage: </a:t>
+            </a:r>
+            <a:r>
+              <a:rPr lang="en-US" altLang="zh-TW" dirty="0">
+                <a:solidFill>
+                  <a:schemeClr val="accent5">
+                    <a:lumMod val="50000"/>
+                  </a:schemeClr>
+                </a:solidFill>
+              </a:rPr>
+              <a:t>20% - 25% of total sleep time</a:t>
+            </a:r>
+            <a:endParaRPr lang="en-US" altLang="zh-TW" dirty="0"/>
+          </a:p>
+          <a:p>
+            <a:pPr marL="342900" indent="-342900">
+              <a:buFont typeface="Arial" panose="020B0604020202020204" pitchFamily="34" charset="0"/>
+              <a:buChar char="•"/>
+            </a:pPr>
+            <a:endParaRPr lang="en-US" altLang="zh-TW" dirty="0"/>
+          </a:p>
+        </p:txBody>
+      </p:sp>
+      <p:sp>
+        <p:nvSpPr>
+          <p:cNvPr id="4" name="投影片編號版面配置區 3">
+            <a:extLst>
+              <a:ext uri="{FF2B5EF4-FFF2-40B4-BE49-F238E27FC236}">
+                <a16:creationId xmlns:a16="http://schemas.microsoft.com/office/drawing/2014/main" id="{19CE9778-C190-4E8A-ACD4-CB5B5B22B7BA}"/>
+              </a:ext>
+            </a:extLst>
+          </p:cNvPr>
+          <p:cNvSpPr>
+            <a:spLocks noGrp="1"/>
+          </p:cNvSpPr>
+          <p:nvPr>
+            <p:ph type="sldNum" sz="quarter" idx="12"/>
+          </p:nvPr>
+        </p:nvSpPr>
+        <p:spPr/>
+        <p:txBody>
+          <a:bodyPr/>
+          <a:lstStyle/>
+          <a:p>
+            <a:fld id="{F230EE04-BD3A-40AA-92AC-647453D5DADF}" type="slidenum">
+              <a:rPr lang="zh-TW" altLang="en-US" smtClean="0"/>
+              <a:t>3</a:t>
+            </a:fld>
+            <a:endParaRPr lang="zh-TW" altLang="en-US"/>
+          </a:p>
+        </p:txBody>
+      </p:sp>
+    </p:spTree>
+    <p:extLst>
+      <p:ext uri="{BB962C8B-B14F-4D97-AF65-F5344CB8AC3E}">
+        <p14:creationId xmlns:p14="http://schemas.microsoft.com/office/powerpoint/2010/main" val="929125191"/>
+      </p:ext>
+    </p:extLst>
+  </p:cSld>
+  <p:clrMapOvr>
+    <a:masterClrMapping/>
+  </p:clrMapOvr>
+</p:sld>
+</file>
+
+<file path=ppt/slides/slide30.xml><?xml version="1.0" encoding="utf-8"?>
+<p:sld xmlns:a="http://schemas.openxmlformats.org/drawingml/2006/main" xmlns:r="http://schemas.openxmlformats.org/officeDocument/2006/relationships" xmlns:p="http://schemas.openxmlformats.org/presentationml/2006/main">
+  <p:cSld>
+    <p:spTree>
+      <p:nvGrpSpPr>
+        <p:cNvPr id="1" name=""/>
+        <p:cNvGrpSpPr/>
+        <p:nvPr/>
+      </p:nvGrpSpPr>
+      <p:grpSpPr>
+        <a:xfrm>
+          <a:off x="0" y="0"/>
+          <a:ext cx="0" cy="0"/>
+          <a:chOff x="0" y="0"/>
+          <a:chExt cx="0" cy="0"/>
+        </a:xfrm>
+      </p:grpSpPr>
+      <p:sp>
+        <p:nvSpPr>
+          <p:cNvPr id="2" name="標題 1">
+            <a:extLst>
+              <a:ext uri="{FF2B5EF4-FFF2-40B4-BE49-F238E27FC236}">
+                <a16:creationId xmlns:a16="http://schemas.microsoft.com/office/drawing/2014/main" id="{6798BDEF-7EE0-41DE-81E7-6387EA776C5B}"/>
+              </a:ext>
+            </a:extLst>
+          </p:cNvPr>
+          <p:cNvSpPr>
+            <a:spLocks noGrp="1"/>
+          </p:cNvSpPr>
+          <p:nvPr>
+            <p:ph type="title"/>
+          </p:nvPr>
+        </p:nvSpPr>
+        <p:spPr/>
+        <p:txBody>
+          <a:bodyPr/>
+          <a:lstStyle/>
+          <a:p>
+            <a:r>
+              <a:rPr lang="en-US" altLang="zh-TW" dirty="0"/>
+              <a:t>REM latency</a:t>
+            </a:r>
+            <a:endParaRPr lang="zh-TW" altLang="en-US" dirty="0"/>
+          </a:p>
+        </p:txBody>
+      </p:sp>
+      <p:sp>
+        <p:nvSpPr>
+          <p:cNvPr id="4" name="投影片編號版面配置區 3">
+            <a:extLst>
+              <a:ext uri="{FF2B5EF4-FFF2-40B4-BE49-F238E27FC236}">
+                <a16:creationId xmlns:a16="http://schemas.microsoft.com/office/drawing/2014/main" id="{17173DE3-A879-42D7-B6D4-31B0036F73AD}"/>
+              </a:ext>
+            </a:extLst>
+          </p:cNvPr>
+          <p:cNvSpPr>
+            <a:spLocks noGrp="1"/>
+          </p:cNvSpPr>
+          <p:nvPr>
+            <p:ph type="sldNum" sz="quarter" idx="12"/>
+          </p:nvPr>
+        </p:nvSpPr>
+        <p:spPr/>
+        <p:txBody>
+          <a:bodyPr/>
+          <a:lstStyle/>
+          <a:p>
+            <a:fld id="{F230EE04-BD3A-40AA-92AC-647453D5DADF}" type="slidenum">
+              <a:rPr lang="zh-TW" altLang="en-US" smtClean="0"/>
+              <a:t>30</a:t>
+            </a:fld>
+            <a:endParaRPr lang="zh-TW" altLang="en-US"/>
+          </a:p>
+        </p:txBody>
+      </p:sp>
+      <p:pic>
+        <p:nvPicPr>
+          <p:cNvPr id="6" name="圖片 5">
+            <a:extLst>
+              <a:ext uri="{FF2B5EF4-FFF2-40B4-BE49-F238E27FC236}">
+                <a16:creationId xmlns:a16="http://schemas.microsoft.com/office/drawing/2014/main" id="{49E45C43-DE8D-456A-9D9D-EDDFC569B44A}"/>
+              </a:ext>
+            </a:extLst>
+          </p:cNvPr>
+          <p:cNvPicPr>
+            <a:picLocks noChangeAspect="1"/>
+          </p:cNvPicPr>
+          <p:nvPr/>
+        </p:nvPicPr>
+        <p:blipFill>
+          <a:blip r:embed="rId2"/>
+          <a:stretch>
+            <a:fillRect/>
+          </a:stretch>
+        </p:blipFill>
+        <p:spPr>
+          <a:xfrm>
+            <a:off x="0" y="1415713"/>
+            <a:ext cx="12192000" cy="2805239"/>
+          </a:xfrm>
+          <a:prstGeom prst="rect">
+            <a:avLst/>
+          </a:prstGeom>
+        </p:spPr>
+      </p:pic>
+      <p:pic>
+        <p:nvPicPr>
+          <p:cNvPr id="7" name="圖片 6">
+            <a:extLst>
+              <a:ext uri="{FF2B5EF4-FFF2-40B4-BE49-F238E27FC236}">
+                <a16:creationId xmlns:a16="http://schemas.microsoft.com/office/drawing/2014/main" id="{893214D9-F17A-404C-BE74-1DAFFB78C84A}"/>
+              </a:ext>
+            </a:extLst>
+          </p:cNvPr>
+          <p:cNvPicPr>
+            <a:picLocks noChangeAspect="1"/>
+          </p:cNvPicPr>
+          <p:nvPr/>
+        </p:nvPicPr>
+        <p:blipFill>
+          <a:blip r:embed="rId3"/>
+          <a:stretch>
+            <a:fillRect/>
+          </a:stretch>
+        </p:blipFill>
+        <p:spPr>
+          <a:xfrm>
+            <a:off x="190500" y="4234720"/>
+            <a:ext cx="12001500" cy="2249813"/>
+          </a:xfrm>
+          <a:prstGeom prst="rect">
+            <a:avLst/>
+          </a:prstGeom>
+        </p:spPr>
+      </p:pic>
+      <p:cxnSp>
+        <p:nvCxnSpPr>
+          <p:cNvPr id="8" name="直線接點 7">
+            <a:extLst>
+              <a:ext uri="{FF2B5EF4-FFF2-40B4-BE49-F238E27FC236}">
+                <a16:creationId xmlns:a16="http://schemas.microsoft.com/office/drawing/2014/main" id="{4BE7F779-B06C-4A2A-AF47-57DA15DB0994}"/>
+              </a:ext>
+            </a:extLst>
+          </p:cNvPr>
+          <p:cNvCxnSpPr>
+            <a:cxnSpLocks/>
+          </p:cNvCxnSpPr>
+          <p:nvPr/>
+        </p:nvCxnSpPr>
+        <p:spPr>
+          <a:xfrm>
+            <a:off x="445114" y="3485197"/>
+            <a:ext cx="11686561" cy="0"/>
+          </a:xfrm>
+          <a:prstGeom prst="line">
+            <a:avLst/>
+          </a:prstGeom>
+          <a:ln w="19050">
+            <a:solidFill>
+              <a:srgbClr val="FF0000"/>
+            </a:solidFill>
+          </a:ln>
+        </p:spPr>
+        <p:style>
+          <a:lnRef idx="1">
+            <a:schemeClr val="accent2"/>
+          </a:lnRef>
+          <a:fillRef idx="0">
+            <a:schemeClr val="accent2"/>
+          </a:fillRef>
+          <a:effectRef idx="0">
+            <a:schemeClr val="accent2"/>
+          </a:effectRef>
+          <a:fontRef idx="minor">
+            <a:schemeClr val="tx1"/>
+          </a:fontRef>
+        </p:style>
+      </p:cxnSp>
+      <p:sp>
+        <p:nvSpPr>
+          <p:cNvPr id="10" name="矩形 9">
+            <a:extLst>
+              <a:ext uri="{FF2B5EF4-FFF2-40B4-BE49-F238E27FC236}">
+                <a16:creationId xmlns:a16="http://schemas.microsoft.com/office/drawing/2014/main" id="{9159F1A9-2322-4A88-BBF8-F3452589CA78}"/>
+              </a:ext>
+            </a:extLst>
+          </p:cNvPr>
+          <p:cNvSpPr/>
+          <p:nvPr/>
+        </p:nvSpPr>
+        <p:spPr>
+          <a:xfrm>
+            <a:off x="445114" y="2057402"/>
+            <a:ext cx="1215431" cy="4165620"/>
+          </a:xfrm>
+          <a:prstGeom prst="rect">
+            <a:avLst/>
+          </a:prstGeom>
+          <a:noFill/>
+          <a:ln w="19050">
+            <a:solidFill>
+              <a:schemeClr val="tx1"/>
+            </a:solidFill>
+          </a:ln>
+        </p:spPr>
+        <p:style>
+          <a:lnRef idx="2">
+            <a:schemeClr val="accent1">
+              <a:shade val="50000"/>
+            </a:schemeClr>
+          </a:lnRef>
+          <a:fillRef idx="1">
+            <a:schemeClr val="accent1"/>
+          </a:fillRef>
+          <a:effectRef idx="0">
+            <a:schemeClr val="accent1"/>
+          </a:effectRef>
+          <a:fontRef idx="minor">
+            <a:schemeClr val="lt1"/>
+          </a:fontRef>
+        </p:style>
+        <p:txBody>
+          <a:bodyPr rtlCol="0" anchor="ctr"/>
+          <a:lstStyle/>
+          <a:p>
+            <a:pPr algn="ctr"/>
+            <a:endParaRPr lang="zh-TW" altLang="en-US"/>
+          </a:p>
+        </p:txBody>
+      </p:sp>
+      <p:sp>
+        <p:nvSpPr>
+          <p:cNvPr id="11" name="矩形 10">
+            <a:extLst>
+              <a:ext uri="{FF2B5EF4-FFF2-40B4-BE49-F238E27FC236}">
+                <a16:creationId xmlns:a16="http://schemas.microsoft.com/office/drawing/2014/main" id="{ED070206-3E0A-46F4-AF08-190A977E936A}"/>
+              </a:ext>
+            </a:extLst>
+          </p:cNvPr>
+          <p:cNvSpPr/>
+          <p:nvPr/>
+        </p:nvSpPr>
+        <p:spPr>
+          <a:xfrm>
+            <a:off x="1945597" y="2057402"/>
+            <a:ext cx="1215431" cy="4165620"/>
+          </a:xfrm>
+          <a:prstGeom prst="rect">
+            <a:avLst/>
+          </a:prstGeom>
+          <a:noFill/>
+          <a:ln w="19050">
+            <a:solidFill>
+              <a:schemeClr val="tx1"/>
+            </a:solidFill>
+          </a:ln>
+        </p:spPr>
+        <p:style>
+          <a:lnRef idx="2">
+            <a:schemeClr val="accent1">
+              <a:shade val="50000"/>
+            </a:schemeClr>
+          </a:lnRef>
+          <a:fillRef idx="1">
+            <a:schemeClr val="accent1"/>
+          </a:fillRef>
+          <a:effectRef idx="0">
+            <a:schemeClr val="accent1"/>
+          </a:effectRef>
+          <a:fontRef idx="minor">
+            <a:schemeClr val="lt1"/>
+          </a:fontRef>
+        </p:style>
+        <p:txBody>
+          <a:bodyPr rtlCol="0" anchor="ctr"/>
+          <a:lstStyle/>
+          <a:p>
+            <a:pPr algn="ctr"/>
+            <a:endParaRPr lang="zh-TW" altLang="en-US"/>
+          </a:p>
+        </p:txBody>
+      </p:sp>
+      <p:sp>
+        <p:nvSpPr>
+          <p:cNvPr id="12" name="矩形 11">
+            <a:extLst>
+              <a:ext uri="{FF2B5EF4-FFF2-40B4-BE49-F238E27FC236}">
+                <a16:creationId xmlns:a16="http://schemas.microsoft.com/office/drawing/2014/main" id="{2617EC2E-EA42-424B-A53A-AE43515E2295}"/>
+              </a:ext>
+            </a:extLst>
+          </p:cNvPr>
+          <p:cNvSpPr/>
+          <p:nvPr/>
+        </p:nvSpPr>
+        <p:spPr>
+          <a:xfrm>
+            <a:off x="3708400" y="2057402"/>
+            <a:ext cx="631232" cy="4165620"/>
+          </a:xfrm>
+          <a:prstGeom prst="rect">
+            <a:avLst/>
+          </a:prstGeom>
+          <a:noFill/>
+          <a:ln w="19050">
+            <a:solidFill>
+              <a:schemeClr val="tx1"/>
+            </a:solidFill>
+          </a:ln>
+        </p:spPr>
+        <p:style>
+          <a:lnRef idx="2">
+            <a:schemeClr val="accent1">
+              <a:shade val="50000"/>
+            </a:schemeClr>
+          </a:lnRef>
+          <a:fillRef idx="1">
+            <a:schemeClr val="accent1"/>
+          </a:fillRef>
+          <a:effectRef idx="0">
+            <a:schemeClr val="accent1"/>
+          </a:effectRef>
+          <a:fontRef idx="minor">
+            <a:schemeClr val="lt1"/>
+          </a:fontRef>
+        </p:style>
+        <p:txBody>
+          <a:bodyPr rtlCol="0" anchor="ctr"/>
+          <a:lstStyle/>
+          <a:p>
+            <a:pPr algn="ctr"/>
+            <a:endParaRPr lang="zh-TW" altLang="en-US"/>
+          </a:p>
+        </p:txBody>
+      </p:sp>
+      <p:sp>
+        <p:nvSpPr>
+          <p:cNvPr id="13" name="矩形 12">
+            <a:extLst>
+              <a:ext uri="{FF2B5EF4-FFF2-40B4-BE49-F238E27FC236}">
+                <a16:creationId xmlns:a16="http://schemas.microsoft.com/office/drawing/2014/main" id="{47A2598E-55A1-41BB-A31A-79C3E5FA6212}"/>
+              </a:ext>
+            </a:extLst>
+          </p:cNvPr>
+          <p:cNvSpPr/>
+          <p:nvPr/>
+        </p:nvSpPr>
+        <p:spPr>
+          <a:xfrm>
+            <a:off x="4635498" y="2057402"/>
+            <a:ext cx="2104432" cy="4165620"/>
+          </a:xfrm>
+          <a:prstGeom prst="rect">
+            <a:avLst/>
+          </a:prstGeom>
+          <a:noFill/>
+          <a:ln w="19050">
+            <a:solidFill>
+              <a:schemeClr val="tx1"/>
+            </a:solidFill>
+          </a:ln>
+        </p:spPr>
+        <p:style>
+          <a:lnRef idx="2">
+            <a:schemeClr val="accent1">
+              <a:shade val="50000"/>
+            </a:schemeClr>
+          </a:lnRef>
+          <a:fillRef idx="1">
+            <a:schemeClr val="accent1"/>
+          </a:fillRef>
+          <a:effectRef idx="0">
+            <a:schemeClr val="accent1"/>
+          </a:effectRef>
+          <a:fontRef idx="minor">
+            <a:schemeClr val="lt1"/>
+          </a:fontRef>
+        </p:style>
+        <p:txBody>
+          <a:bodyPr rtlCol="0" anchor="ctr"/>
+          <a:lstStyle/>
+          <a:p>
+            <a:pPr algn="ctr"/>
+            <a:endParaRPr lang="zh-TW" altLang="en-US"/>
+          </a:p>
+        </p:txBody>
+      </p:sp>
+      <p:sp>
+        <p:nvSpPr>
+          <p:cNvPr id="14" name="矩形 13">
+            <a:extLst>
+              <a:ext uri="{FF2B5EF4-FFF2-40B4-BE49-F238E27FC236}">
+                <a16:creationId xmlns:a16="http://schemas.microsoft.com/office/drawing/2014/main" id="{1BD31729-E516-42C4-B1AD-4CCCF22E655A}"/>
+              </a:ext>
+            </a:extLst>
+          </p:cNvPr>
+          <p:cNvSpPr/>
+          <p:nvPr/>
+        </p:nvSpPr>
+        <p:spPr>
+          <a:xfrm>
+            <a:off x="7598368" y="2057402"/>
+            <a:ext cx="910632" cy="4165620"/>
+          </a:xfrm>
+          <a:prstGeom prst="rect">
+            <a:avLst/>
+          </a:prstGeom>
+          <a:noFill/>
+          <a:ln w="19050">
+            <a:solidFill>
+              <a:schemeClr val="tx1"/>
+            </a:solidFill>
+          </a:ln>
+        </p:spPr>
+        <p:style>
+          <a:lnRef idx="2">
+            <a:schemeClr val="accent1">
+              <a:shade val="50000"/>
+            </a:schemeClr>
+          </a:lnRef>
+          <a:fillRef idx="1">
+            <a:schemeClr val="accent1"/>
+          </a:fillRef>
+          <a:effectRef idx="0">
+            <a:schemeClr val="accent1"/>
+          </a:effectRef>
+          <a:fontRef idx="minor">
+            <a:schemeClr val="lt1"/>
+          </a:fontRef>
+        </p:style>
+        <p:txBody>
+          <a:bodyPr rtlCol="0" anchor="ctr"/>
+          <a:lstStyle/>
+          <a:p>
+            <a:pPr algn="ctr"/>
+            <a:endParaRPr lang="zh-TW" altLang="en-US"/>
+          </a:p>
+        </p:txBody>
+      </p:sp>
+      <p:sp>
+        <p:nvSpPr>
+          <p:cNvPr id="15" name="矩形 14">
+            <a:extLst>
+              <a:ext uri="{FF2B5EF4-FFF2-40B4-BE49-F238E27FC236}">
+                <a16:creationId xmlns:a16="http://schemas.microsoft.com/office/drawing/2014/main" id="{B1D8B415-CC98-42EC-8998-A7E23CDA2BD8}"/>
+              </a:ext>
+            </a:extLst>
+          </p:cNvPr>
+          <p:cNvSpPr/>
+          <p:nvPr/>
+        </p:nvSpPr>
+        <p:spPr>
+          <a:xfrm>
+            <a:off x="9414467" y="2057402"/>
+            <a:ext cx="2702285" cy="4165620"/>
+          </a:xfrm>
+          <a:prstGeom prst="rect">
+            <a:avLst/>
+          </a:prstGeom>
+          <a:noFill/>
+          <a:ln w="19050">
+            <a:solidFill>
+              <a:schemeClr val="tx1"/>
+            </a:solidFill>
+          </a:ln>
+        </p:spPr>
+        <p:style>
+          <a:lnRef idx="2">
+            <a:schemeClr val="accent1">
+              <a:shade val="50000"/>
+            </a:schemeClr>
+          </a:lnRef>
+          <a:fillRef idx="1">
+            <a:schemeClr val="accent1"/>
+          </a:fillRef>
+          <a:effectRef idx="0">
+            <a:schemeClr val="accent1"/>
+          </a:effectRef>
+          <a:fontRef idx="minor">
+            <a:schemeClr val="lt1"/>
+          </a:fontRef>
+        </p:style>
+        <p:txBody>
+          <a:bodyPr rtlCol="0" anchor="ctr"/>
+          <a:lstStyle/>
+          <a:p>
+            <a:pPr algn="ctr"/>
+            <a:endParaRPr lang="zh-TW" altLang="en-US"/>
+          </a:p>
+        </p:txBody>
+      </p:sp>
+      <p:sp>
+        <p:nvSpPr>
+          <p:cNvPr id="16" name="矩形 15">
+            <a:extLst>
+              <a:ext uri="{FF2B5EF4-FFF2-40B4-BE49-F238E27FC236}">
+                <a16:creationId xmlns:a16="http://schemas.microsoft.com/office/drawing/2014/main" id="{3D75355C-F912-4287-9287-20B5403F71B4}"/>
+              </a:ext>
+            </a:extLst>
+          </p:cNvPr>
+          <p:cNvSpPr/>
+          <p:nvPr/>
+        </p:nvSpPr>
+        <p:spPr>
+          <a:xfrm>
+            <a:off x="8825799" y="2057402"/>
+            <a:ext cx="292802" cy="4165620"/>
+          </a:xfrm>
+          <a:prstGeom prst="rect">
+            <a:avLst/>
+          </a:prstGeom>
+          <a:noFill/>
+          <a:ln w="19050">
+            <a:solidFill>
+              <a:schemeClr val="tx1"/>
+            </a:solidFill>
+          </a:ln>
+        </p:spPr>
+        <p:style>
+          <a:lnRef idx="2">
+            <a:schemeClr val="accent1">
+              <a:shade val="50000"/>
+            </a:schemeClr>
+          </a:lnRef>
+          <a:fillRef idx="1">
+            <a:schemeClr val="accent1"/>
+          </a:fillRef>
+          <a:effectRef idx="0">
+            <a:schemeClr val="accent1"/>
+          </a:effectRef>
+          <a:fontRef idx="minor">
+            <a:schemeClr val="lt1"/>
+          </a:fontRef>
+        </p:style>
+        <p:txBody>
+          <a:bodyPr rtlCol="0" anchor="ctr"/>
+          <a:lstStyle/>
+          <a:p>
+            <a:pPr algn="ctr"/>
+            <a:endParaRPr lang="zh-TW" altLang="en-US"/>
+          </a:p>
+        </p:txBody>
+      </p:sp>
+    </p:spTree>
+    <p:extLst>
+      <p:ext uri="{BB962C8B-B14F-4D97-AF65-F5344CB8AC3E}">
+        <p14:creationId xmlns:p14="http://schemas.microsoft.com/office/powerpoint/2010/main" val="161769118"/>
+      </p:ext>
+    </p:extLst>
+  </p:cSld>
+  <p:clrMapOvr>
+    <a:masterClrMapping/>
+  </p:clrMapOvr>
+</p:sld>
+</file>
+
+<file path=ppt/slides/slide31.xml><?xml version="1.0" encoding="utf-8"?>
+<p:sld xmlns:a="http://schemas.openxmlformats.org/drawingml/2006/main" xmlns:r="http://schemas.openxmlformats.org/officeDocument/2006/relationships" xmlns:p="http://schemas.openxmlformats.org/presentationml/2006/main">
+  <p:cSld>
+    <p:spTree>
+      <p:nvGrpSpPr>
+        <p:cNvPr id="1" name=""/>
+        <p:cNvGrpSpPr/>
+        <p:nvPr/>
+      </p:nvGrpSpPr>
+      <p:grpSpPr>
+        <a:xfrm>
+          <a:off x="0" y="0"/>
+          <a:ext cx="0" cy="0"/>
+          <a:chOff x="0" y="0"/>
+          <a:chExt cx="0" cy="0"/>
+        </a:xfrm>
+      </p:grpSpPr>
+      <p:sp>
+        <p:nvSpPr>
+          <p:cNvPr id="2" name="標題 1">
+            <a:extLst>
+              <a:ext uri="{FF2B5EF4-FFF2-40B4-BE49-F238E27FC236}">
+                <a16:creationId xmlns:a16="http://schemas.microsoft.com/office/drawing/2014/main" id="{2EF8182A-6E1A-4011-90FD-5F4A2E13C138}"/>
+              </a:ext>
+            </a:extLst>
+          </p:cNvPr>
+          <p:cNvSpPr>
+            <a:spLocks noGrp="1"/>
+          </p:cNvSpPr>
+          <p:nvPr>
+            <p:ph type="title"/>
+          </p:nvPr>
+        </p:nvSpPr>
+        <p:spPr/>
+        <p:txBody>
+          <a:bodyPr/>
+          <a:lstStyle/>
+          <a:p>
+            <a:r>
+              <a:rPr lang="en-US" altLang="zh-TW" dirty="0"/>
+              <a:t>REM density</a:t>
+            </a:r>
+            <a:endParaRPr lang="zh-TW" altLang="en-US" dirty="0"/>
+          </a:p>
+        </p:txBody>
+      </p:sp>
+      <p:sp>
+        <p:nvSpPr>
+          <p:cNvPr id="4" name="投影片編號版面配置區 3">
+            <a:extLst>
+              <a:ext uri="{FF2B5EF4-FFF2-40B4-BE49-F238E27FC236}">
+                <a16:creationId xmlns:a16="http://schemas.microsoft.com/office/drawing/2014/main" id="{CC8631BB-1CF5-4E10-981A-06849BB30CD2}"/>
+              </a:ext>
+            </a:extLst>
+          </p:cNvPr>
+          <p:cNvSpPr>
+            <a:spLocks noGrp="1"/>
+          </p:cNvSpPr>
+          <p:nvPr>
+            <p:ph type="sldNum" sz="quarter" idx="12"/>
+          </p:nvPr>
+        </p:nvSpPr>
+        <p:spPr/>
+        <p:txBody>
+          <a:bodyPr/>
+          <a:lstStyle/>
+          <a:p>
+            <a:fld id="{F230EE04-BD3A-40AA-92AC-647453D5DADF}" type="slidenum">
+              <a:rPr lang="zh-TW" altLang="en-US" smtClean="0"/>
+              <a:t>31</a:t>
+            </a:fld>
+            <a:endParaRPr lang="zh-TW" altLang="en-US"/>
+          </a:p>
+        </p:txBody>
+      </p:sp>
+      <p:pic>
+        <p:nvPicPr>
+          <p:cNvPr id="6" name="圖片 5">
+            <a:extLst>
+              <a:ext uri="{FF2B5EF4-FFF2-40B4-BE49-F238E27FC236}">
+                <a16:creationId xmlns:a16="http://schemas.microsoft.com/office/drawing/2014/main" id="{30472C4A-D8FC-48C9-B315-478F7C7AE59B}"/>
+              </a:ext>
+            </a:extLst>
+          </p:cNvPr>
+          <p:cNvPicPr>
+            <a:picLocks noChangeAspect="1"/>
+          </p:cNvPicPr>
+          <p:nvPr/>
+        </p:nvPicPr>
+        <p:blipFill>
+          <a:blip r:embed="rId2"/>
+          <a:stretch>
+            <a:fillRect/>
+          </a:stretch>
+        </p:blipFill>
+        <p:spPr>
+          <a:xfrm>
+            <a:off x="68826" y="1368390"/>
+            <a:ext cx="12192000" cy="2852562"/>
+          </a:xfrm>
+          <a:prstGeom prst="rect">
+            <a:avLst/>
+          </a:prstGeom>
+        </p:spPr>
+      </p:pic>
+      <p:pic>
+        <p:nvPicPr>
+          <p:cNvPr id="8" name="圖片 7">
+            <a:extLst>
+              <a:ext uri="{FF2B5EF4-FFF2-40B4-BE49-F238E27FC236}">
+                <a16:creationId xmlns:a16="http://schemas.microsoft.com/office/drawing/2014/main" id="{67BC7E15-BD59-4077-BA4A-A7D84FA433AC}"/>
+              </a:ext>
+            </a:extLst>
+          </p:cNvPr>
+          <p:cNvPicPr>
+            <a:picLocks noChangeAspect="1"/>
+          </p:cNvPicPr>
+          <p:nvPr/>
+        </p:nvPicPr>
+        <p:blipFill>
+          <a:blip r:embed="rId3"/>
+          <a:stretch>
+            <a:fillRect/>
+          </a:stretch>
+        </p:blipFill>
+        <p:spPr>
+          <a:xfrm>
+            <a:off x="68826" y="4234720"/>
+            <a:ext cx="12192000" cy="2249813"/>
+          </a:xfrm>
+          <a:prstGeom prst="rect">
+            <a:avLst/>
+          </a:prstGeom>
+        </p:spPr>
+      </p:pic>
+      <p:sp>
+        <p:nvSpPr>
+          <p:cNvPr id="9" name="矩形 8">
+            <a:extLst>
+              <a:ext uri="{FF2B5EF4-FFF2-40B4-BE49-F238E27FC236}">
+                <a16:creationId xmlns:a16="http://schemas.microsoft.com/office/drawing/2014/main" id="{9E621C0D-9C4C-4A65-8B54-9E5D45A803C8}"/>
+              </a:ext>
+            </a:extLst>
+          </p:cNvPr>
+          <p:cNvSpPr/>
+          <p:nvPr/>
+        </p:nvSpPr>
+        <p:spPr>
+          <a:xfrm>
+            <a:off x="321268" y="1244600"/>
+            <a:ext cx="1215431" cy="4978422"/>
+          </a:xfrm>
+          <a:prstGeom prst="rect">
+            <a:avLst/>
+          </a:prstGeom>
+          <a:noFill/>
+          <a:ln w="19050">
+            <a:solidFill>
+              <a:schemeClr val="tx1"/>
+            </a:solidFill>
+          </a:ln>
+        </p:spPr>
+        <p:style>
+          <a:lnRef idx="2">
+            <a:schemeClr val="accent1">
+              <a:shade val="50000"/>
+            </a:schemeClr>
+          </a:lnRef>
+          <a:fillRef idx="1">
+            <a:schemeClr val="accent1"/>
+          </a:fillRef>
+          <a:effectRef idx="0">
+            <a:schemeClr val="accent1"/>
+          </a:effectRef>
+          <a:fontRef idx="minor">
+            <a:schemeClr val="lt1"/>
+          </a:fontRef>
+        </p:style>
+        <p:txBody>
+          <a:bodyPr rtlCol="0" anchor="ctr"/>
+          <a:lstStyle/>
+          <a:p>
+            <a:pPr algn="ctr"/>
+            <a:endParaRPr lang="zh-TW" altLang="en-US"/>
+          </a:p>
+        </p:txBody>
+      </p:sp>
+      <p:sp>
+        <p:nvSpPr>
+          <p:cNvPr id="10" name="矩形 9">
+            <a:extLst>
+              <a:ext uri="{FF2B5EF4-FFF2-40B4-BE49-F238E27FC236}">
+                <a16:creationId xmlns:a16="http://schemas.microsoft.com/office/drawing/2014/main" id="{BF2BA478-EC7F-4ACB-8EBF-790A2569C0EC}"/>
+              </a:ext>
+            </a:extLst>
+          </p:cNvPr>
+          <p:cNvSpPr/>
+          <p:nvPr/>
+        </p:nvSpPr>
+        <p:spPr>
+          <a:xfrm>
+            <a:off x="1857967" y="1244600"/>
+            <a:ext cx="1215431" cy="4978422"/>
+          </a:xfrm>
+          <a:prstGeom prst="rect">
+            <a:avLst/>
+          </a:prstGeom>
+          <a:noFill/>
+          <a:ln w="19050">
+            <a:solidFill>
+              <a:schemeClr val="tx1"/>
+            </a:solidFill>
+          </a:ln>
+        </p:spPr>
+        <p:style>
+          <a:lnRef idx="2">
+            <a:schemeClr val="accent1">
+              <a:shade val="50000"/>
+            </a:schemeClr>
+          </a:lnRef>
+          <a:fillRef idx="1">
+            <a:schemeClr val="accent1"/>
+          </a:fillRef>
+          <a:effectRef idx="0">
+            <a:schemeClr val="accent1"/>
+          </a:effectRef>
+          <a:fontRef idx="minor">
+            <a:schemeClr val="lt1"/>
+          </a:fontRef>
+        </p:style>
+        <p:txBody>
+          <a:bodyPr rtlCol="0" anchor="ctr"/>
+          <a:lstStyle/>
+          <a:p>
+            <a:pPr algn="ctr"/>
+            <a:endParaRPr lang="zh-TW" altLang="en-US"/>
+          </a:p>
+        </p:txBody>
+      </p:sp>
+      <p:sp>
+        <p:nvSpPr>
+          <p:cNvPr id="11" name="矩形 10">
+            <a:extLst>
+              <a:ext uri="{FF2B5EF4-FFF2-40B4-BE49-F238E27FC236}">
+                <a16:creationId xmlns:a16="http://schemas.microsoft.com/office/drawing/2014/main" id="{C285B5F9-2D35-4B72-8321-3A07B22A1016}"/>
+              </a:ext>
+            </a:extLst>
+          </p:cNvPr>
+          <p:cNvSpPr/>
+          <p:nvPr/>
+        </p:nvSpPr>
+        <p:spPr>
+          <a:xfrm>
+            <a:off x="3648669" y="1244600"/>
+            <a:ext cx="631232" cy="4978422"/>
+          </a:xfrm>
+          <a:prstGeom prst="rect">
+            <a:avLst/>
+          </a:prstGeom>
+          <a:noFill/>
+          <a:ln w="19050">
+            <a:solidFill>
+              <a:schemeClr val="tx1"/>
+            </a:solidFill>
+          </a:ln>
+        </p:spPr>
+        <p:style>
+          <a:lnRef idx="2">
+            <a:schemeClr val="accent1">
+              <a:shade val="50000"/>
+            </a:schemeClr>
+          </a:lnRef>
+          <a:fillRef idx="1">
+            <a:schemeClr val="accent1"/>
+          </a:fillRef>
+          <a:effectRef idx="0">
+            <a:schemeClr val="accent1"/>
+          </a:effectRef>
+          <a:fontRef idx="minor">
+            <a:schemeClr val="lt1"/>
+          </a:fontRef>
+        </p:style>
+        <p:txBody>
+          <a:bodyPr rtlCol="0" anchor="ctr"/>
+          <a:lstStyle/>
+          <a:p>
+            <a:pPr algn="ctr"/>
+            <a:endParaRPr lang="zh-TW" altLang="en-US"/>
+          </a:p>
+        </p:txBody>
+      </p:sp>
+      <p:sp>
+        <p:nvSpPr>
+          <p:cNvPr id="12" name="矩形 11">
+            <a:extLst>
+              <a:ext uri="{FF2B5EF4-FFF2-40B4-BE49-F238E27FC236}">
+                <a16:creationId xmlns:a16="http://schemas.microsoft.com/office/drawing/2014/main" id="{7EF2C292-DCF1-403D-928B-B10B245F1DEA}"/>
+              </a:ext>
+            </a:extLst>
+          </p:cNvPr>
+          <p:cNvSpPr/>
+          <p:nvPr/>
+        </p:nvSpPr>
+        <p:spPr>
+          <a:xfrm>
+            <a:off x="4601168" y="1244600"/>
+            <a:ext cx="2104432" cy="4978422"/>
+          </a:xfrm>
+          <a:prstGeom prst="rect">
+            <a:avLst/>
+          </a:prstGeom>
+          <a:noFill/>
+          <a:ln w="19050">
+            <a:solidFill>
+              <a:schemeClr val="tx1"/>
+            </a:solidFill>
+          </a:ln>
+        </p:spPr>
+        <p:style>
+          <a:lnRef idx="2">
+            <a:schemeClr val="accent1">
+              <a:shade val="50000"/>
+            </a:schemeClr>
+          </a:lnRef>
+          <a:fillRef idx="1">
+            <a:schemeClr val="accent1"/>
+          </a:fillRef>
+          <a:effectRef idx="0">
+            <a:schemeClr val="accent1"/>
+          </a:effectRef>
+          <a:fontRef idx="minor">
+            <a:schemeClr val="lt1"/>
+          </a:fontRef>
+        </p:style>
+        <p:txBody>
+          <a:bodyPr rtlCol="0" anchor="ctr"/>
+          <a:lstStyle/>
+          <a:p>
+            <a:pPr algn="ctr"/>
+            <a:endParaRPr lang="zh-TW" altLang="en-US"/>
+          </a:p>
+        </p:txBody>
+      </p:sp>
+      <p:sp>
+        <p:nvSpPr>
+          <p:cNvPr id="13" name="矩形 12">
+            <a:extLst>
+              <a:ext uri="{FF2B5EF4-FFF2-40B4-BE49-F238E27FC236}">
+                <a16:creationId xmlns:a16="http://schemas.microsoft.com/office/drawing/2014/main" id="{FE1FC8AA-FF99-4A7A-8DF0-E3583D92BDEF}"/>
+              </a:ext>
+            </a:extLst>
+          </p:cNvPr>
+          <p:cNvSpPr/>
+          <p:nvPr/>
+        </p:nvSpPr>
+        <p:spPr>
+          <a:xfrm>
+            <a:off x="7614094" y="1244600"/>
+            <a:ext cx="910632" cy="4978422"/>
+          </a:xfrm>
+          <a:prstGeom prst="rect">
+            <a:avLst/>
+          </a:prstGeom>
+          <a:noFill/>
+          <a:ln w="19050">
+            <a:solidFill>
+              <a:schemeClr val="tx1"/>
+            </a:solidFill>
+          </a:ln>
+        </p:spPr>
+        <p:style>
+          <a:lnRef idx="2">
+            <a:schemeClr val="accent1">
+              <a:shade val="50000"/>
+            </a:schemeClr>
+          </a:lnRef>
+          <a:fillRef idx="1">
+            <a:schemeClr val="accent1"/>
+          </a:fillRef>
+          <a:effectRef idx="0">
+            <a:schemeClr val="accent1"/>
+          </a:effectRef>
+          <a:fontRef idx="minor">
+            <a:schemeClr val="lt1"/>
+          </a:fontRef>
+        </p:style>
+        <p:txBody>
+          <a:bodyPr rtlCol="0" anchor="ctr"/>
+          <a:lstStyle/>
+          <a:p>
+            <a:pPr algn="ctr"/>
+            <a:endParaRPr lang="zh-TW" altLang="en-US"/>
+          </a:p>
+        </p:txBody>
+      </p:sp>
+      <p:sp>
+        <p:nvSpPr>
+          <p:cNvPr id="14" name="矩形 13">
+            <a:extLst>
+              <a:ext uri="{FF2B5EF4-FFF2-40B4-BE49-F238E27FC236}">
+                <a16:creationId xmlns:a16="http://schemas.microsoft.com/office/drawing/2014/main" id="{1A0053DB-E366-4685-B006-AB09CF92056B}"/>
+              </a:ext>
+            </a:extLst>
+          </p:cNvPr>
+          <p:cNvSpPr/>
+          <p:nvPr/>
+        </p:nvSpPr>
+        <p:spPr>
+          <a:xfrm>
+            <a:off x="9489715" y="1244600"/>
+            <a:ext cx="2702285" cy="4978422"/>
+          </a:xfrm>
+          <a:prstGeom prst="rect">
+            <a:avLst/>
+          </a:prstGeom>
+          <a:noFill/>
+          <a:ln w="19050">
+            <a:solidFill>
+              <a:schemeClr val="tx1"/>
+            </a:solidFill>
+          </a:ln>
+        </p:spPr>
+        <p:style>
+          <a:lnRef idx="2">
+            <a:schemeClr val="accent1">
+              <a:shade val="50000"/>
+            </a:schemeClr>
+          </a:lnRef>
+          <a:fillRef idx="1">
+            <a:schemeClr val="accent1"/>
+          </a:fillRef>
+          <a:effectRef idx="0">
+            <a:schemeClr val="accent1"/>
+          </a:effectRef>
+          <a:fontRef idx="minor">
+            <a:schemeClr val="lt1"/>
+          </a:fontRef>
+        </p:style>
+        <p:txBody>
+          <a:bodyPr rtlCol="0" anchor="ctr"/>
+          <a:lstStyle/>
+          <a:p>
+            <a:pPr algn="ctr"/>
+            <a:endParaRPr lang="zh-TW" altLang="en-US"/>
+          </a:p>
+        </p:txBody>
+      </p:sp>
+      <p:sp>
+        <p:nvSpPr>
+          <p:cNvPr id="15" name="矩形 14">
+            <a:extLst>
+              <a:ext uri="{FF2B5EF4-FFF2-40B4-BE49-F238E27FC236}">
+                <a16:creationId xmlns:a16="http://schemas.microsoft.com/office/drawing/2014/main" id="{2AA648C7-F61C-42FA-A5BC-6E161D95A4F8}"/>
+              </a:ext>
+            </a:extLst>
+          </p:cNvPr>
+          <p:cNvSpPr/>
+          <p:nvPr/>
+        </p:nvSpPr>
+        <p:spPr>
+          <a:xfrm>
+            <a:off x="8852956" y="1244600"/>
+            <a:ext cx="292802" cy="4978422"/>
+          </a:xfrm>
+          <a:prstGeom prst="rect">
+            <a:avLst/>
+          </a:prstGeom>
+          <a:noFill/>
+          <a:ln w="19050">
+            <a:solidFill>
+              <a:schemeClr val="tx1"/>
+            </a:solidFill>
+          </a:ln>
+        </p:spPr>
+        <p:style>
+          <a:lnRef idx="2">
+            <a:schemeClr val="accent1">
+              <a:shade val="50000"/>
+            </a:schemeClr>
+          </a:lnRef>
+          <a:fillRef idx="1">
+            <a:schemeClr val="accent1"/>
+          </a:fillRef>
+          <a:effectRef idx="0">
+            <a:schemeClr val="accent1"/>
+          </a:effectRef>
+          <a:fontRef idx="minor">
+            <a:schemeClr val="lt1"/>
+          </a:fontRef>
+        </p:style>
+        <p:txBody>
+          <a:bodyPr rtlCol="0" anchor="ctr"/>
+          <a:lstStyle/>
+          <a:p>
+            <a:pPr algn="ctr"/>
+            <a:endParaRPr lang="zh-TW" altLang="en-US"/>
+          </a:p>
+        </p:txBody>
+      </p:sp>
+    </p:spTree>
+    <p:extLst>
+      <p:ext uri="{BB962C8B-B14F-4D97-AF65-F5344CB8AC3E}">
+        <p14:creationId xmlns:p14="http://schemas.microsoft.com/office/powerpoint/2010/main" val="3235996336"/>
+      </p:ext>
+    </p:extLst>
+  </p:cSld>
+  <p:clrMapOvr>
+    <a:masterClrMapping/>
+  </p:clrMapOvr>
+</p:sld>
+</file>
+
+<file path=ppt/slides/slide4.xml><?xml version="1.0" encoding="utf-8"?>
 <p:sld xmlns:a="http://schemas.openxmlformats.org/drawingml/2006/main" xmlns:r="http://schemas.openxmlformats.org/officeDocument/2006/relationships" xmlns:p="http://schemas.openxmlformats.org/presentationml/2006/main">
   <p:cSld>
     <p:spTree>
@@ -14639,7 +18419,7 @@
           <a:p>
             <a:fld id="{F230EE04-BD3A-40AA-92AC-647453D5DADF}" type="slidenum">
               <a:rPr lang="zh-TW" altLang="en-US" smtClean="0"/>
-              <a:t>3</a:t>
+              <a:t>4</a:t>
             </a:fld>
             <a:endParaRPr lang="zh-TW" altLang="en-US"/>
           </a:p>
@@ -14923,485 +18703,6 @@
 </p:sld>
 </file>
 
-<file path=ppt/slides/slide30.xml><?xml version="1.0" encoding="utf-8"?>
-<p:sld xmlns:a="http://schemas.openxmlformats.org/drawingml/2006/main" xmlns:r="http://schemas.openxmlformats.org/officeDocument/2006/relationships" xmlns:p="http://schemas.openxmlformats.org/presentationml/2006/main">
-  <p:cSld>
-    <p:spTree>
-      <p:nvGrpSpPr>
-        <p:cNvPr id="1" name=""/>
-        <p:cNvGrpSpPr/>
-        <p:nvPr/>
-      </p:nvGrpSpPr>
-      <p:grpSpPr>
-        <a:xfrm>
-          <a:off x="0" y="0"/>
-          <a:ext cx="0" cy="0"/>
-          <a:chOff x="0" y="0"/>
-          <a:chExt cx="0" cy="0"/>
-        </a:xfrm>
-      </p:grpSpPr>
-      <p:sp>
-        <p:nvSpPr>
-          <p:cNvPr id="2" name="標題 1">
-            <a:extLst>
-              <a:ext uri="{FF2B5EF4-FFF2-40B4-BE49-F238E27FC236}">
-                <a16:creationId xmlns:a16="http://schemas.microsoft.com/office/drawing/2014/main" id="{6798BDEF-7EE0-41DE-81E7-6387EA776C5B}"/>
-              </a:ext>
-            </a:extLst>
-          </p:cNvPr>
-          <p:cNvSpPr>
-            <a:spLocks noGrp="1"/>
-          </p:cNvSpPr>
-          <p:nvPr>
-            <p:ph type="title"/>
-          </p:nvPr>
-        </p:nvSpPr>
-        <p:spPr/>
-        <p:txBody>
-          <a:bodyPr/>
-          <a:lstStyle/>
-          <a:p>
-            <a:r>
-              <a:rPr lang="en-US" altLang="zh-TW" dirty="0"/>
-              <a:t>REM latency</a:t>
-            </a:r>
-            <a:endParaRPr lang="zh-TW" altLang="en-US" dirty="0"/>
-          </a:p>
-        </p:txBody>
-      </p:sp>
-      <p:sp>
-        <p:nvSpPr>
-          <p:cNvPr id="4" name="投影片編號版面配置區 3">
-            <a:extLst>
-              <a:ext uri="{FF2B5EF4-FFF2-40B4-BE49-F238E27FC236}">
-                <a16:creationId xmlns:a16="http://schemas.microsoft.com/office/drawing/2014/main" id="{17173DE3-A879-42D7-B6D4-31B0036F73AD}"/>
-              </a:ext>
-            </a:extLst>
-          </p:cNvPr>
-          <p:cNvSpPr>
-            <a:spLocks noGrp="1"/>
-          </p:cNvSpPr>
-          <p:nvPr>
-            <p:ph type="sldNum" sz="quarter" idx="12"/>
-          </p:nvPr>
-        </p:nvSpPr>
-        <p:spPr/>
-        <p:txBody>
-          <a:bodyPr/>
-          <a:lstStyle/>
-          <a:p>
-            <a:fld id="{F230EE04-BD3A-40AA-92AC-647453D5DADF}" type="slidenum">
-              <a:rPr lang="zh-TW" altLang="en-US" smtClean="0"/>
-              <a:t>30</a:t>
-            </a:fld>
-            <a:endParaRPr lang="zh-TW" altLang="en-US"/>
-          </a:p>
-        </p:txBody>
-      </p:sp>
-      <p:pic>
-        <p:nvPicPr>
-          <p:cNvPr id="6" name="圖片 5">
-            <a:extLst>
-              <a:ext uri="{FF2B5EF4-FFF2-40B4-BE49-F238E27FC236}">
-                <a16:creationId xmlns:a16="http://schemas.microsoft.com/office/drawing/2014/main" id="{49E45C43-DE8D-456A-9D9D-EDDFC569B44A}"/>
-              </a:ext>
-            </a:extLst>
-          </p:cNvPr>
-          <p:cNvPicPr>
-            <a:picLocks noChangeAspect="1"/>
-          </p:cNvPicPr>
-          <p:nvPr/>
-        </p:nvPicPr>
-        <p:blipFill>
-          <a:blip r:embed="rId2"/>
-          <a:stretch>
-            <a:fillRect/>
-          </a:stretch>
-        </p:blipFill>
-        <p:spPr>
-          <a:xfrm>
-            <a:off x="0" y="1415713"/>
-            <a:ext cx="12192000" cy="2805239"/>
-          </a:xfrm>
-          <a:prstGeom prst="rect">
-            <a:avLst/>
-          </a:prstGeom>
-        </p:spPr>
-      </p:pic>
-      <p:pic>
-        <p:nvPicPr>
-          <p:cNvPr id="7" name="圖片 6">
-            <a:extLst>
-              <a:ext uri="{FF2B5EF4-FFF2-40B4-BE49-F238E27FC236}">
-                <a16:creationId xmlns:a16="http://schemas.microsoft.com/office/drawing/2014/main" id="{893214D9-F17A-404C-BE74-1DAFFB78C84A}"/>
-              </a:ext>
-            </a:extLst>
-          </p:cNvPr>
-          <p:cNvPicPr>
-            <a:picLocks noChangeAspect="1"/>
-          </p:cNvPicPr>
-          <p:nvPr/>
-        </p:nvPicPr>
-        <p:blipFill>
-          <a:blip r:embed="rId3"/>
-          <a:stretch>
-            <a:fillRect/>
-          </a:stretch>
-        </p:blipFill>
-        <p:spPr>
-          <a:xfrm>
-            <a:off x="190500" y="4234720"/>
-            <a:ext cx="12001500" cy="2249813"/>
-          </a:xfrm>
-          <a:prstGeom prst="rect">
-            <a:avLst/>
-          </a:prstGeom>
-        </p:spPr>
-      </p:pic>
-      <p:cxnSp>
-        <p:nvCxnSpPr>
-          <p:cNvPr id="8" name="直線接點 7">
-            <a:extLst>
-              <a:ext uri="{FF2B5EF4-FFF2-40B4-BE49-F238E27FC236}">
-                <a16:creationId xmlns:a16="http://schemas.microsoft.com/office/drawing/2014/main" id="{4BE7F779-B06C-4A2A-AF47-57DA15DB0994}"/>
-              </a:ext>
-            </a:extLst>
-          </p:cNvPr>
-          <p:cNvCxnSpPr>
-            <a:cxnSpLocks/>
-          </p:cNvCxnSpPr>
-          <p:nvPr/>
-        </p:nvCxnSpPr>
-        <p:spPr>
-          <a:xfrm>
-            <a:off x="445114" y="3485197"/>
-            <a:ext cx="11686561" cy="0"/>
-          </a:xfrm>
-          <a:prstGeom prst="line">
-            <a:avLst/>
-          </a:prstGeom>
-          <a:ln w="19050">
-            <a:solidFill>
-              <a:srgbClr val="FF0000"/>
-            </a:solidFill>
-          </a:ln>
-        </p:spPr>
-        <p:style>
-          <a:lnRef idx="1">
-            <a:schemeClr val="accent2"/>
-          </a:lnRef>
-          <a:fillRef idx="0">
-            <a:schemeClr val="accent2"/>
-          </a:fillRef>
-          <a:effectRef idx="0">
-            <a:schemeClr val="accent2"/>
-          </a:effectRef>
-          <a:fontRef idx="minor">
-            <a:schemeClr val="tx1"/>
-          </a:fontRef>
-        </p:style>
-      </p:cxnSp>
-    </p:spTree>
-    <p:extLst>
-      <p:ext uri="{BB962C8B-B14F-4D97-AF65-F5344CB8AC3E}">
-        <p14:creationId xmlns:p14="http://schemas.microsoft.com/office/powerpoint/2010/main" val="161769118"/>
-      </p:ext>
-    </p:extLst>
-  </p:cSld>
-  <p:clrMapOvr>
-    <a:masterClrMapping/>
-  </p:clrMapOvr>
-</p:sld>
-</file>
-
-<file path=ppt/slides/slide31.xml><?xml version="1.0" encoding="utf-8"?>
-<p:sld xmlns:a="http://schemas.openxmlformats.org/drawingml/2006/main" xmlns:r="http://schemas.openxmlformats.org/officeDocument/2006/relationships" xmlns:p="http://schemas.openxmlformats.org/presentationml/2006/main">
-  <p:cSld>
-    <p:spTree>
-      <p:nvGrpSpPr>
-        <p:cNvPr id="1" name=""/>
-        <p:cNvGrpSpPr/>
-        <p:nvPr/>
-      </p:nvGrpSpPr>
-      <p:grpSpPr>
-        <a:xfrm>
-          <a:off x="0" y="0"/>
-          <a:ext cx="0" cy="0"/>
-          <a:chOff x="0" y="0"/>
-          <a:chExt cx="0" cy="0"/>
-        </a:xfrm>
-      </p:grpSpPr>
-      <p:sp>
-        <p:nvSpPr>
-          <p:cNvPr id="2" name="標題 1">
-            <a:extLst>
-              <a:ext uri="{FF2B5EF4-FFF2-40B4-BE49-F238E27FC236}">
-                <a16:creationId xmlns:a16="http://schemas.microsoft.com/office/drawing/2014/main" id="{2EF8182A-6E1A-4011-90FD-5F4A2E13C138}"/>
-              </a:ext>
-            </a:extLst>
-          </p:cNvPr>
-          <p:cNvSpPr>
-            <a:spLocks noGrp="1"/>
-          </p:cNvSpPr>
-          <p:nvPr>
-            <p:ph type="title"/>
-          </p:nvPr>
-        </p:nvSpPr>
-        <p:spPr/>
-        <p:txBody>
-          <a:bodyPr/>
-          <a:lstStyle/>
-          <a:p>
-            <a:r>
-              <a:rPr lang="en-US" altLang="zh-TW" dirty="0"/>
-              <a:t>REM density</a:t>
-            </a:r>
-            <a:endParaRPr lang="zh-TW" altLang="en-US" dirty="0"/>
-          </a:p>
-        </p:txBody>
-      </p:sp>
-      <p:sp>
-        <p:nvSpPr>
-          <p:cNvPr id="4" name="投影片編號版面配置區 3">
-            <a:extLst>
-              <a:ext uri="{FF2B5EF4-FFF2-40B4-BE49-F238E27FC236}">
-                <a16:creationId xmlns:a16="http://schemas.microsoft.com/office/drawing/2014/main" id="{CC8631BB-1CF5-4E10-981A-06849BB30CD2}"/>
-              </a:ext>
-            </a:extLst>
-          </p:cNvPr>
-          <p:cNvSpPr>
-            <a:spLocks noGrp="1"/>
-          </p:cNvSpPr>
-          <p:nvPr>
-            <p:ph type="sldNum" sz="quarter" idx="12"/>
-          </p:nvPr>
-        </p:nvSpPr>
-        <p:spPr/>
-        <p:txBody>
-          <a:bodyPr/>
-          <a:lstStyle/>
-          <a:p>
-            <a:fld id="{F230EE04-BD3A-40AA-92AC-647453D5DADF}" type="slidenum">
-              <a:rPr lang="zh-TW" altLang="en-US" smtClean="0"/>
-              <a:t>31</a:t>
-            </a:fld>
-            <a:endParaRPr lang="zh-TW" altLang="en-US"/>
-          </a:p>
-        </p:txBody>
-      </p:sp>
-      <p:pic>
-        <p:nvPicPr>
-          <p:cNvPr id="6" name="圖片 5">
-            <a:extLst>
-              <a:ext uri="{FF2B5EF4-FFF2-40B4-BE49-F238E27FC236}">
-                <a16:creationId xmlns:a16="http://schemas.microsoft.com/office/drawing/2014/main" id="{30472C4A-D8FC-48C9-B315-478F7C7AE59B}"/>
-              </a:ext>
-            </a:extLst>
-          </p:cNvPr>
-          <p:cNvPicPr>
-            <a:picLocks noChangeAspect="1"/>
-          </p:cNvPicPr>
-          <p:nvPr/>
-        </p:nvPicPr>
-        <p:blipFill>
-          <a:blip r:embed="rId2"/>
-          <a:stretch>
-            <a:fillRect/>
-          </a:stretch>
-        </p:blipFill>
-        <p:spPr>
-          <a:xfrm>
-            <a:off x="68826" y="1368390"/>
-            <a:ext cx="12192000" cy="2852562"/>
-          </a:xfrm>
-          <a:prstGeom prst="rect">
-            <a:avLst/>
-          </a:prstGeom>
-        </p:spPr>
-      </p:pic>
-      <p:pic>
-        <p:nvPicPr>
-          <p:cNvPr id="8" name="圖片 7">
-            <a:extLst>
-              <a:ext uri="{FF2B5EF4-FFF2-40B4-BE49-F238E27FC236}">
-                <a16:creationId xmlns:a16="http://schemas.microsoft.com/office/drawing/2014/main" id="{67BC7E15-BD59-4077-BA4A-A7D84FA433AC}"/>
-              </a:ext>
-            </a:extLst>
-          </p:cNvPr>
-          <p:cNvPicPr>
-            <a:picLocks noChangeAspect="1"/>
-          </p:cNvPicPr>
-          <p:nvPr/>
-        </p:nvPicPr>
-        <p:blipFill>
-          <a:blip r:embed="rId3"/>
-          <a:stretch>
-            <a:fillRect/>
-          </a:stretch>
-        </p:blipFill>
-        <p:spPr>
-          <a:xfrm>
-            <a:off x="68826" y="4234720"/>
-            <a:ext cx="12192000" cy="2249813"/>
-          </a:xfrm>
-          <a:prstGeom prst="rect">
-            <a:avLst/>
-          </a:prstGeom>
-        </p:spPr>
-      </p:pic>
-    </p:spTree>
-    <p:extLst>
-      <p:ext uri="{BB962C8B-B14F-4D97-AF65-F5344CB8AC3E}">
-        <p14:creationId xmlns:p14="http://schemas.microsoft.com/office/powerpoint/2010/main" val="3235996336"/>
-      </p:ext>
-    </p:extLst>
-  </p:cSld>
-  <p:clrMapOvr>
-    <a:masterClrMapping/>
-  </p:clrMapOvr>
-</p:sld>
-</file>
-
-<file path=ppt/slides/slide4.xml><?xml version="1.0" encoding="utf-8"?>
-<p:sld xmlns:a="http://schemas.openxmlformats.org/drawingml/2006/main" xmlns:r="http://schemas.openxmlformats.org/officeDocument/2006/relationships" xmlns:p="http://schemas.openxmlformats.org/presentationml/2006/main">
-  <p:cSld>
-    <p:spTree>
-      <p:nvGrpSpPr>
-        <p:cNvPr id="1" name=""/>
-        <p:cNvGrpSpPr/>
-        <p:nvPr/>
-      </p:nvGrpSpPr>
-      <p:grpSpPr>
-        <a:xfrm>
-          <a:off x="0" y="0"/>
-          <a:ext cx="0" cy="0"/>
-          <a:chOff x="0" y="0"/>
-          <a:chExt cx="0" cy="0"/>
-        </a:xfrm>
-      </p:grpSpPr>
-      <p:sp>
-        <p:nvSpPr>
-          <p:cNvPr id="2" name="標題 1">
-            <a:extLst>
-              <a:ext uri="{FF2B5EF4-FFF2-40B4-BE49-F238E27FC236}">
-                <a16:creationId xmlns:a16="http://schemas.microsoft.com/office/drawing/2014/main" id="{76B736C6-AB7F-4982-85D3-83B4D5900BCB}"/>
-              </a:ext>
-            </a:extLst>
-          </p:cNvPr>
-          <p:cNvSpPr>
-            <a:spLocks noGrp="1"/>
-          </p:cNvSpPr>
-          <p:nvPr>
-            <p:ph type="title"/>
-          </p:nvPr>
-        </p:nvSpPr>
-        <p:spPr/>
-        <p:txBody>
-          <a:bodyPr/>
-          <a:lstStyle/>
-          <a:p>
-            <a:r>
-              <a:rPr lang="zh-TW" altLang="en-US" dirty="0"/>
-              <a:t>從</a:t>
-            </a:r>
-            <a:r>
-              <a:rPr lang="en-US" altLang="zh-TW" dirty="0"/>
-              <a:t>cortisol</a:t>
-            </a:r>
-            <a:r>
-              <a:rPr lang="zh-TW" altLang="en-US" dirty="0"/>
-              <a:t>分群</a:t>
-            </a:r>
-          </a:p>
-        </p:txBody>
-      </p:sp>
-      <p:sp>
-        <p:nvSpPr>
-          <p:cNvPr id="3" name="內容版面配置區 2">
-            <a:extLst>
-              <a:ext uri="{FF2B5EF4-FFF2-40B4-BE49-F238E27FC236}">
-                <a16:creationId xmlns:a16="http://schemas.microsoft.com/office/drawing/2014/main" id="{B57B31B4-13AE-49FA-BE1D-41D57868039B}"/>
-              </a:ext>
-            </a:extLst>
-          </p:cNvPr>
-          <p:cNvSpPr>
-            <a:spLocks noGrp="1"/>
-          </p:cNvSpPr>
-          <p:nvPr>
-            <p:ph idx="1"/>
-          </p:nvPr>
-        </p:nvSpPr>
-        <p:spPr/>
-        <p:txBody>
-          <a:bodyPr/>
-          <a:lstStyle/>
-          <a:p>
-            <a:r>
-              <a:rPr lang="zh-TW" altLang="en-US" dirty="0"/>
-              <a:t>觀察</a:t>
-            </a:r>
-            <a:r>
-              <a:rPr lang="en-US" altLang="zh-TW" dirty="0"/>
-              <a:t>40</a:t>
-            </a:r>
-            <a:r>
-              <a:rPr lang="zh-TW" altLang="en-US" dirty="0"/>
-              <a:t>人中是否有噪音與</a:t>
-            </a:r>
-            <a:r>
-              <a:rPr lang="en-US" altLang="zh-TW" dirty="0"/>
-              <a:t>cortisol</a:t>
-            </a:r>
-            <a:r>
-              <a:rPr lang="zh-TW" altLang="en-US" dirty="0"/>
-              <a:t>的關聯性，以此依據來做分群觀察，期望得到更明顯的睡眠指標差異</a:t>
-            </a:r>
-            <a:endParaRPr lang="en-US" altLang="zh-TW" dirty="0"/>
-          </a:p>
-        </p:txBody>
-      </p:sp>
-      <p:sp>
-        <p:nvSpPr>
-          <p:cNvPr id="4" name="投影片編號版面配置區 3">
-            <a:extLst>
-              <a:ext uri="{FF2B5EF4-FFF2-40B4-BE49-F238E27FC236}">
-                <a16:creationId xmlns:a16="http://schemas.microsoft.com/office/drawing/2014/main" id="{31C72D2B-BB83-4616-BA6B-9BEDB472BEF3}"/>
-              </a:ext>
-            </a:extLst>
-          </p:cNvPr>
-          <p:cNvSpPr>
-            <a:spLocks noGrp="1"/>
-          </p:cNvSpPr>
-          <p:nvPr>
-            <p:ph type="sldNum" sz="quarter" idx="12"/>
-          </p:nvPr>
-        </p:nvSpPr>
-        <p:spPr/>
-        <p:txBody>
-          <a:bodyPr/>
-          <a:lstStyle/>
-          <a:p>
-            <a:fld id="{F230EE04-BD3A-40AA-92AC-647453D5DADF}" type="slidenum">
-              <a:rPr lang="zh-TW" altLang="en-US" smtClean="0"/>
-              <a:t>4</a:t>
-            </a:fld>
-            <a:endParaRPr lang="zh-TW" altLang="en-US"/>
-          </a:p>
-        </p:txBody>
-      </p:sp>
-    </p:spTree>
-    <p:extLst>
-      <p:ext uri="{BB962C8B-B14F-4D97-AF65-F5344CB8AC3E}">
-        <p14:creationId xmlns:p14="http://schemas.microsoft.com/office/powerpoint/2010/main" val="4131326231"/>
-      </p:ext>
-    </p:extLst>
-  </p:cSld>
-  <p:clrMapOvr>
-    <a:masterClrMapping/>
-  </p:clrMapOvr>
-</p:sld>
-</file>
-
 <file path=ppt/slides/slide5.xml><?xml version="1.0" encoding="utf-8"?>
 <p:sld xmlns:a="http://schemas.openxmlformats.org/drawingml/2006/main" xmlns:r="http://schemas.openxmlformats.org/officeDocument/2006/relationships" xmlns:p="http://schemas.openxmlformats.org/presentationml/2006/main">
   <p:cSld>
@@ -15424,7 +18725,7 @@
           <p:cNvPr id="2" name="標題 1">
             <a:extLst>
               <a:ext uri="{FF2B5EF4-FFF2-40B4-BE49-F238E27FC236}">
-                <a16:creationId xmlns:a16="http://schemas.microsoft.com/office/drawing/2014/main" id="{AD579B9C-1D54-43B1-8474-F934DBD1AB97}"/>
+                <a16:creationId xmlns:a16="http://schemas.microsoft.com/office/drawing/2014/main" id="{76B736C6-AB7F-4982-85D3-83B4D5900BCB}"/>
               </a:ext>
             </a:extLst>
           </p:cNvPr>
@@ -15442,7 +18743,7 @@
           <a:p>
             <a:r>
               <a:rPr lang="zh-TW" altLang="en-US" dirty="0"/>
-              <a:t>早晨</a:t>
+              <a:t>從</a:t>
             </a:r>
             <a:r>
               <a:rPr lang="en-US" altLang="zh-TW" dirty="0"/>
@@ -15450,8 +18751,53 @@
             </a:r>
             <a:r>
               <a:rPr lang="zh-TW" altLang="en-US" dirty="0"/>
-              <a:t>暴露與非暴露分布</a:t>
-            </a:r>
+              <a:t>分群</a:t>
+            </a:r>
+          </a:p>
+        </p:txBody>
+      </p:sp>
+      <p:sp>
+        <p:nvSpPr>
+          <p:cNvPr id="3" name="內容版面配置區 2">
+            <a:extLst>
+              <a:ext uri="{FF2B5EF4-FFF2-40B4-BE49-F238E27FC236}">
+                <a16:creationId xmlns:a16="http://schemas.microsoft.com/office/drawing/2014/main" id="{B57B31B4-13AE-49FA-BE1D-41D57868039B}"/>
+              </a:ext>
+            </a:extLst>
+          </p:cNvPr>
+          <p:cNvSpPr>
+            <a:spLocks noGrp="1"/>
+          </p:cNvSpPr>
+          <p:nvPr>
+            <p:ph idx="1"/>
+          </p:nvPr>
+        </p:nvSpPr>
+        <p:spPr/>
+        <p:txBody>
+          <a:bodyPr/>
+          <a:lstStyle/>
+          <a:p>
+            <a:r>
+              <a:rPr lang="zh-TW" altLang="en-US" dirty="0"/>
+              <a:t>觀察</a:t>
+            </a:r>
+            <a:r>
+              <a:rPr lang="en-US" altLang="zh-TW" dirty="0"/>
+              <a:t>40</a:t>
+            </a:r>
+            <a:r>
+              <a:rPr lang="zh-TW" altLang="en-US" dirty="0"/>
+              <a:t>人中是否有噪音與</a:t>
+            </a:r>
+            <a:r>
+              <a:rPr lang="en-US" altLang="zh-TW" dirty="0"/>
+              <a:t>cortisol</a:t>
+            </a:r>
+            <a:r>
+              <a:rPr lang="zh-TW" altLang="en-US" dirty="0"/>
+              <a:t>的關聯性，以此依據來做分群觀察，期望得到更明顯的睡眠指標差異</a:t>
+            </a:r>
+            <a:endParaRPr lang="en-US" altLang="zh-TW" dirty="0"/>
           </a:p>
         </p:txBody>
       </p:sp>
@@ -15460,7 +18806,7 @@
           <p:cNvPr id="4" name="投影片編號版面配置區 3">
             <a:extLst>
               <a:ext uri="{FF2B5EF4-FFF2-40B4-BE49-F238E27FC236}">
-                <a16:creationId xmlns:a16="http://schemas.microsoft.com/office/drawing/2014/main" id="{028A83BE-7384-4C57-9F7B-A0BA4761758F}"/>
+                <a16:creationId xmlns:a16="http://schemas.microsoft.com/office/drawing/2014/main" id="{31C72D2B-BB83-4616-BA6B-9BEDB472BEF3}"/>
               </a:ext>
             </a:extLst>
           </p:cNvPr>
@@ -15484,126 +18830,10 @@
           </a:p>
         </p:txBody>
       </p:sp>
-      <p:pic>
-        <p:nvPicPr>
-          <p:cNvPr id="5" name="圖片 4">
-            <a:extLst>
-              <a:ext uri="{FF2B5EF4-FFF2-40B4-BE49-F238E27FC236}">
-                <a16:creationId xmlns:a16="http://schemas.microsoft.com/office/drawing/2014/main" id="{DC1A3C01-6DE3-42D5-98C9-8CE36DEBA6C6}"/>
-              </a:ext>
-            </a:extLst>
-          </p:cNvPr>
-          <p:cNvPicPr>
-            <a:picLocks noChangeAspect="1"/>
-          </p:cNvPicPr>
-          <p:nvPr/>
-        </p:nvPicPr>
-        <p:blipFill>
-          <a:blip r:embed="rId2"/>
-          <a:stretch>
-            <a:fillRect/>
-          </a:stretch>
-        </p:blipFill>
-        <p:spPr>
-          <a:xfrm>
-            <a:off x="0" y="2950058"/>
-            <a:ext cx="12192000" cy="3396284"/>
-          </a:xfrm>
-          <a:prstGeom prst="rect">
-            <a:avLst/>
-          </a:prstGeom>
-        </p:spPr>
-      </p:pic>
-      <p:sp>
-        <p:nvSpPr>
-          <p:cNvPr id="9" name="內容版面配置區 2">
-            <a:extLst>
-              <a:ext uri="{FF2B5EF4-FFF2-40B4-BE49-F238E27FC236}">
-                <a16:creationId xmlns:a16="http://schemas.microsoft.com/office/drawing/2014/main" id="{5E0A7D87-F436-4EC9-AD66-3263A76F1CCC}"/>
-              </a:ext>
-            </a:extLst>
-          </p:cNvPr>
-          <p:cNvSpPr>
-            <a:spLocks noGrp="1"/>
-          </p:cNvSpPr>
-          <p:nvPr>
-            <p:ph idx="1"/>
-          </p:nvPr>
-        </p:nvSpPr>
-        <p:spPr>
-          <a:xfrm>
-            <a:off x="720436" y="1321724"/>
-            <a:ext cx="10633364" cy="4855239"/>
-          </a:xfrm>
-        </p:spPr>
-        <p:txBody>
-          <a:bodyPr/>
-          <a:lstStyle/>
-          <a:p>
-            <a:r>
-              <a:rPr lang="zh-TW" altLang="en-US" dirty="0"/>
-              <a:t>藍</a:t>
-            </a:r>
-            <a:r>
-              <a:rPr lang="en-US" altLang="zh-TW" dirty="0"/>
-              <a:t>:</a:t>
-            </a:r>
-            <a:r>
-              <a:rPr lang="zh-TW" altLang="en-US" dirty="0"/>
-              <a:t> 暴露噪音早晨</a:t>
-            </a:r>
-            <a:r>
-              <a:rPr lang="en-US" altLang="zh-TW" dirty="0"/>
-              <a:t>cortisol</a:t>
-            </a:r>
-          </a:p>
-          <a:p>
-            <a:r>
-              <a:rPr lang="zh-TW" altLang="en-US" dirty="0"/>
-              <a:t>橘</a:t>
-            </a:r>
-            <a:r>
-              <a:rPr lang="en-US" altLang="zh-TW" dirty="0"/>
-              <a:t>:</a:t>
-            </a:r>
-            <a:r>
-              <a:rPr lang="zh-TW" altLang="en-US" dirty="0"/>
-              <a:t> 非暴露噪音早晨</a:t>
-            </a:r>
-            <a:r>
-              <a:rPr lang="en-US" altLang="zh-TW" dirty="0"/>
-              <a:t>cortisol</a:t>
-            </a:r>
-          </a:p>
-          <a:p>
-            <a:r>
-              <a:rPr lang="zh-TW" altLang="en-US" dirty="0"/>
-              <a:t>右側非暴露的早晨</a:t>
-            </a:r>
-            <a:r>
-              <a:rPr lang="en-US" altLang="zh-TW" dirty="0"/>
-              <a:t>cortisol</a:t>
-            </a:r>
-            <a:r>
-              <a:rPr lang="zh-TW" altLang="en-US" dirty="0"/>
-              <a:t>有普遍在暴露的早晨</a:t>
-            </a:r>
-            <a:r>
-              <a:rPr lang="en-US" altLang="zh-TW" dirty="0"/>
-              <a:t>cortisol</a:t>
-            </a:r>
-            <a:r>
-              <a:rPr lang="zh-TW" altLang="en-US" dirty="0"/>
-              <a:t>之下的現象</a:t>
-            </a:r>
-            <a:endParaRPr lang="en-US" altLang="zh-TW" dirty="0"/>
-          </a:p>
-        </p:txBody>
-      </p:sp>
     </p:spTree>
     <p:extLst>
       <p:ext uri="{BB962C8B-B14F-4D97-AF65-F5344CB8AC3E}">
-        <p14:creationId xmlns:p14="http://schemas.microsoft.com/office/powerpoint/2010/main" val="89226977"/>
+        <p14:creationId xmlns:p14="http://schemas.microsoft.com/office/powerpoint/2010/main" val="4131326231"/>
       </p:ext>
     </p:extLst>
   </p:cSld>
@@ -15635,7 +18865,7 @@
           <p:cNvPr id="2" name="標題 1">
             <a:extLst>
               <a:ext uri="{FF2B5EF4-FFF2-40B4-BE49-F238E27FC236}">
-                <a16:creationId xmlns:a16="http://schemas.microsoft.com/office/drawing/2014/main" id="{A7F04EFF-AA11-40CE-9F1A-EE0AB1618998}"/>
+                <a16:creationId xmlns:a16="http://schemas.microsoft.com/office/drawing/2014/main" id="{AD579B9C-1D54-43B1-8474-F934DBD1AB97}"/>
               </a:ext>
             </a:extLst>
           </p:cNvPr>
@@ -15653,7 +18883,7 @@
           <a:p>
             <a:r>
               <a:rPr lang="zh-TW" altLang="en-US" dirty="0"/>
-              <a:t>傍晚</a:t>
+              <a:t>早晨</a:t>
             </a:r>
             <a:r>
               <a:rPr lang="en-US" altLang="zh-TW" dirty="0"/>
@@ -15671,7 +18901,7 @@
           <p:cNvPr id="4" name="投影片編號版面配置區 3">
             <a:extLst>
               <a:ext uri="{FF2B5EF4-FFF2-40B4-BE49-F238E27FC236}">
-                <a16:creationId xmlns:a16="http://schemas.microsoft.com/office/drawing/2014/main" id="{6DD0043D-8FF1-473E-B9E5-5C71117313A4}"/>
+                <a16:creationId xmlns:a16="http://schemas.microsoft.com/office/drawing/2014/main" id="{028A83BE-7384-4C57-9F7B-A0BA4761758F}"/>
               </a:ext>
             </a:extLst>
           </p:cNvPr>
@@ -15697,10 +18927,10 @@
       </p:sp>
       <p:pic>
         <p:nvPicPr>
-          <p:cNvPr id="13" name="圖片 12">
-            <a:extLst>
-              <a:ext uri="{FF2B5EF4-FFF2-40B4-BE49-F238E27FC236}">
-                <a16:creationId xmlns:a16="http://schemas.microsoft.com/office/drawing/2014/main" id="{DC3D55EA-E1B3-4C76-8E5D-2DDABB97DAD6}"/>
+          <p:cNvPr id="5" name="圖片 4">
+            <a:extLst>
+              <a:ext uri="{FF2B5EF4-FFF2-40B4-BE49-F238E27FC236}">
+                <a16:creationId xmlns:a16="http://schemas.microsoft.com/office/drawing/2014/main" id="{DC1A3C01-6DE3-42D5-98C9-8CE36DEBA6C6}"/>
               </a:ext>
             </a:extLst>
           </p:cNvPr>
@@ -15717,8 +18947,8 @@
         </p:blipFill>
         <p:spPr>
           <a:xfrm>
-            <a:off x="0" y="2925143"/>
-            <a:ext cx="12192000" cy="3388963"/>
+            <a:off x="0" y="2950058"/>
+            <a:ext cx="12192000" cy="3396284"/>
           </a:xfrm>
           <a:prstGeom prst="rect">
             <a:avLst/>
@@ -15727,10 +18957,10 @@
       </p:pic>
       <p:sp>
         <p:nvSpPr>
-          <p:cNvPr id="14" name="內容版面配置區 2">
-            <a:extLst>
-              <a:ext uri="{FF2B5EF4-FFF2-40B4-BE49-F238E27FC236}">
-                <a16:creationId xmlns:a16="http://schemas.microsoft.com/office/drawing/2014/main" id="{2BD94F5E-2429-422A-B380-819B4EC68FA6}"/>
+          <p:cNvPr id="9" name="內容版面配置區 2">
+            <a:extLst>
+              <a:ext uri="{FF2B5EF4-FFF2-40B4-BE49-F238E27FC236}">
+                <a16:creationId xmlns:a16="http://schemas.microsoft.com/office/drawing/2014/main" id="{5E0A7D87-F436-4EC9-AD66-3263A76F1CCC}"/>
               </a:ext>
             </a:extLst>
           </p:cNvPr>
@@ -15761,7 +18991,7 @@
             </a:r>
             <a:r>
               <a:rPr lang="zh-TW" altLang="en-US" dirty="0"/>
-              <a:t> 暴露噪音傍晚</a:t>
+              <a:t> 暴露噪音早晨</a:t>
             </a:r>
             <a:r>
               <a:rPr lang="en-US" altLang="zh-TW" dirty="0"/>
@@ -15779,19 +19009,42 @@
             </a:r>
             <a:r>
               <a:rPr lang="zh-TW" altLang="en-US" dirty="0"/>
-              <a:t> 非暴露噪音傍晚</a:t>
+              <a:t> 非暴露噪音早晨</a:t>
             </a:r>
             <a:r>
               <a:rPr lang="en-US" altLang="zh-TW" dirty="0"/>
               <a:t>cortisol</a:t>
             </a:r>
+          </a:p>
+          <a:p>
+            <a:r>
+              <a:rPr lang="zh-TW" altLang="en-US" dirty="0"/>
+              <a:t>右側非暴露的早晨</a:t>
+            </a:r>
+            <a:r>
+              <a:rPr lang="en-US" altLang="zh-TW" dirty="0"/>
+              <a:t>cortisol</a:t>
+            </a:r>
+            <a:r>
+              <a:rPr lang="zh-TW" altLang="en-US" dirty="0"/>
+              <a:t>有普遍在暴露的早晨</a:t>
+            </a:r>
+            <a:r>
+              <a:rPr lang="en-US" altLang="zh-TW" dirty="0"/>
+              <a:t>cortisol</a:t>
+            </a:r>
+            <a:r>
+              <a:rPr lang="zh-TW" altLang="en-US" dirty="0"/>
+              <a:t>之下的現象</a:t>
+            </a:r>
+            <a:endParaRPr lang="en-US" altLang="zh-TW" dirty="0"/>
           </a:p>
         </p:txBody>
       </p:sp>
     </p:spTree>
     <p:extLst>
       <p:ext uri="{BB962C8B-B14F-4D97-AF65-F5344CB8AC3E}">
-        <p14:creationId xmlns:p14="http://schemas.microsoft.com/office/powerpoint/2010/main" val="1236412071"/>
+        <p14:creationId xmlns:p14="http://schemas.microsoft.com/office/powerpoint/2010/main" val="89226977"/>
       </p:ext>
     </p:extLst>
   </p:cSld>
@@ -15823,7 +19076,7 @@
           <p:cNvPr id="2" name="標題 1">
             <a:extLst>
               <a:ext uri="{FF2B5EF4-FFF2-40B4-BE49-F238E27FC236}">
-                <a16:creationId xmlns:a16="http://schemas.microsoft.com/office/drawing/2014/main" id="{351872FA-A9E8-41FD-97B2-24306A437DCC}"/>
+                <a16:creationId xmlns:a16="http://schemas.microsoft.com/office/drawing/2014/main" id="{A7F04EFF-AA11-40CE-9F1A-EE0AB1618998}"/>
               </a:ext>
             </a:extLst>
           </p:cNvPr>
@@ -15841,7 +19094,7 @@
           <a:p>
             <a:r>
               <a:rPr lang="zh-TW" altLang="en-US" dirty="0"/>
-              <a:t>從</a:t>
+              <a:t>傍晚</a:t>
             </a:r>
             <a:r>
               <a:rPr lang="en-US" altLang="zh-TW" dirty="0"/>
@@ -15849,25 +19102,76 @@
             </a:r>
             <a:r>
               <a:rPr lang="zh-TW" altLang="en-US" dirty="0"/>
-              <a:t>來觀察</a:t>
-            </a:r>
-            <a:r>
-              <a:rPr lang="en-US" altLang="zh-TW" dirty="0"/>
-              <a:t>REM</a:t>
-            </a:r>
-            <a:r>
-              <a:rPr lang="zh-TW" altLang="en-US" dirty="0"/>
-              <a:t>睡眠指標</a:t>
-            </a:r>
-          </a:p>
-        </p:txBody>
-      </p:sp>
-      <p:sp>
-        <p:nvSpPr>
-          <p:cNvPr id="3" name="內容版面配置區 2">
-            <a:extLst>
-              <a:ext uri="{FF2B5EF4-FFF2-40B4-BE49-F238E27FC236}">
-                <a16:creationId xmlns:a16="http://schemas.microsoft.com/office/drawing/2014/main" id="{89F3B1B6-BA51-4AD7-A1F4-CBD900612B28}"/>
+              <a:t>暴露與非暴露分布</a:t>
+            </a:r>
+          </a:p>
+        </p:txBody>
+      </p:sp>
+      <p:sp>
+        <p:nvSpPr>
+          <p:cNvPr id="4" name="投影片編號版面配置區 3">
+            <a:extLst>
+              <a:ext uri="{FF2B5EF4-FFF2-40B4-BE49-F238E27FC236}">
+                <a16:creationId xmlns:a16="http://schemas.microsoft.com/office/drawing/2014/main" id="{6DD0043D-8FF1-473E-B9E5-5C71117313A4}"/>
+              </a:ext>
+            </a:extLst>
+          </p:cNvPr>
+          <p:cNvSpPr>
+            <a:spLocks noGrp="1"/>
+          </p:cNvSpPr>
+          <p:nvPr>
+            <p:ph type="sldNum" sz="quarter" idx="12"/>
+          </p:nvPr>
+        </p:nvSpPr>
+        <p:spPr/>
+        <p:txBody>
+          <a:bodyPr/>
+          <a:lstStyle/>
+          <a:p>
+            <a:fld id="{F230EE04-BD3A-40AA-92AC-647453D5DADF}" type="slidenum">
+              <a:rPr lang="zh-TW" altLang="en-US" smtClean="0"/>
+              <a:t>7</a:t>
+            </a:fld>
+            <a:endParaRPr lang="zh-TW" altLang="en-US"/>
+          </a:p>
+        </p:txBody>
+      </p:sp>
+      <p:pic>
+        <p:nvPicPr>
+          <p:cNvPr id="13" name="圖片 12">
+            <a:extLst>
+              <a:ext uri="{FF2B5EF4-FFF2-40B4-BE49-F238E27FC236}">
+                <a16:creationId xmlns:a16="http://schemas.microsoft.com/office/drawing/2014/main" id="{DC3D55EA-E1B3-4C76-8E5D-2DDABB97DAD6}"/>
+              </a:ext>
+            </a:extLst>
+          </p:cNvPr>
+          <p:cNvPicPr>
+            <a:picLocks noChangeAspect="1"/>
+          </p:cNvPicPr>
+          <p:nvPr/>
+        </p:nvPicPr>
+        <p:blipFill>
+          <a:blip r:embed="rId2"/>
+          <a:stretch>
+            <a:fillRect/>
+          </a:stretch>
+        </p:blipFill>
+        <p:spPr>
+          <a:xfrm>
+            <a:off x="0" y="2925143"/>
+            <a:ext cx="12192000" cy="3388963"/>
+          </a:xfrm>
+          <a:prstGeom prst="rect">
+            <a:avLst/>
+          </a:prstGeom>
+        </p:spPr>
+      </p:pic>
+      <p:sp>
+        <p:nvSpPr>
+          <p:cNvPr id="14" name="內容版面配置區 2">
+            <a:extLst>
+              <a:ext uri="{FF2B5EF4-FFF2-40B4-BE49-F238E27FC236}">
+                <a16:creationId xmlns:a16="http://schemas.microsoft.com/office/drawing/2014/main" id="{2BD94F5E-2429-422A-B380-819B4EC68FA6}"/>
               </a:ext>
             </a:extLst>
           </p:cNvPr>
@@ -15878,88 +19182,57 @@
             <p:ph idx="1"/>
           </p:nvPr>
         </p:nvSpPr>
-        <p:spPr/>
+        <p:spPr>
+          <a:xfrm>
+            <a:off x="720436" y="1321724"/>
+            <a:ext cx="10633364" cy="4855239"/>
+          </a:xfrm>
+        </p:spPr>
         <p:txBody>
           <a:bodyPr/>
           <a:lstStyle/>
           <a:p>
+            <a:r>
+              <a:rPr lang="zh-TW" altLang="en-US" dirty="0"/>
+              <a:t>藍</a:t>
+            </a:r>
+            <a:r>
+              <a:rPr lang="en-US" altLang="zh-TW" dirty="0"/>
+              <a:t>:</a:t>
+            </a:r>
+            <a:r>
+              <a:rPr lang="zh-TW" altLang="en-US" dirty="0"/>
+              <a:t> 暴露噪音傍晚</a:t>
+            </a:r>
             <a:r>
               <a:rPr lang="en-US" altLang="zh-TW" dirty="0"/>
               <a:t>cortisol</a:t>
             </a:r>
+          </a:p>
+          <a:p>
             <a:r>
               <a:rPr lang="zh-TW" altLang="en-US" dirty="0"/>
-              <a:t>數值受到外在刺激條件與內在耐受性影響，可以分兩個面向來觀察與睡眠指標的關係</a:t>
-            </a:r>
-            <a:endParaRPr lang="en-US" altLang="zh-TW" dirty="0"/>
-          </a:p>
-          <a:p>
-            <a:pPr lvl="1"/>
+              <a:t>橘</a:t>
+            </a:r>
+            <a:r>
+              <a:rPr lang="en-US" altLang="zh-TW" dirty="0"/>
+              <a:t>:</a:t>
+            </a:r>
             <a:r>
               <a:rPr lang="zh-TW" altLang="en-US" dirty="0"/>
-              <a:t>自身</a:t>
+              <a:t> 非暴露噪音傍晚</a:t>
             </a:r>
             <a:r>
               <a:rPr lang="en-US" altLang="zh-TW" dirty="0"/>
               <a:t>cortisol</a:t>
             </a:r>
-            <a:r>
-              <a:rPr lang="zh-TW" altLang="en-US" dirty="0"/>
-              <a:t>變化量來比較睡眠指標</a:t>
-            </a:r>
-            <a:endParaRPr lang="en-US" altLang="zh-TW" dirty="0"/>
-          </a:p>
-          <a:p>
-            <a:pPr lvl="1"/>
-            <a:r>
-              <a:rPr lang="zh-TW" altLang="en-US" dirty="0"/>
-              <a:t>絕對</a:t>
-            </a:r>
-            <a:r>
-              <a:rPr lang="en-US" altLang="zh-TW" dirty="0"/>
-              <a:t>cortisol</a:t>
-            </a:r>
-            <a:r>
-              <a:rPr lang="zh-TW" altLang="en-US" dirty="0"/>
-              <a:t>值來與他人比較睡眠指標</a:t>
-            </a:r>
-            <a:endParaRPr lang="en-US" altLang="zh-TW" dirty="0"/>
-          </a:p>
-        </p:txBody>
-      </p:sp>
-      <p:sp>
-        <p:nvSpPr>
-          <p:cNvPr id="4" name="投影片編號版面配置區 3">
-            <a:extLst>
-              <a:ext uri="{FF2B5EF4-FFF2-40B4-BE49-F238E27FC236}">
-                <a16:creationId xmlns:a16="http://schemas.microsoft.com/office/drawing/2014/main" id="{496F6954-B153-46DB-AA53-EE0BB87ED4A7}"/>
-              </a:ext>
-            </a:extLst>
-          </p:cNvPr>
-          <p:cNvSpPr>
-            <a:spLocks noGrp="1"/>
-          </p:cNvSpPr>
-          <p:nvPr>
-            <p:ph type="sldNum" sz="quarter" idx="12"/>
-          </p:nvPr>
-        </p:nvSpPr>
-        <p:spPr/>
-        <p:txBody>
-          <a:bodyPr/>
-          <a:lstStyle/>
-          <a:p>
-            <a:fld id="{F230EE04-BD3A-40AA-92AC-647453D5DADF}" type="slidenum">
-              <a:rPr lang="zh-TW" altLang="en-US" smtClean="0"/>
-              <a:t>7</a:t>
-            </a:fld>
-            <a:endParaRPr lang="zh-TW" altLang="en-US"/>
           </a:p>
         </p:txBody>
       </p:sp>
     </p:spTree>
     <p:extLst>
       <p:ext uri="{BB962C8B-B14F-4D97-AF65-F5344CB8AC3E}">
-        <p14:creationId xmlns:p14="http://schemas.microsoft.com/office/powerpoint/2010/main" val="1493893988"/>
+        <p14:creationId xmlns:p14="http://schemas.microsoft.com/office/powerpoint/2010/main" val="1236412071"/>
       </p:ext>
     </p:extLst>
   </p:cSld>
@@ -15991,7 +19264,7 @@
           <p:cNvPr id="2" name="標題 1">
             <a:extLst>
               <a:ext uri="{FF2B5EF4-FFF2-40B4-BE49-F238E27FC236}">
-                <a16:creationId xmlns:a16="http://schemas.microsoft.com/office/drawing/2014/main" id="{AF2CE65F-EB53-4137-B435-2FC1BC8822D6}"/>
+                <a16:creationId xmlns:a16="http://schemas.microsoft.com/office/drawing/2014/main" id="{351872FA-A9E8-41FD-97B2-24306A437DCC}"/>
               </a:ext>
             </a:extLst>
           </p:cNvPr>
@@ -16009,7 +19282,7 @@
           <a:p>
             <a:r>
               <a:rPr lang="zh-TW" altLang="en-US" dirty="0"/>
-              <a:t>自身</a:t>
+              <a:t>從</a:t>
             </a:r>
             <a:r>
               <a:rPr lang="en-US" altLang="zh-TW" dirty="0"/>
@@ -16017,7 +19290,15 @@
             </a:r>
             <a:r>
               <a:rPr lang="zh-TW" altLang="en-US" dirty="0"/>
-              <a:t>變化量來比較睡眠指標</a:t>
+              <a:t>來觀察</a:t>
+            </a:r>
+            <a:r>
+              <a:rPr lang="en-US" altLang="zh-TW" dirty="0"/>
+              <a:t>REM</a:t>
+            </a:r>
+            <a:r>
+              <a:rPr lang="zh-TW" altLang="en-US" dirty="0"/>
+              <a:t>睡眠指標</a:t>
             </a:r>
           </a:p>
         </p:txBody>
@@ -16027,7 +19308,7 @@
           <p:cNvPr id="3" name="內容版面配置區 2">
             <a:extLst>
               <a:ext uri="{FF2B5EF4-FFF2-40B4-BE49-F238E27FC236}">
-                <a16:creationId xmlns:a16="http://schemas.microsoft.com/office/drawing/2014/main" id="{AE711BF1-F012-419C-AC92-AAB4AA8E30CE}"/>
+                <a16:creationId xmlns:a16="http://schemas.microsoft.com/office/drawing/2014/main" id="{89F3B1B6-BA51-4AD7-A1F4-CBD900612B28}"/>
               </a:ext>
             </a:extLst>
           </p:cNvPr>
@@ -16045,57 +19326,19 @@
           <a:p>
             <a:r>
               <a:rPr lang="en-US" altLang="zh-TW" dirty="0"/>
-              <a:t>(</a:t>
+              <a:t>cortisol</a:t>
             </a:r>
             <a:r>
               <a:rPr lang="zh-TW" altLang="en-US" dirty="0"/>
-              <a:t>暴露噪音早晨 </a:t>
-            </a:r>
-            <a:r>
-              <a:rPr lang="en-US" altLang="zh-TW" dirty="0"/>
-              <a:t>- </a:t>
-            </a:r>
+              <a:t>數值受到外在刺激條件與內在耐受性影響，可以分兩個面向來觀察與睡眠指標的關係</a:t>
+            </a:r>
+            <a:endParaRPr lang="en-US" altLang="zh-TW" dirty="0"/>
+          </a:p>
+          <a:p>
+            <a:pPr lvl="1"/>
             <a:r>
               <a:rPr lang="zh-TW" altLang="en-US" dirty="0"/>
-              <a:t>暴露噪音傍晚</a:t>
-            </a:r>
-            <a:r>
-              <a:rPr lang="en-US" altLang="zh-TW" dirty="0"/>
-              <a:t>)</a:t>
-            </a:r>
-            <a:r>
-              <a:rPr lang="zh-TW" altLang="en-US" dirty="0"/>
-              <a:t> </a:t>
-            </a:r>
-            <a:r>
-              <a:rPr lang="en-US" altLang="zh-TW" dirty="0"/>
-              <a:t>– (</a:t>
-            </a:r>
-            <a:r>
-              <a:rPr lang="zh-TW" altLang="en-US" dirty="0"/>
-              <a:t>非暴露噪音早晨 </a:t>
-            </a:r>
-            <a:r>
-              <a:rPr lang="en-US" altLang="zh-TW" dirty="0"/>
-              <a:t>– </a:t>
-            </a:r>
-            <a:r>
-              <a:rPr lang="zh-TW" altLang="en-US" dirty="0"/>
-              <a:t>非暴露噪音傍晚</a:t>
-            </a:r>
-            <a:r>
-              <a:rPr lang="en-US" altLang="zh-TW" dirty="0"/>
-              <a:t>)</a:t>
-            </a:r>
-          </a:p>
-          <a:p>
-            <a:endParaRPr lang="en-US" altLang="zh-TW" dirty="0"/>
-          </a:p>
-          <a:p>
-            <a:pPr lvl="1"/>
-            <a:r>
-              <a:rPr lang="zh-TW" altLang="en-US" dirty="0"/>
-              <a:t>預期暴露噪音當天</a:t>
+              <a:t>自身</a:t>
             </a:r>
             <a:r>
               <a:rPr lang="en-US" altLang="zh-TW" dirty="0"/>
@@ -16103,7 +19346,15 @@
             </a:r>
             <a:r>
               <a:rPr lang="zh-TW" altLang="en-US" dirty="0"/>
-              <a:t>可能傍晚就處於相對高點，或睡眠中無法將</a:t>
+              <a:t>變化量來比較睡眠指標</a:t>
+            </a:r>
+            <a:endParaRPr lang="en-US" altLang="zh-TW" dirty="0"/>
+          </a:p>
+          <a:p>
+            <a:pPr lvl="1"/>
+            <a:r>
+              <a:rPr lang="zh-TW" altLang="en-US" dirty="0"/>
+              <a:t>絕對</a:t>
             </a:r>
             <a:r>
               <a:rPr lang="en-US" altLang="zh-TW" dirty="0"/>
@@ -16111,50 +19362,10 @@
             </a:r>
             <a:r>
               <a:rPr lang="zh-TW" altLang="en-US" dirty="0"/>
-              <a:t>拉回早晨高點，因此相減值較小</a:t>
+              <a:t>值來與他人比較睡眠指標</a:t>
             </a:r>
             <a:endParaRPr lang="en-US" altLang="zh-TW" dirty="0"/>
           </a:p>
-          <a:p>
-            <a:pPr lvl="1"/>
-            <a:endParaRPr lang="en-US" altLang="zh-TW" dirty="0"/>
-          </a:p>
-          <a:p>
-            <a:pPr lvl="1"/>
-            <a:r>
-              <a:rPr lang="zh-TW" altLang="en-US" dirty="0"/>
-              <a:t>預期非暴露噪音當天</a:t>
-            </a:r>
-            <a:r>
-              <a:rPr lang="en-US" altLang="zh-TW" dirty="0"/>
-              <a:t>cortisol</a:t>
-            </a:r>
-            <a:r>
-              <a:rPr lang="zh-TW" altLang="en-US" dirty="0"/>
-              <a:t>數值較為正常，傍晚進入低點，早晨進入高點，因此相減值較大</a:t>
-            </a:r>
-            <a:endParaRPr lang="en-US" altLang="zh-TW" dirty="0"/>
-          </a:p>
-          <a:p>
-            <a:pPr lvl="1"/>
-            <a:endParaRPr lang="en-US" altLang="zh-TW" dirty="0"/>
-          </a:p>
-          <a:p>
-            <a:pPr lvl="1"/>
-            <a:r>
-              <a:rPr lang="zh-TW" altLang="en-US" dirty="0"/>
-              <a:t>兩者相減後得到此人的噪音非噪音變化值，可以假設數值越偏離</a:t>
-            </a:r>
-            <a:r>
-              <a:rPr lang="en-US" altLang="zh-TW" dirty="0"/>
-              <a:t>0</a:t>
-            </a:r>
-            <a:r>
-              <a:rPr lang="zh-TW" altLang="en-US" dirty="0"/>
-              <a:t>者，受噪音的影響程度越大</a:t>
-            </a:r>
-            <a:endParaRPr lang="en-US" altLang="zh-TW" dirty="0"/>
-          </a:p>
         </p:txBody>
       </p:sp>
       <p:sp>
@@ -16162,7 +19373,7 @@
           <p:cNvPr id="4" name="投影片編號版面配置區 3">
             <a:extLst>
               <a:ext uri="{FF2B5EF4-FFF2-40B4-BE49-F238E27FC236}">
-                <a16:creationId xmlns:a16="http://schemas.microsoft.com/office/drawing/2014/main" id="{D217FF9E-DF46-405A-901B-A8E73E5A36FF}"/>
+                <a16:creationId xmlns:a16="http://schemas.microsoft.com/office/drawing/2014/main" id="{496F6954-B153-46DB-AA53-EE0BB87ED4A7}"/>
               </a:ext>
             </a:extLst>
           </p:cNvPr>
@@ -16189,7 +19400,7 @@
     </p:spTree>
     <p:extLst>
       <p:ext uri="{BB962C8B-B14F-4D97-AF65-F5344CB8AC3E}">
-        <p14:creationId xmlns:p14="http://schemas.microsoft.com/office/powerpoint/2010/main" val="2206379915"/>
+        <p14:creationId xmlns:p14="http://schemas.microsoft.com/office/powerpoint/2010/main" val="1493893988"/>
       </p:ext>
     </p:extLst>
   </p:cSld>
@@ -16221,7 +19432,7 @@
           <p:cNvPr id="2" name="標題 1">
             <a:extLst>
               <a:ext uri="{FF2B5EF4-FFF2-40B4-BE49-F238E27FC236}">
-                <a16:creationId xmlns:a16="http://schemas.microsoft.com/office/drawing/2014/main" id="{34622B3B-BE12-4C8B-AB8A-34D5B7C9390A}"/>
+                <a16:creationId xmlns:a16="http://schemas.microsoft.com/office/drawing/2014/main" id="{AF2CE65F-EB53-4137-B435-2FC1BC8822D6}"/>
               </a:ext>
             </a:extLst>
           </p:cNvPr>
@@ -16257,7 +19468,7 @@
           <p:cNvPr id="3" name="內容版面配置區 2">
             <a:extLst>
               <a:ext uri="{FF2B5EF4-FFF2-40B4-BE49-F238E27FC236}">
-                <a16:creationId xmlns:a16="http://schemas.microsoft.com/office/drawing/2014/main" id="{ED5F113D-D4A8-4017-AC17-D6A9DB70C549}"/>
+                <a16:creationId xmlns:a16="http://schemas.microsoft.com/office/drawing/2014/main" id="{AE711BF1-F012-419C-AC92-AAB4AA8E30CE}"/>
               </a:ext>
             </a:extLst>
           </p:cNvPr>
@@ -16274,8 +19485,58 @@
           <a:lstStyle/>
           <a:p>
             <a:r>
+              <a:rPr lang="en-US" altLang="zh-TW" dirty="0"/>
+              <a:t>(</a:t>
+            </a:r>
+            <a:r>
               <a:rPr lang="zh-TW" altLang="en-US" dirty="0"/>
-              <a:t>預期暴露噪音的</a:t>
+              <a:t>暴露噪音早晨 </a:t>
+            </a:r>
+            <a:r>
+              <a:rPr lang="en-US" altLang="zh-TW" dirty="0"/>
+              <a:t>- </a:t>
+            </a:r>
+            <a:r>
+              <a:rPr lang="zh-TW" altLang="en-US" dirty="0"/>
+              <a:t>暴露噪音傍晚</a:t>
+            </a:r>
+            <a:r>
+              <a:rPr lang="en-US" altLang="zh-TW" dirty="0"/>
+              <a:t>)</a:t>
+            </a:r>
+            <a:r>
+              <a:rPr lang="zh-TW" altLang="en-US" dirty="0"/>
+              <a:t> </a:t>
+            </a:r>
+            <a:r>
+              <a:rPr lang="en-US" altLang="zh-TW" dirty="0"/>
+              <a:t>– (</a:t>
+            </a:r>
+            <a:r>
+              <a:rPr lang="zh-TW" altLang="en-US" dirty="0"/>
+              <a:t>非暴露噪音早晨 </a:t>
+            </a:r>
+            <a:r>
+              <a:rPr lang="en-US" altLang="zh-TW" dirty="0"/>
+              <a:t>– </a:t>
+            </a:r>
+            <a:r>
+              <a:rPr lang="zh-TW" altLang="en-US" dirty="0"/>
+              <a:t>非暴露噪音傍晚</a:t>
+            </a:r>
+            <a:r>
+              <a:rPr lang="en-US" altLang="zh-TW" dirty="0"/>
+              <a:t>)</a:t>
+            </a:r>
+          </a:p>
+          <a:p>
+            <a:endParaRPr lang="en-US" altLang="zh-TW" dirty="0"/>
+          </a:p>
+          <a:p>
+            <a:pPr lvl="1"/>
+            <a:r>
+              <a:rPr lang="zh-TW" altLang="en-US" dirty="0"/>
+              <a:t>預期暴露噪音當天</a:t>
             </a:r>
             <a:r>
               <a:rPr lang="en-US" altLang="zh-TW" dirty="0"/>
@@ -16283,7 +19544,7 @@
             </a:r>
             <a:r>
               <a:rPr lang="zh-TW" altLang="en-US" dirty="0"/>
-              <a:t>變化量應該要較小，而非暴露噪音的</a:t>
+              <a:t>可能傍晚就處於相對高點，或睡眠中無法將</a:t>
             </a:r>
             <a:r>
               <a:rPr lang="en-US" altLang="zh-TW" dirty="0"/>
@@ -16291,7 +19552,39 @@
             </a:r>
             <a:r>
               <a:rPr lang="zh-TW" altLang="en-US" dirty="0"/>
-              <a:t>變化量應該要較大，但結果顯示大部分的人數值皆在</a:t>
+              <a:t>拉回早晨高點，因此相減值較小</a:t>
+            </a:r>
+            <a:endParaRPr lang="en-US" altLang="zh-TW" dirty="0"/>
+          </a:p>
+          <a:p>
+            <a:pPr lvl="1"/>
+            <a:endParaRPr lang="en-US" altLang="zh-TW" dirty="0"/>
+          </a:p>
+          <a:p>
+            <a:pPr lvl="1"/>
+            <a:r>
+              <a:rPr lang="zh-TW" altLang="en-US" dirty="0"/>
+              <a:t>預期非暴露噪音當天</a:t>
+            </a:r>
+            <a:r>
+              <a:rPr lang="en-US" altLang="zh-TW" dirty="0"/>
+              <a:t>cortisol</a:t>
+            </a:r>
+            <a:r>
+              <a:rPr lang="zh-TW" altLang="en-US" dirty="0"/>
+              <a:t>數值較為正常，傍晚進入低點，早晨進入高點，因此相減值較大</a:t>
+            </a:r>
+            <a:endParaRPr lang="en-US" altLang="zh-TW" dirty="0"/>
+          </a:p>
+          <a:p>
+            <a:pPr lvl="1"/>
+            <a:endParaRPr lang="en-US" altLang="zh-TW" dirty="0"/>
+          </a:p>
+          <a:p>
+            <a:pPr lvl="1"/>
+            <a:r>
+              <a:rPr lang="zh-TW" altLang="en-US" dirty="0"/>
+              <a:t>兩者相減後得到此人的噪音非噪音變化值，可以假設數值越偏離</a:t>
             </a:r>
             <a:r>
               <a:rPr lang="en-US" altLang="zh-TW" dirty="0"/>
@@ -16299,8 +19592,9 @@
             </a:r>
             <a:r>
               <a:rPr lang="zh-TW" altLang="en-US" dirty="0"/>
-              <a:t>以上</a:t>
-            </a:r>
+              <a:t>者，受噪音的影響程度越大</a:t>
+            </a:r>
+            <a:endParaRPr lang="en-US" altLang="zh-TW" dirty="0"/>
           </a:p>
         </p:txBody>
       </p:sp>
@@ -16309,7 +19603,7 @@
           <p:cNvPr id="4" name="投影片編號版面配置區 3">
             <a:extLst>
               <a:ext uri="{FF2B5EF4-FFF2-40B4-BE49-F238E27FC236}">
-                <a16:creationId xmlns:a16="http://schemas.microsoft.com/office/drawing/2014/main" id="{0AD7327E-B8B4-4730-AC06-7E23F4833613}"/>
+                <a16:creationId xmlns:a16="http://schemas.microsoft.com/office/drawing/2014/main" id="{D217FF9E-DF46-405A-901B-A8E73E5A36FF}"/>
               </a:ext>
             </a:extLst>
           </p:cNvPr>
@@ -16333,40 +19627,10 @@
           </a:p>
         </p:txBody>
       </p:sp>
-      <p:pic>
-        <p:nvPicPr>
-          <p:cNvPr id="8" name="圖片 7">
-            <a:extLst>
-              <a:ext uri="{FF2B5EF4-FFF2-40B4-BE49-F238E27FC236}">
-                <a16:creationId xmlns:a16="http://schemas.microsoft.com/office/drawing/2014/main" id="{BDAAA4BA-F7F5-47A6-B594-5168F6870665}"/>
-              </a:ext>
-            </a:extLst>
-          </p:cNvPr>
-          <p:cNvPicPr>
-            <a:picLocks noChangeAspect="1"/>
-          </p:cNvPicPr>
-          <p:nvPr/>
-        </p:nvPicPr>
-        <p:blipFill>
-          <a:blip r:embed="rId2"/>
-          <a:stretch>
-            <a:fillRect/>
-          </a:stretch>
-        </p:blipFill>
-        <p:spPr>
-          <a:xfrm>
-            <a:off x="0" y="2730092"/>
-            <a:ext cx="12192000" cy="2951571"/>
-          </a:xfrm>
-          <a:prstGeom prst="rect">
-            <a:avLst/>
-          </a:prstGeom>
-        </p:spPr>
-      </p:pic>
     </p:spTree>
     <p:extLst>
       <p:ext uri="{BB962C8B-B14F-4D97-AF65-F5344CB8AC3E}">
-        <p14:creationId xmlns:p14="http://schemas.microsoft.com/office/powerpoint/2010/main" val="989824843"/>
+        <p14:creationId xmlns:p14="http://schemas.microsoft.com/office/powerpoint/2010/main" val="2206379915"/>
       </p:ext>
     </p:extLst>
   </p:cSld>

--- a/20210804_REM分析.pptx
+++ b/20210804_REM分析.pptx
@@ -230,7 +230,7 @@
           <a:p>
             <a:fld id="{61C76E1B-E228-429A-ABE7-09AA4AD7327C}" type="datetimeFigureOut">
               <a:rPr lang="zh-TW" altLang="en-US" smtClean="0"/>
-              <a:t>2021/8/4</a:t>
+              <a:t>2021/8/7</a:t>
             </a:fld>
             <a:endParaRPr lang="zh-TW" altLang="en-US"/>
           </a:p>
@@ -766,7 +766,7 @@
           <a:p>
             <a:fld id="{FCF6783C-4B54-4D72-A1A7-A087B316A3B8}" type="datetime1">
               <a:rPr lang="zh-TW" altLang="en-US" smtClean="0"/>
-              <a:t>2021/8/4</a:t>
+              <a:t>2021/8/7</a:t>
             </a:fld>
             <a:endParaRPr lang="zh-TW" altLang="en-US"/>
           </a:p>
@@ -1034,7 +1034,7 @@
           <a:p>
             <a:fld id="{D1ED406B-07A6-44BF-906E-0E6F2225B991}" type="datetime1">
               <a:rPr lang="zh-TW" altLang="en-US" smtClean="0"/>
-              <a:t>2021/8/4</a:t>
+              <a:t>2021/8/7</a:t>
             </a:fld>
             <a:endParaRPr lang="zh-TW" altLang="en-US"/>
           </a:p>
@@ -1242,7 +1242,7 @@
           <a:p>
             <a:fld id="{4855A211-7B8B-40E6-8051-77D0F92598CB}" type="datetime1">
               <a:rPr lang="zh-TW" altLang="en-US" smtClean="0"/>
-              <a:t>2021/8/4</a:t>
+              <a:t>2021/8/7</a:t>
             </a:fld>
             <a:endParaRPr lang="zh-TW" altLang="en-US"/>
           </a:p>
@@ -1439,7 +1439,7 @@
           <a:p>
             <a:fld id="{607AB6BC-4133-47A1-955B-86DB465411C3}" type="datetime1">
               <a:rPr lang="zh-TW" altLang="en-US" smtClean="0"/>
-              <a:t>2021/8/4</a:t>
+              <a:t>2021/8/7</a:t>
             </a:fld>
             <a:endParaRPr lang="zh-TW" altLang="en-US"/>
           </a:p>
@@ -1924,7 +1924,7 @@
           <a:p>
             <a:fld id="{063DD569-35D5-40ED-99FD-76D2F54A9038}" type="datetime1">
               <a:rPr lang="zh-TW" altLang="en-US" smtClean="0"/>
-              <a:t>2021/8/4</a:t>
+              <a:t>2021/8/7</a:t>
             </a:fld>
             <a:endParaRPr lang="zh-TW" altLang="en-US"/>
           </a:p>
@@ -2189,7 +2189,7 @@
           <a:p>
             <a:fld id="{753AB039-4F1A-4616-B8B5-F977F76AB712}" type="datetime1">
               <a:rPr lang="zh-TW" altLang="en-US" smtClean="0"/>
-              <a:t>2021/8/4</a:t>
+              <a:t>2021/8/7</a:t>
             </a:fld>
             <a:endParaRPr lang="zh-TW" altLang="en-US"/>
           </a:p>
@@ -2601,7 +2601,7 @@
           <a:p>
             <a:fld id="{AEEA35C1-5758-4143-A641-B2D8C25FD431}" type="datetime1">
               <a:rPr lang="zh-TW" altLang="en-US" smtClean="0"/>
-              <a:t>2021/8/4</a:t>
+              <a:t>2021/8/7</a:t>
             </a:fld>
             <a:endParaRPr lang="zh-TW" altLang="en-US"/>
           </a:p>
@@ -2742,7 +2742,7 @@
           <a:p>
             <a:fld id="{60EC041C-EC38-4789-9350-644DCCF8A061}" type="datetime1">
               <a:rPr lang="zh-TW" altLang="en-US" smtClean="0"/>
-              <a:t>2021/8/4</a:t>
+              <a:t>2021/8/7</a:t>
             </a:fld>
             <a:endParaRPr lang="zh-TW" altLang="en-US"/>
           </a:p>
@@ -2855,7 +2855,7 @@
           <a:p>
             <a:fld id="{7223D8F3-4ECC-4891-A5C4-0D72C29D1563}" type="datetime1">
               <a:rPr lang="zh-TW" altLang="en-US" smtClean="0"/>
-              <a:t>2021/8/4</a:t>
+              <a:t>2021/8/7</a:t>
             </a:fld>
             <a:endParaRPr lang="zh-TW" altLang="en-US"/>
           </a:p>
@@ -3166,7 +3166,7 @@
           <a:p>
             <a:fld id="{F2649D45-65D8-4A22-BC50-ED872CAB048D}" type="datetime1">
               <a:rPr lang="zh-TW" altLang="en-US" smtClean="0"/>
-              <a:t>2021/8/4</a:t>
+              <a:t>2021/8/7</a:t>
             </a:fld>
             <a:endParaRPr lang="zh-TW" altLang="en-US"/>
           </a:p>
@@ -3454,7 +3454,7 @@
           <a:p>
             <a:fld id="{0ABBE3BD-5EE8-423F-AC10-4B07DD1F877C}" type="datetime1">
               <a:rPr lang="zh-TW" altLang="en-US" smtClean="0"/>
-              <a:t>2021/8/4</a:t>
+              <a:t>2021/8/7</a:t>
             </a:fld>
             <a:endParaRPr lang="zh-TW" altLang="en-US"/>
           </a:p>
@@ -3695,7 +3695,7 @@
           <a:p>
             <a:fld id="{DCE92120-7A61-4EBE-8DC9-30D2102A9B6B}" type="datetime1">
               <a:rPr lang="zh-TW" altLang="en-US" smtClean="0"/>
-              <a:t>2021/8/4</a:t>
+              <a:t>2021/8/7</a:t>
             </a:fld>
             <a:endParaRPr lang="zh-TW" altLang="en-US"/>
           </a:p>
@@ -4427,7 +4427,7 @@
         </p:nvCxnSpPr>
         <p:spPr>
           <a:xfrm flipV="1">
-            <a:off x="6086475" y="3584360"/>
+            <a:off x="6214294" y="3610843"/>
             <a:ext cx="0" cy="1921090"/>
           </a:xfrm>
           <a:prstGeom prst="line">
@@ -4468,7 +4468,7 @@
         </p:nvSpPr>
         <p:spPr>
           <a:xfrm>
-            <a:off x="6105526" y="3610843"/>
+            <a:off x="6214294" y="3610843"/>
             <a:ext cx="1181095" cy="276999"/>
           </a:xfrm>
           <a:prstGeom prst="rect">
@@ -10728,7 +10728,7 @@
           <a:p>
             <a:r>
               <a:rPr lang="zh-TW" altLang="en-US" dirty="0"/>
-              <a:t>睡眠指標</a:t>
+              <a:t>此分析使用的睡眠指標</a:t>
             </a:r>
           </a:p>
         </p:txBody>
@@ -13296,7 +13296,7 @@
             </a:r>
             <a:r>
               <a:rPr lang="zh-TW" altLang="en-US" dirty="0"/>
-              <a:t>早晚差值在暴露下較小</a:t>
+              <a:t>暴露下恢復力高</a:t>
             </a:r>
             <a:r>
               <a:rPr lang="en-US" altLang="zh-TW" dirty="0"/>
@@ -13516,7 +13516,7 @@
             </a:r>
             <a:r>
               <a:rPr lang="zh-TW" altLang="en-US" dirty="0"/>
-              <a:t>早晚差值在暴露下較大</a:t>
+              <a:t>非暴露下恢復力高</a:t>
             </a:r>
             <a:r>
               <a:rPr lang="en-US" altLang="zh-TW" dirty="0"/>
@@ -15639,7 +15639,7 @@
             </a:r>
             <a:r>
               <a:rPr lang="zh-TW" altLang="en-US" dirty="0"/>
-              <a:t>早晚差值在暴露下較小</a:t>
+              <a:t>暴露下恢復力高</a:t>
             </a:r>
             <a:r>
               <a:rPr lang="en-US" altLang="zh-TW" dirty="0"/>
@@ -16235,7 +16235,7 @@
             </a:r>
             <a:r>
               <a:rPr lang="zh-TW" altLang="en-US" dirty="0"/>
-              <a:t>早晚差值在暴露下較大</a:t>
+              <a:t>非暴露下恢復力高</a:t>
             </a:r>
             <a:r>
               <a:rPr lang="en-US" altLang="zh-TW" dirty="0"/>
@@ -16244,639 +16244,6 @@
           </a:p>
         </p:txBody>
       </p:sp>
-      <p:sp>
-        <p:nvSpPr>
-          <p:cNvPr id="10" name="內容版面配置區 2">
-            <a:extLst>
-              <a:ext uri="{FF2B5EF4-FFF2-40B4-BE49-F238E27FC236}">
-                <a16:creationId xmlns:a16="http://schemas.microsoft.com/office/drawing/2014/main" id="{55B88924-D239-403B-8327-40E8C771F9C7}"/>
-              </a:ext>
-            </a:extLst>
-          </p:cNvPr>
-          <p:cNvSpPr txBox="1">
-            <a:spLocks/>
-          </p:cNvSpPr>
-          <p:nvPr/>
-        </p:nvSpPr>
-        <p:spPr>
-          <a:xfrm>
-            <a:off x="6274084" y="4581125"/>
-            <a:ext cx="6600825" cy="2299443"/>
-          </a:xfrm>
-          <a:prstGeom prst="rect">
-            <a:avLst/>
-          </a:prstGeom>
-        </p:spPr>
-        <p:txBody>
-          <a:bodyPr vert="horz" lIns="91440" tIns="45720" rIns="91440" bIns="45720" rtlCol="0">
-            <a:normAutofit/>
-          </a:bodyPr>
-          <a:lstStyle>
-            <a:lvl1pPr marL="0" indent="0" algn="l" defTabSz="914400" rtl="0" eaLnBrk="1" latinLnBrk="0" hangingPunct="1">
-              <a:lnSpc>
-                <a:spcPct val="90000"/>
-              </a:lnSpc>
-              <a:spcBef>
-                <a:spcPts val="1000"/>
-              </a:spcBef>
-              <a:buFontTx/>
-              <a:buNone/>
-              <a:defRPr sz="2400" kern="1200">
-                <a:solidFill>
-                  <a:schemeClr val="tx1"/>
-                </a:solidFill>
-                <a:latin typeface="+mn-lt"/>
-                <a:ea typeface="+mn-ea"/>
-                <a:cs typeface="+mn-cs"/>
-              </a:defRPr>
-            </a:lvl1pPr>
-            <a:lvl2pPr marL="685800" indent="-228600" algn="l" defTabSz="914400" rtl="0" eaLnBrk="1" latinLnBrk="0" hangingPunct="1">
-              <a:lnSpc>
-                <a:spcPct val="90000"/>
-              </a:lnSpc>
-              <a:spcBef>
-                <a:spcPts val="500"/>
-              </a:spcBef>
-              <a:buFont typeface="Arial" panose="020B0604020202020204" pitchFamily="34" charset="0"/>
-              <a:buChar char="•"/>
-              <a:defRPr sz="2400" kern="1200">
-                <a:solidFill>
-                  <a:schemeClr val="tx1"/>
-                </a:solidFill>
-                <a:latin typeface="+mn-lt"/>
-                <a:ea typeface="+mn-ea"/>
-                <a:cs typeface="+mn-cs"/>
-              </a:defRPr>
-            </a:lvl2pPr>
-            <a:lvl3pPr marL="1143000" indent="-228600" algn="l" defTabSz="914400" rtl="0" eaLnBrk="1" latinLnBrk="0" hangingPunct="1">
-              <a:lnSpc>
-                <a:spcPct val="90000"/>
-              </a:lnSpc>
-              <a:spcBef>
-                <a:spcPts val="500"/>
-              </a:spcBef>
-              <a:buFont typeface="Wingdings" panose="05000000000000000000" pitchFamily="2" charset="2"/>
-              <a:buChar char="ü"/>
-              <a:defRPr sz="2000" kern="1200">
-                <a:solidFill>
-                  <a:schemeClr val="tx1"/>
-                </a:solidFill>
-                <a:latin typeface="+mn-lt"/>
-                <a:ea typeface="+mn-ea"/>
-                <a:cs typeface="+mn-cs"/>
-              </a:defRPr>
-            </a:lvl3pPr>
-            <a:lvl4pPr marL="1600200" indent="-228600" algn="l" defTabSz="914400" rtl="0" eaLnBrk="1" latinLnBrk="0" hangingPunct="1">
-              <a:lnSpc>
-                <a:spcPct val="90000"/>
-              </a:lnSpc>
-              <a:spcBef>
-                <a:spcPts val="500"/>
-              </a:spcBef>
-              <a:buFont typeface="Arial" panose="020B0604020202020204" pitchFamily="34" charset="0"/>
-              <a:buChar char="•"/>
-              <a:defRPr sz="1800" kern="1200">
-                <a:solidFill>
-                  <a:schemeClr val="tx1"/>
-                </a:solidFill>
-                <a:latin typeface="+mn-lt"/>
-                <a:ea typeface="+mn-ea"/>
-                <a:cs typeface="+mn-cs"/>
-              </a:defRPr>
-            </a:lvl4pPr>
-            <a:lvl5pPr marL="2057400" indent="-228600" algn="l" defTabSz="914400" rtl="0" eaLnBrk="1" latinLnBrk="0" hangingPunct="1">
-              <a:lnSpc>
-                <a:spcPct val="90000"/>
-              </a:lnSpc>
-              <a:spcBef>
-                <a:spcPts val="500"/>
-              </a:spcBef>
-              <a:buFont typeface="Arial" panose="020B0604020202020204" pitchFamily="34" charset="0"/>
-              <a:buChar char="•"/>
-              <a:defRPr sz="1800" kern="1200">
-                <a:solidFill>
-                  <a:schemeClr val="tx1"/>
-                </a:solidFill>
-                <a:latin typeface="+mn-lt"/>
-                <a:ea typeface="+mn-ea"/>
-                <a:cs typeface="+mn-cs"/>
-              </a:defRPr>
-            </a:lvl5pPr>
-            <a:lvl6pPr marL="2514600" indent="-228600" algn="l" defTabSz="914400" rtl="0" eaLnBrk="1" latinLnBrk="0" hangingPunct="1">
-              <a:lnSpc>
-                <a:spcPct val="90000"/>
-              </a:lnSpc>
-              <a:spcBef>
-                <a:spcPts val="500"/>
-              </a:spcBef>
-              <a:buFont typeface="Arial" panose="020B0604020202020204" pitchFamily="34" charset="0"/>
-              <a:buChar char="•"/>
-              <a:defRPr sz="1800" kern="1200">
-                <a:solidFill>
-                  <a:schemeClr val="tx1"/>
-                </a:solidFill>
-                <a:latin typeface="+mn-lt"/>
-                <a:ea typeface="+mn-ea"/>
-                <a:cs typeface="+mn-cs"/>
-              </a:defRPr>
-            </a:lvl6pPr>
-            <a:lvl7pPr marL="2971800" indent="-228600" algn="l" defTabSz="914400" rtl="0" eaLnBrk="1" latinLnBrk="0" hangingPunct="1">
-              <a:lnSpc>
-                <a:spcPct val="90000"/>
-              </a:lnSpc>
-              <a:spcBef>
-                <a:spcPts val="500"/>
-              </a:spcBef>
-              <a:buFont typeface="Arial" panose="020B0604020202020204" pitchFamily="34" charset="0"/>
-              <a:buChar char="•"/>
-              <a:defRPr sz="1800" kern="1200">
-                <a:solidFill>
-                  <a:schemeClr val="tx1"/>
-                </a:solidFill>
-                <a:latin typeface="+mn-lt"/>
-                <a:ea typeface="+mn-ea"/>
-                <a:cs typeface="+mn-cs"/>
-              </a:defRPr>
-            </a:lvl7pPr>
-            <a:lvl8pPr marL="3429000" indent="-228600" algn="l" defTabSz="914400" rtl="0" eaLnBrk="1" latinLnBrk="0" hangingPunct="1">
-              <a:lnSpc>
-                <a:spcPct val="90000"/>
-              </a:lnSpc>
-              <a:spcBef>
-                <a:spcPts val="500"/>
-              </a:spcBef>
-              <a:buFont typeface="Arial" panose="020B0604020202020204" pitchFamily="34" charset="0"/>
-              <a:buChar char="•"/>
-              <a:defRPr sz="1800" kern="1200">
-                <a:solidFill>
-                  <a:schemeClr val="tx1"/>
-                </a:solidFill>
-                <a:latin typeface="+mn-lt"/>
-                <a:ea typeface="+mn-ea"/>
-                <a:cs typeface="+mn-cs"/>
-              </a:defRPr>
-            </a:lvl8pPr>
-            <a:lvl9pPr marL="3886200" indent="-228600" algn="l" defTabSz="914400" rtl="0" eaLnBrk="1" latinLnBrk="0" hangingPunct="1">
-              <a:lnSpc>
-                <a:spcPct val="90000"/>
-              </a:lnSpc>
-              <a:spcBef>
-                <a:spcPts val="500"/>
-              </a:spcBef>
-              <a:buFont typeface="Arial" panose="020B0604020202020204" pitchFamily="34" charset="0"/>
-              <a:buChar char="•"/>
-              <a:defRPr sz="1800" kern="1200">
-                <a:solidFill>
-                  <a:schemeClr val="tx1"/>
-                </a:solidFill>
-                <a:latin typeface="+mn-lt"/>
-                <a:ea typeface="+mn-ea"/>
-                <a:cs typeface="+mn-cs"/>
-              </a:defRPr>
-            </a:lvl9pPr>
-          </a:lstStyle>
-          <a:p>
-            <a:pPr indent="-228600"/>
-            <a:r>
-              <a:rPr lang="zh-TW" altLang="en-US" dirty="0"/>
-              <a:t>早晚差值在暴露下較大的情況下</a:t>
-            </a:r>
-            <a:r>
-              <a:rPr lang="en-US" altLang="zh-TW" dirty="0"/>
-              <a:t>:</a:t>
-            </a:r>
-          </a:p>
-          <a:p>
-            <a:pPr lvl="1">
-              <a:lnSpc>
-                <a:spcPct val="100000"/>
-              </a:lnSpc>
-            </a:pPr>
-            <a:r>
-              <a:rPr lang="en-US" altLang="zh-TW" dirty="0">
-                <a:solidFill>
-                  <a:schemeClr val="accent5">
-                    <a:lumMod val="50000"/>
-                  </a:schemeClr>
-                </a:solidFill>
-              </a:rPr>
-              <a:t>REM </a:t>
-            </a:r>
-            <a:r>
-              <a:rPr lang="zh-TW" altLang="en-US" dirty="0">
-                <a:solidFill>
-                  <a:schemeClr val="accent5">
-                    <a:lumMod val="50000"/>
-                  </a:schemeClr>
-                </a:solidFill>
-              </a:rPr>
-              <a:t>總時間有增長的現象</a:t>
-            </a:r>
-            <a:r>
-              <a:rPr lang="en-US" altLang="zh-TW" dirty="0">
-                <a:solidFill>
-                  <a:schemeClr val="accent5">
-                    <a:lumMod val="50000"/>
-                  </a:schemeClr>
-                </a:solidFill>
-              </a:rPr>
-              <a:t>(5.6</a:t>
-            </a:r>
-            <a:r>
-              <a:rPr lang="zh-TW" altLang="en-US" dirty="0">
-                <a:solidFill>
-                  <a:schemeClr val="accent5">
-                    <a:lumMod val="50000"/>
-                  </a:schemeClr>
-                </a:solidFill>
-              </a:rPr>
-              <a:t>分鐘</a:t>
-            </a:r>
-            <a:r>
-              <a:rPr lang="en-US" altLang="zh-TW" dirty="0">
-                <a:solidFill>
-                  <a:schemeClr val="accent5">
-                    <a:lumMod val="50000"/>
-                  </a:schemeClr>
-                </a:solidFill>
-              </a:rPr>
-              <a:t>)</a:t>
-            </a:r>
-          </a:p>
-          <a:p>
-            <a:pPr lvl="1">
-              <a:lnSpc>
-                <a:spcPct val="100000"/>
-              </a:lnSpc>
-            </a:pPr>
-            <a:r>
-              <a:rPr lang="en-US" altLang="zh-TW" dirty="0">
-                <a:solidFill>
-                  <a:schemeClr val="accent5">
-                    <a:lumMod val="50000"/>
-                  </a:schemeClr>
-                </a:solidFill>
-              </a:rPr>
-              <a:t>REM</a:t>
-            </a:r>
-            <a:r>
-              <a:rPr lang="zh-TW" altLang="en-US" dirty="0">
-                <a:solidFill>
-                  <a:schemeClr val="accent5">
-                    <a:lumMod val="50000"/>
-                  </a:schemeClr>
-                </a:solidFill>
-              </a:rPr>
-              <a:t> </a:t>
-            </a:r>
-            <a:r>
-              <a:rPr lang="en-US" altLang="zh-TW" dirty="0">
-                <a:solidFill>
-                  <a:schemeClr val="accent5">
-                    <a:lumMod val="50000"/>
-                  </a:schemeClr>
-                </a:solidFill>
-              </a:rPr>
-              <a:t>latency</a:t>
-            </a:r>
-            <a:r>
-              <a:rPr lang="zh-TW" altLang="en-US" dirty="0">
-                <a:solidFill>
-                  <a:schemeClr val="accent5">
-                    <a:lumMod val="50000"/>
-                  </a:schemeClr>
-                </a:solidFill>
-              </a:rPr>
-              <a:t>有縮短的現象</a:t>
-            </a:r>
-            <a:r>
-              <a:rPr lang="en-US" altLang="zh-TW" dirty="0">
-                <a:solidFill>
-                  <a:schemeClr val="accent5">
-                    <a:lumMod val="50000"/>
-                  </a:schemeClr>
-                </a:solidFill>
-              </a:rPr>
-              <a:t>(10</a:t>
-            </a:r>
-            <a:r>
-              <a:rPr lang="zh-TW" altLang="en-US" dirty="0">
-                <a:solidFill>
-                  <a:schemeClr val="accent5">
-                    <a:lumMod val="50000"/>
-                  </a:schemeClr>
-                </a:solidFill>
-              </a:rPr>
-              <a:t>分鐘</a:t>
-            </a:r>
-            <a:r>
-              <a:rPr lang="en-US" altLang="zh-TW" dirty="0">
-                <a:solidFill>
-                  <a:schemeClr val="accent5">
-                    <a:lumMod val="50000"/>
-                  </a:schemeClr>
-                </a:solidFill>
-              </a:rPr>
-              <a:t>)</a:t>
-            </a:r>
-          </a:p>
-          <a:p>
-            <a:pPr lvl="1">
-              <a:lnSpc>
-                <a:spcPct val="100000"/>
-              </a:lnSpc>
-            </a:pPr>
-            <a:endParaRPr lang="en-US" altLang="zh-TW" dirty="0">
-              <a:solidFill>
-                <a:schemeClr val="accent5">
-                  <a:lumMod val="50000"/>
-                </a:schemeClr>
-              </a:solidFill>
-            </a:endParaRPr>
-          </a:p>
-        </p:txBody>
-      </p:sp>
-      <p:sp>
-        <p:nvSpPr>
-          <p:cNvPr id="11" name="內容版面配置區 2">
-            <a:extLst>
-              <a:ext uri="{FF2B5EF4-FFF2-40B4-BE49-F238E27FC236}">
-                <a16:creationId xmlns:a16="http://schemas.microsoft.com/office/drawing/2014/main" id="{F9D8AE47-3661-4719-A492-218CA1FE37F4}"/>
-              </a:ext>
-            </a:extLst>
-          </p:cNvPr>
-          <p:cNvSpPr txBox="1">
-            <a:spLocks/>
-          </p:cNvSpPr>
-          <p:nvPr/>
-        </p:nvSpPr>
-        <p:spPr>
-          <a:xfrm>
-            <a:off x="720436" y="4602000"/>
-            <a:ext cx="6600825" cy="2299443"/>
-          </a:xfrm>
-          <a:prstGeom prst="rect">
-            <a:avLst/>
-          </a:prstGeom>
-        </p:spPr>
-        <p:txBody>
-          <a:bodyPr vert="horz" lIns="91440" tIns="45720" rIns="91440" bIns="45720" rtlCol="0">
-            <a:normAutofit/>
-          </a:bodyPr>
-          <a:lstStyle>
-            <a:lvl1pPr marL="0" indent="0" algn="l" defTabSz="914400" rtl="0" eaLnBrk="1" latinLnBrk="0" hangingPunct="1">
-              <a:lnSpc>
-                <a:spcPct val="90000"/>
-              </a:lnSpc>
-              <a:spcBef>
-                <a:spcPts val="1000"/>
-              </a:spcBef>
-              <a:buFontTx/>
-              <a:buNone/>
-              <a:defRPr sz="2400" kern="1200">
-                <a:solidFill>
-                  <a:schemeClr val="tx1"/>
-                </a:solidFill>
-                <a:latin typeface="+mn-lt"/>
-                <a:ea typeface="+mn-ea"/>
-                <a:cs typeface="+mn-cs"/>
-              </a:defRPr>
-            </a:lvl1pPr>
-            <a:lvl2pPr marL="685800" indent="-228600" algn="l" defTabSz="914400" rtl="0" eaLnBrk="1" latinLnBrk="0" hangingPunct="1">
-              <a:lnSpc>
-                <a:spcPct val="90000"/>
-              </a:lnSpc>
-              <a:spcBef>
-                <a:spcPts val="500"/>
-              </a:spcBef>
-              <a:buFont typeface="Arial" panose="020B0604020202020204" pitchFamily="34" charset="0"/>
-              <a:buChar char="•"/>
-              <a:defRPr sz="2400" kern="1200">
-                <a:solidFill>
-                  <a:schemeClr val="tx1"/>
-                </a:solidFill>
-                <a:latin typeface="+mn-lt"/>
-                <a:ea typeface="+mn-ea"/>
-                <a:cs typeface="+mn-cs"/>
-              </a:defRPr>
-            </a:lvl2pPr>
-            <a:lvl3pPr marL="1143000" indent="-228600" algn="l" defTabSz="914400" rtl="0" eaLnBrk="1" latinLnBrk="0" hangingPunct="1">
-              <a:lnSpc>
-                <a:spcPct val="90000"/>
-              </a:lnSpc>
-              <a:spcBef>
-                <a:spcPts val="500"/>
-              </a:spcBef>
-              <a:buFont typeface="Wingdings" panose="05000000000000000000" pitchFamily="2" charset="2"/>
-              <a:buChar char="ü"/>
-              <a:defRPr sz="2000" kern="1200">
-                <a:solidFill>
-                  <a:schemeClr val="tx1"/>
-                </a:solidFill>
-                <a:latin typeface="+mn-lt"/>
-                <a:ea typeface="+mn-ea"/>
-                <a:cs typeface="+mn-cs"/>
-              </a:defRPr>
-            </a:lvl3pPr>
-            <a:lvl4pPr marL="1600200" indent="-228600" algn="l" defTabSz="914400" rtl="0" eaLnBrk="1" latinLnBrk="0" hangingPunct="1">
-              <a:lnSpc>
-                <a:spcPct val="90000"/>
-              </a:lnSpc>
-              <a:spcBef>
-                <a:spcPts val="500"/>
-              </a:spcBef>
-              <a:buFont typeface="Arial" panose="020B0604020202020204" pitchFamily="34" charset="0"/>
-              <a:buChar char="•"/>
-              <a:defRPr sz="1800" kern="1200">
-                <a:solidFill>
-                  <a:schemeClr val="tx1"/>
-                </a:solidFill>
-                <a:latin typeface="+mn-lt"/>
-                <a:ea typeface="+mn-ea"/>
-                <a:cs typeface="+mn-cs"/>
-              </a:defRPr>
-            </a:lvl4pPr>
-            <a:lvl5pPr marL="2057400" indent="-228600" algn="l" defTabSz="914400" rtl="0" eaLnBrk="1" latinLnBrk="0" hangingPunct="1">
-              <a:lnSpc>
-                <a:spcPct val="90000"/>
-              </a:lnSpc>
-              <a:spcBef>
-                <a:spcPts val="500"/>
-              </a:spcBef>
-              <a:buFont typeface="Arial" panose="020B0604020202020204" pitchFamily="34" charset="0"/>
-              <a:buChar char="•"/>
-              <a:defRPr sz="1800" kern="1200">
-                <a:solidFill>
-                  <a:schemeClr val="tx1"/>
-                </a:solidFill>
-                <a:latin typeface="+mn-lt"/>
-                <a:ea typeface="+mn-ea"/>
-                <a:cs typeface="+mn-cs"/>
-              </a:defRPr>
-            </a:lvl5pPr>
-            <a:lvl6pPr marL="2514600" indent="-228600" algn="l" defTabSz="914400" rtl="0" eaLnBrk="1" latinLnBrk="0" hangingPunct="1">
-              <a:lnSpc>
-                <a:spcPct val="90000"/>
-              </a:lnSpc>
-              <a:spcBef>
-                <a:spcPts val="500"/>
-              </a:spcBef>
-              <a:buFont typeface="Arial" panose="020B0604020202020204" pitchFamily="34" charset="0"/>
-              <a:buChar char="•"/>
-              <a:defRPr sz="1800" kern="1200">
-                <a:solidFill>
-                  <a:schemeClr val="tx1"/>
-                </a:solidFill>
-                <a:latin typeface="+mn-lt"/>
-                <a:ea typeface="+mn-ea"/>
-                <a:cs typeface="+mn-cs"/>
-              </a:defRPr>
-            </a:lvl6pPr>
-            <a:lvl7pPr marL="2971800" indent="-228600" algn="l" defTabSz="914400" rtl="0" eaLnBrk="1" latinLnBrk="0" hangingPunct="1">
-              <a:lnSpc>
-                <a:spcPct val="90000"/>
-              </a:lnSpc>
-              <a:spcBef>
-                <a:spcPts val="500"/>
-              </a:spcBef>
-              <a:buFont typeface="Arial" panose="020B0604020202020204" pitchFamily="34" charset="0"/>
-              <a:buChar char="•"/>
-              <a:defRPr sz="1800" kern="1200">
-                <a:solidFill>
-                  <a:schemeClr val="tx1"/>
-                </a:solidFill>
-                <a:latin typeface="+mn-lt"/>
-                <a:ea typeface="+mn-ea"/>
-                <a:cs typeface="+mn-cs"/>
-              </a:defRPr>
-            </a:lvl7pPr>
-            <a:lvl8pPr marL="3429000" indent="-228600" algn="l" defTabSz="914400" rtl="0" eaLnBrk="1" latinLnBrk="0" hangingPunct="1">
-              <a:lnSpc>
-                <a:spcPct val="90000"/>
-              </a:lnSpc>
-              <a:spcBef>
-                <a:spcPts val="500"/>
-              </a:spcBef>
-              <a:buFont typeface="Arial" panose="020B0604020202020204" pitchFamily="34" charset="0"/>
-              <a:buChar char="•"/>
-              <a:defRPr sz="1800" kern="1200">
-                <a:solidFill>
-                  <a:schemeClr val="tx1"/>
-                </a:solidFill>
-                <a:latin typeface="+mn-lt"/>
-                <a:ea typeface="+mn-ea"/>
-                <a:cs typeface="+mn-cs"/>
-              </a:defRPr>
-            </a:lvl8pPr>
-            <a:lvl9pPr marL="3886200" indent="-228600" algn="l" defTabSz="914400" rtl="0" eaLnBrk="1" latinLnBrk="0" hangingPunct="1">
-              <a:lnSpc>
-                <a:spcPct val="90000"/>
-              </a:lnSpc>
-              <a:spcBef>
-                <a:spcPts val="500"/>
-              </a:spcBef>
-              <a:buFont typeface="Arial" panose="020B0604020202020204" pitchFamily="34" charset="0"/>
-              <a:buChar char="•"/>
-              <a:defRPr sz="1800" kern="1200">
-                <a:solidFill>
-                  <a:schemeClr val="tx1"/>
-                </a:solidFill>
-                <a:latin typeface="+mn-lt"/>
-                <a:ea typeface="+mn-ea"/>
-                <a:cs typeface="+mn-cs"/>
-              </a:defRPr>
-            </a:lvl9pPr>
-          </a:lstStyle>
-          <a:p>
-            <a:pPr indent="-228600"/>
-            <a:r>
-              <a:rPr lang="zh-TW" altLang="en-US" dirty="0"/>
-              <a:t>早晚差值在暴露下較小的情況下</a:t>
-            </a:r>
-            <a:r>
-              <a:rPr lang="en-US" altLang="zh-TW" dirty="0"/>
-              <a:t>:</a:t>
-            </a:r>
-          </a:p>
-          <a:p>
-            <a:pPr lvl="1">
-              <a:lnSpc>
-                <a:spcPct val="100000"/>
-              </a:lnSpc>
-            </a:pPr>
-            <a:r>
-              <a:rPr lang="en-US" altLang="zh-TW" dirty="0">
-                <a:solidFill>
-                  <a:schemeClr val="accent5">
-                    <a:lumMod val="50000"/>
-                  </a:schemeClr>
-                </a:solidFill>
-              </a:rPr>
-              <a:t>REM density</a:t>
-            </a:r>
-            <a:r>
-              <a:rPr lang="zh-TW" altLang="en-US" dirty="0">
-                <a:solidFill>
-                  <a:schemeClr val="accent5">
-                    <a:lumMod val="50000"/>
-                  </a:schemeClr>
-                </a:solidFill>
-              </a:rPr>
-              <a:t>有減少的現象</a:t>
-            </a:r>
-            <a:endParaRPr lang="en-US" altLang="zh-TW" dirty="0">
-              <a:solidFill>
-                <a:schemeClr val="accent5">
-                  <a:lumMod val="50000"/>
-                </a:schemeClr>
-              </a:solidFill>
-            </a:endParaRPr>
-          </a:p>
-        </p:txBody>
-      </p:sp>
-      <p:cxnSp>
-        <p:nvCxnSpPr>
-          <p:cNvPr id="13" name="直線接點 12">
-            <a:extLst>
-              <a:ext uri="{FF2B5EF4-FFF2-40B4-BE49-F238E27FC236}">
-                <a16:creationId xmlns:a16="http://schemas.microsoft.com/office/drawing/2014/main" id="{EEB5D3B9-847A-43D9-A721-EF1F27E0E1AA}"/>
-              </a:ext>
-            </a:extLst>
-          </p:cNvPr>
-          <p:cNvCxnSpPr>
-            <a:cxnSpLocks/>
-          </p:cNvCxnSpPr>
-          <p:nvPr/>
-        </p:nvCxnSpPr>
-        <p:spPr>
-          <a:xfrm>
-            <a:off x="7038975" y="5857875"/>
-            <a:ext cx="4670993" cy="0"/>
-          </a:xfrm>
-          <a:prstGeom prst="line">
-            <a:avLst/>
-          </a:prstGeom>
-          <a:ln w="28575">
-            <a:solidFill>
-              <a:srgbClr val="FF0000"/>
-            </a:solidFill>
-          </a:ln>
-        </p:spPr>
-        <p:style>
-          <a:lnRef idx="1">
-            <a:schemeClr val="accent1"/>
-          </a:lnRef>
-          <a:fillRef idx="0">
-            <a:schemeClr val="accent1"/>
-          </a:fillRef>
-          <a:effectRef idx="0">
-            <a:schemeClr val="accent1"/>
-          </a:effectRef>
-          <a:fontRef idx="minor">
-            <a:schemeClr val="tx1"/>
-          </a:fontRef>
-        </p:style>
-      </p:cxnSp>
     </p:spTree>
     <p:extLst>
       <p:ext uri="{BB962C8B-B14F-4D97-AF65-F5344CB8AC3E}">
@@ -17528,7 +16895,7 @@
             </a:r>
             <a:r>
               <a:rPr lang="zh-TW" altLang="en-US" dirty="0"/>
-              <a:t>早晚差值在暴露下較小</a:t>
+              <a:t>暴露下恢復力高</a:t>
             </a:r>
             <a:r>
               <a:rPr lang="en-US" altLang="zh-TW" dirty="0"/>
@@ -17756,7 +17123,7 @@
             </a:r>
             <a:r>
               <a:rPr lang="zh-TW" altLang="en-US" dirty="0"/>
-              <a:t>早晚差值在暴露下較大</a:t>
+              <a:t>非暴露下恢復力高</a:t>
             </a:r>
             <a:r>
               <a:rPr lang="en-US" altLang="zh-TW" dirty="0"/>
@@ -19553,7 +18920,7 @@
             </a:r>
             <a:r>
               <a:rPr lang="zh-TW" altLang="en-US" dirty="0"/>
-              <a:t>早晚差值在暴露下較小</a:t>
+              <a:t>暴露下恢復力高</a:t>
             </a:r>
             <a:r>
               <a:rPr lang="en-US" altLang="zh-TW" dirty="0"/>
@@ -20157,7 +19524,7 @@
             </a:r>
             <a:r>
               <a:rPr lang="zh-TW" altLang="en-US" dirty="0"/>
-              <a:t>早晚差值在暴露下較大</a:t>
+              <a:t>非暴露下恢復力高</a:t>
             </a:r>
             <a:r>
               <a:rPr lang="en-US" altLang="zh-TW" dirty="0"/>
@@ -20166,625 +19533,6 @@
           </a:p>
         </p:txBody>
       </p:sp>
-      <p:sp>
-        <p:nvSpPr>
-          <p:cNvPr id="11" name="內容版面配置區 2">
-            <a:extLst>
-              <a:ext uri="{FF2B5EF4-FFF2-40B4-BE49-F238E27FC236}">
-                <a16:creationId xmlns:a16="http://schemas.microsoft.com/office/drawing/2014/main" id="{BE4CBB58-3400-4D12-9A14-B7EC2B9B1171}"/>
-              </a:ext>
-            </a:extLst>
-          </p:cNvPr>
-          <p:cNvSpPr txBox="1">
-            <a:spLocks/>
-          </p:cNvSpPr>
-          <p:nvPr/>
-        </p:nvSpPr>
-        <p:spPr>
-          <a:xfrm>
-            <a:off x="6274084" y="4581125"/>
-            <a:ext cx="6600825" cy="2299443"/>
-          </a:xfrm>
-          <a:prstGeom prst="rect">
-            <a:avLst/>
-          </a:prstGeom>
-        </p:spPr>
-        <p:txBody>
-          <a:bodyPr vert="horz" lIns="91440" tIns="45720" rIns="91440" bIns="45720" rtlCol="0">
-            <a:normAutofit/>
-          </a:bodyPr>
-          <a:lstStyle>
-            <a:lvl1pPr marL="0" indent="0" algn="l" defTabSz="914400" rtl="0" eaLnBrk="1" latinLnBrk="0" hangingPunct="1">
-              <a:lnSpc>
-                <a:spcPct val="90000"/>
-              </a:lnSpc>
-              <a:spcBef>
-                <a:spcPts val="1000"/>
-              </a:spcBef>
-              <a:buFontTx/>
-              <a:buNone/>
-              <a:defRPr sz="2400" kern="1200">
-                <a:solidFill>
-                  <a:schemeClr val="tx1"/>
-                </a:solidFill>
-                <a:latin typeface="+mn-lt"/>
-                <a:ea typeface="+mn-ea"/>
-                <a:cs typeface="+mn-cs"/>
-              </a:defRPr>
-            </a:lvl1pPr>
-            <a:lvl2pPr marL="685800" indent="-228600" algn="l" defTabSz="914400" rtl="0" eaLnBrk="1" latinLnBrk="0" hangingPunct="1">
-              <a:lnSpc>
-                <a:spcPct val="90000"/>
-              </a:lnSpc>
-              <a:spcBef>
-                <a:spcPts val="500"/>
-              </a:spcBef>
-              <a:buFont typeface="Arial" panose="020B0604020202020204" pitchFamily="34" charset="0"/>
-              <a:buChar char="•"/>
-              <a:defRPr sz="2400" kern="1200">
-                <a:solidFill>
-                  <a:schemeClr val="tx1"/>
-                </a:solidFill>
-                <a:latin typeface="+mn-lt"/>
-                <a:ea typeface="+mn-ea"/>
-                <a:cs typeface="+mn-cs"/>
-              </a:defRPr>
-            </a:lvl2pPr>
-            <a:lvl3pPr marL="1143000" indent="-228600" algn="l" defTabSz="914400" rtl="0" eaLnBrk="1" latinLnBrk="0" hangingPunct="1">
-              <a:lnSpc>
-                <a:spcPct val="90000"/>
-              </a:lnSpc>
-              <a:spcBef>
-                <a:spcPts val="500"/>
-              </a:spcBef>
-              <a:buFont typeface="Wingdings" panose="05000000000000000000" pitchFamily="2" charset="2"/>
-              <a:buChar char="ü"/>
-              <a:defRPr sz="2000" kern="1200">
-                <a:solidFill>
-                  <a:schemeClr val="tx1"/>
-                </a:solidFill>
-                <a:latin typeface="+mn-lt"/>
-                <a:ea typeface="+mn-ea"/>
-                <a:cs typeface="+mn-cs"/>
-              </a:defRPr>
-            </a:lvl3pPr>
-            <a:lvl4pPr marL="1600200" indent="-228600" algn="l" defTabSz="914400" rtl="0" eaLnBrk="1" latinLnBrk="0" hangingPunct="1">
-              <a:lnSpc>
-                <a:spcPct val="90000"/>
-              </a:lnSpc>
-              <a:spcBef>
-                <a:spcPts val="500"/>
-              </a:spcBef>
-              <a:buFont typeface="Arial" panose="020B0604020202020204" pitchFamily="34" charset="0"/>
-              <a:buChar char="•"/>
-              <a:defRPr sz="1800" kern="1200">
-                <a:solidFill>
-                  <a:schemeClr val="tx1"/>
-                </a:solidFill>
-                <a:latin typeface="+mn-lt"/>
-                <a:ea typeface="+mn-ea"/>
-                <a:cs typeface="+mn-cs"/>
-              </a:defRPr>
-            </a:lvl4pPr>
-            <a:lvl5pPr marL="2057400" indent="-228600" algn="l" defTabSz="914400" rtl="0" eaLnBrk="1" latinLnBrk="0" hangingPunct="1">
-              <a:lnSpc>
-                <a:spcPct val="90000"/>
-              </a:lnSpc>
-              <a:spcBef>
-                <a:spcPts val="500"/>
-              </a:spcBef>
-              <a:buFont typeface="Arial" panose="020B0604020202020204" pitchFamily="34" charset="0"/>
-              <a:buChar char="•"/>
-              <a:defRPr sz="1800" kern="1200">
-                <a:solidFill>
-                  <a:schemeClr val="tx1"/>
-                </a:solidFill>
-                <a:latin typeface="+mn-lt"/>
-                <a:ea typeface="+mn-ea"/>
-                <a:cs typeface="+mn-cs"/>
-              </a:defRPr>
-            </a:lvl5pPr>
-            <a:lvl6pPr marL="2514600" indent="-228600" algn="l" defTabSz="914400" rtl="0" eaLnBrk="1" latinLnBrk="0" hangingPunct="1">
-              <a:lnSpc>
-                <a:spcPct val="90000"/>
-              </a:lnSpc>
-              <a:spcBef>
-                <a:spcPts val="500"/>
-              </a:spcBef>
-              <a:buFont typeface="Arial" panose="020B0604020202020204" pitchFamily="34" charset="0"/>
-              <a:buChar char="•"/>
-              <a:defRPr sz="1800" kern="1200">
-                <a:solidFill>
-                  <a:schemeClr val="tx1"/>
-                </a:solidFill>
-                <a:latin typeface="+mn-lt"/>
-                <a:ea typeface="+mn-ea"/>
-                <a:cs typeface="+mn-cs"/>
-              </a:defRPr>
-            </a:lvl6pPr>
-            <a:lvl7pPr marL="2971800" indent="-228600" algn="l" defTabSz="914400" rtl="0" eaLnBrk="1" latinLnBrk="0" hangingPunct="1">
-              <a:lnSpc>
-                <a:spcPct val="90000"/>
-              </a:lnSpc>
-              <a:spcBef>
-                <a:spcPts val="500"/>
-              </a:spcBef>
-              <a:buFont typeface="Arial" panose="020B0604020202020204" pitchFamily="34" charset="0"/>
-              <a:buChar char="•"/>
-              <a:defRPr sz="1800" kern="1200">
-                <a:solidFill>
-                  <a:schemeClr val="tx1"/>
-                </a:solidFill>
-                <a:latin typeface="+mn-lt"/>
-                <a:ea typeface="+mn-ea"/>
-                <a:cs typeface="+mn-cs"/>
-              </a:defRPr>
-            </a:lvl7pPr>
-            <a:lvl8pPr marL="3429000" indent="-228600" algn="l" defTabSz="914400" rtl="0" eaLnBrk="1" latinLnBrk="0" hangingPunct="1">
-              <a:lnSpc>
-                <a:spcPct val="90000"/>
-              </a:lnSpc>
-              <a:spcBef>
-                <a:spcPts val="500"/>
-              </a:spcBef>
-              <a:buFont typeface="Arial" panose="020B0604020202020204" pitchFamily="34" charset="0"/>
-              <a:buChar char="•"/>
-              <a:defRPr sz="1800" kern="1200">
-                <a:solidFill>
-                  <a:schemeClr val="tx1"/>
-                </a:solidFill>
-                <a:latin typeface="+mn-lt"/>
-                <a:ea typeface="+mn-ea"/>
-                <a:cs typeface="+mn-cs"/>
-              </a:defRPr>
-            </a:lvl8pPr>
-            <a:lvl9pPr marL="3886200" indent="-228600" algn="l" defTabSz="914400" rtl="0" eaLnBrk="1" latinLnBrk="0" hangingPunct="1">
-              <a:lnSpc>
-                <a:spcPct val="90000"/>
-              </a:lnSpc>
-              <a:spcBef>
-                <a:spcPts val="500"/>
-              </a:spcBef>
-              <a:buFont typeface="Arial" panose="020B0604020202020204" pitchFamily="34" charset="0"/>
-              <a:buChar char="•"/>
-              <a:defRPr sz="1800" kern="1200">
-                <a:solidFill>
-                  <a:schemeClr val="tx1"/>
-                </a:solidFill>
-                <a:latin typeface="+mn-lt"/>
-                <a:ea typeface="+mn-ea"/>
-                <a:cs typeface="+mn-cs"/>
-              </a:defRPr>
-            </a:lvl9pPr>
-          </a:lstStyle>
-          <a:p>
-            <a:pPr indent="-228600"/>
-            <a:r>
-              <a:rPr lang="zh-TW" altLang="en-US" dirty="0"/>
-              <a:t>早晚差值在暴露下較大的情況下</a:t>
-            </a:r>
-            <a:r>
-              <a:rPr lang="en-US" altLang="zh-TW" dirty="0"/>
-              <a:t>:</a:t>
-            </a:r>
-          </a:p>
-          <a:p>
-            <a:pPr lvl="1">
-              <a:lnSpc>
-                <a:spcPct val="100000"/>
-              </a:lnSpc>
-            </a:pPr>
-            <a:r>
-              <a:rPr lang="en-US" altLang="zh-TW" dirty="0">
-                <a:solidFill>
-                  <a:schemeClr val="accent5">
-                    <a:lumMod val="50000"/>
-                  </a:schemeClr>
-                </a:solidFill>
-              </a:rPr>
-              <a:t>REM </a:t>
-            </a:r>
-            <a:r>
-              <a:rPr lang="zh-TW" altLang="en-US" dirty="0">
-                <a:solidFill>
-                  <a:schemeClr val="accent5">
-                    <a:lumMod val="50000"/>
-                  </a:schemeClr>
-                </a:solidFill>
-              </a:rPr>
-              <a:t>總時間有增長的現象</a:t>
-            </a:r>
-            <a:r>
-              <a:rPr lang="en-US" altLang="zh-TW" dirty="0">
-                <a:solidFill>
-                  <a:schemeClr val="accent5">
-                    <a:lumMod val="50000"/>
-                  </a:schemeClr>
-                </a:solidFill>
-              </a:rPr>
-              <a:t>(5.6</a:t>
-            </a:r>
-            <a:r>
-              <a:rPr lang="zh-TW" altLang="en-US" dirty="0">
-                <a:solidFill>
-                  <a:schemeClr val="accent5">
-                    <a:lumMod val="50000"/>
-                  </a:schemeClr>
-                </a:solidFill>
-              </a:rPr>
-              <a:t>分鐘</a:t>
-            </a:r>
-            <a:r>
-              <a:rPr lang="en-US" altLang="zh-TW" dirty="0">
-                <a:solidFill>
-                  <a:schemeClr val="accent5">
-                    <a:lumMod val="50000"/>
-                  </a:schemeClr>
-                </a:solidFill>
-              </a:rPr>
-              <a:t>)</a:t>
-            </a:r>
-          </a:p>
-        </p:txBody>
-      </p:sp>
-      <p:sp>
-        <p:nvSpPr>
-          <p:cNvPr id="12" name="內容版面配置區 2">
-            <a:extLst>
-              <a:ext uri="{FF2B5EF4-FFF2-40B4-BE49-F238E27FC236}">
-                <a16:creationId xmlns:a16="http://schemas.microsoft.com/office/drawing/2014/main" id="{C5B79073-CCAE-4B45-90FA-E17E61C32438}"/>
-              </a:ext>
-            </a:extLst>
-          </p:cNvPr>
-          <p:cNvSpPr txBox="1">
-            <a:spLocks/>
-          </p:cNvSpPr>
-          <p:nvPr/>
-        </p:nvSpPr>
-        <p:spPr>
-          <a:xfrm>
-            <a:off x="720436" y="4602000"/>
-            <a:ext cx="6600825" cy="2299443"/>
-          </a:xfrm>
-          <a:prstGeom prst="rect">
-            <a:avLst/>
-          </a:prstGeom>
-        </p:spPr>
-        <p:txBody>
-          <a:bodyPr vert="horz" lIns="91440" tIns="45720" rIns="91440" bIns="45720" rtlCol="0">
-            <a:normAutofit/>
-          </a:bodyPr>
-          <a:lstStyle>
-            <a:lvl1pPr marL="0" indent="0" algn="l" defTabSz="914400" rtl="0" eaLnBrk="1" latinLnBrk="0" hangingPunct="1">
-              <a:lnSpc>
-                <a:spcPct val="90000"/>
-              </a:lnSpc>
-              <a:spcBef>
-                <a:spcPts val="1000"/>
-              </a:spcBef>
-              <a:buFontTx/>
-              <a:buNone/>
-              <a:defRPr sz="2400" kern="1200">
-                <a:solidFill>
-                  <a:schemeClr val="tx1"/>
-                </a:solidFill>
-                <a:latin typeface="+mn-lt"/>
-                <a:ea typeface="+mn-ea"/>
-                <a:cs typeface="+mn-cs"/>
-              </a:defRPr>
-            </a:lvl1pPr>
-            <a:lvl2pPr marL="685800" indent="-228600" algn="l" defTabSz="914400" rtl="0" eaLnBrk="1" latinLnBrk="0" hangingPunct="1">
-              <a:lnSpc>
-                <a:spcPct val="90000"/>
-              </a:lnSpc>
-              <a:spcBef>
-                <a:spcPts val="500"/>
-              </a:spcBef>
-              <a:buFont typeface="Arial" panose="020B0604020202020204" pitchFamily="34" charset="0"/>
-              <a:buChar char="•"/>
-              <a:defRPr sz="2400" kern="1200">
-                <a:solidFill>
-                  <a:schemeClr val="tx1"/>
-                </a:solidFill>
-                <a:latin typeface="+mn-lt"/>
-                <a:ea typeface="+mn-ea"/>
-                <a:cs typeface="+mn-cs"/>
-              </a:defRPr>
-            </a:lvl2pPr>
-            <a:lvl3pPr marL="1143000" indent="-228600" algn="l" defTabSz="914400" rtl="0" eaLnBrk="1" latinLnBrk="0" hangingPunct="1">
-              <a:lnSpc>
-                <a:spcPct val="90000"/>
-              </a:lnSpc>
-              <a:spcBef>
-                <a:spcPts val="500"/>
-              </a:spcBef>
-              <a:buFont typeface="Wingdings" panose="05000000000000000000" pitchFamily="2" charset="2"/>
-              <a:buChar char="ü"/>
-              <a:defRPr sz="2000" kern="1200">
-                <a:solidFill>
-                  <a:schemeClr val="tx1"/>
-                </a:solidFill>
-                <a:latin typeface="+mn-lt"/>
-                <a:ea typeface="+mn-ea"/>
-                <a:cs typeface="+mn-cs"/>
-              </a:defRPr>
-            </a:lvl3pPr>
-            <a:lvl4pPr marL="1600200" indent="-228600" algn="l" defTabSz="914400" rtl="0" eaLnBrk="1" latinLnBrk="0" hangingPunct="1">
-              <a:lnSpc>
-                <a:spcPct val="90000"/>
-              </a:lnSpc>
-              <a:spcBef>
-                <a:spcPts val="500"/>
-              </a:spcBef>
-              <a:buFont typeface="Arial" panose="020B0604020202020204" pitchFamily="34" charset="0"/>
-              <a:buChar char="•"/>
-              <a:defRPr sz="1800" kern="1200">
-                <a:solidFill>
-                  <a:schemeClr val="tx1"/>
-                </a:solidFill>
-                <a:latin typeface="+mn-lt"/>
-                <a:ea typeface="+mn-ea"/>
-                <a:cs typeface="+mn-cs"/>
-              </a:defRPr>
-            </a:lvl4pPr>
-            <a:lvl5pPr marL="2057400" indent="-228600" algn="l" defTabSz="914400" rtl="0" eaLnBrk="1" latinLnBrk="0" hangingPunct="1">
-              <a:lnSpc>
-                <a:spcPct val="90000"/>
-              </a:lnSpc>
-              <a:spcBef>
-                <a:spcPts val="500"/>
-              </a:spcBef>
-              <a:buFont typeface="Arial" panose="020B0604020202020204" pitchFamily="34" charset="0"/>
-              <a:buChar char="•"/>
-              <a:defRPr sz="1800" kern="1200">
-                <a:solidFill>
-                  <a:schemeClr val="tx1"/>
-                </a:solidFill>
-                <a:latin typeface="+mn-lt"/>
-                <a:ea typeface="+mn-ea"/>
-                <a:cs typeface="+mn-cs"/>
-              </a:defRPr>
-            </a:lvl5pPr>
-            <a:lvl6pPr marL="2514600" indent="-228600" algn="l" defTabSz="914400" rtl="0" eaLnBrk="1" latinLnBrk="0" hangingPunct="1">
-              <a:lnSpc>
-                <a:spcPct val="90000"/>
-              </a:lnSpc>
-              <a:spcBef>
-                <a:spcPts val="500"/>
-              </a:spcBef>
-              <a:buFont typeface="Arial" panose="020B0604020202020204" pitchFamily="34" charset="0"/>
-              <a:buChar char="•"/>
-              <a:defRPr sz="1800" kern="1200">
-                <a:solidFill>
-                  <a:schemeClr val="tx1"/>
-                </a:solidFill>
-                <a:latin typeface="+mn-lt"/>
-                <a:ea typeface="+mn-ea"/>
-                <a:cs typeface="+mn-cs"/>
-              </a:defRPr>
-            </a:lvl6pPr>
-            <a:lvl7pPr marL="2971800" indent="-228600" algn="l" defTabSz="914400" rtl="0" eaLnBrk="1" latinLnBrk="0" hangingPunct="1">
-              <a:lnSpc>
-                <a:spcPct val="90000"/>
-              </a:lnSpc>
-              <a:spcBef>
-                <a:spcPts val="500"/>
-              </a:spcBef>
-              <a:buFont typeface="Arial" panose="020B0604020202020204" pitchFamily="34" charset="0"/>
-              <a:buChar char="•"/>
-              <a:defRPr sz="1800" kern="1200">
-                <a:solidFill>
-                  <a:schemeClr val="tx1"/>
-                </a:solidFill>
-                <a:latin typeface="+mn-lt"/>
-                <a:ea typeface="+mn-ea"/>
-                <a:cs typeface="+mn-cs"/>
-              </a:defRPr>
-            </a:lvl7pPr>
-            <a:lvl8pPr marL="3429000" indent="-228600" algn="l" defTabSz="914400" rtl="0" eaLnBrk="1" latinLnBrk="0" hangingPunct="1">
-              <a:lnSpc>
-                <a:spcPct val="90000"/>
-              </a:lnSpc>
-              <a:spcBef>
-                <a:spcPts val="500"/>
-              </a:spcBef>
-              <a:buFont typeface="Arial" panose="020B0604020202020204" pitchFamily="34" charset="0"/>
-              <a:buChar char="•"/>
-              <a:defRPr sz="1800" kern="1200">
-                <a:solidFill>
-                  <a:schemeClr val="tx1"/>
-                </a:solidFill>
-                <a:latin typeface="+mn-lt"/>
-                <a:ea typeface="+mn-ea"/>
-                <a:cs typeface="+mn-cs"/>
-              </a:defRPr>
-            </a:lvl8pPr>
-            <a:lvl9pPr marL="3886200" indent="-228600" algn="l" defTabSz="914400" rtl="0" eaLnBrk="1" latinLnBrk="0" hangingPunct="1">
-              <a:lnSpc>
-                <a:spcPct val="90000"/>
-              </a:lnSpc>
-              <a:spcBef>
-                <a:spcPts val="500"/>
-              </a:spcBef>
-              <a:buFont typeface="Arial" panose="020B0604020202020204" pitchFamily="34" charset="0"/>
-              <a:buChar char="•"/>
-              <a:defRPr sz="1800" kern="1200">
-                <a:solidFill>
-                  <a:schemeClr val="tx1"/>
-                </a:solidFill>
-                <a:latin typeface="+mn-lt"/>
-                <a:ea typeface="+mn-ea"/>
-                <a:cs typeface="+mn-cs"/>
-              </a:defRPr>
-            </a:lvl9pPr>
-          </a:lstStyle>
-          <a:p>
-            <a:pPr indent="-228600"/>
-            <a:r>
-              <a:rPr lang="zh-TW" altLang="en-US" dirty="0"/>
-              <a:t>早晚差值在暴露下較小的情況下</a:t>
-            </a:r>
-            <a:r>
-              <a:rPr lang="en-US" altLang="zh-TW" dirty="0"/>
-              <a:t>:</a:t>
-            </a:r>
-          </a:p>
-          <a:p>
-            <a:pPr lvl="1">
-              <a:lnSpc>
-                <a:spcPct val="100000"/>
-              </a:lnSpc>
-            </a:pPr>
-            <a:r>
-              <a:rPr lang="en-US" altLang="zh-TW" dirty="0">
-                <a:solidFill>
-                  <a:schemeClr val="accent5">
-                    <a:lumMod val="50000"/>
-                  </a:schemeClr>
-                </a:solidFill>
-              </a:rPr>
-              <a:t>REM</a:t>
-            </a:r>
-            <a:r>
-              <a:rPr lang="zh-TW" altLang="en-US" dirty="0">
-                <a:solidFill>
-                  <a:schemeClr val="accent5">
-                    <a:lumMod val="50000"/>
-                  </a:schemeClr>
-                </a:solidFill>
-              </a:rPr>
-              <a:t> </a:t>
-            </a:r>
-            <a:r>
-              <a:rPr lang="en-US" altLang="zh-TW" dirty="0">
-                <a:solidFill>
-                  <a:schemeClr val="accent5">
-                    <a:lumMod val="50000"/>
-                  </a:schemeClr>
-                </a:solidFill>
-              </a:rPr>
-              <a:t>latency</a:t>
-            </a:r>
-            <a:r>
-              <a:rPr lang="zh-TW" altLang="en-US" dirty="0">
-                <a:solidFill>
-                  <a:schemeClr val="accent5">
-                    <a:lumMod val="50000"/>
-                  </a:schemeClr>
-                </a:solidFill>
-              </a:rPr>
-              <a:t>有縮短的現象</a:t>
-            </a:r>
-            <a:r>
-              <a:rPr lang="en-US" altLang="zh-TW" dirty="0">
-                <a:solidFill>
-                  <a:schemeClr val="accent5">
-                    <a:lumMod val="50000"/>
-                  </a:schemeClr>
-                </a:solidFill>
-              </a:rPr>
-              <a:t>(30</a:t>
-            </a:r>
-            <a:r>
-              <a:rPr lang="zh-TW" altLang="en-US" dirty="0">
-                <a:solidFill>
-                  <a:schemeClr val="accent5">
-                    <a:lumMod val="50000"/>
-                  </a:schemeClr>
-                </a:solidFill>
-              </a:rPr>
-              <a:t>分鐘</a:t>
-            </a:r>
-            <a:r>
-              <a:rPr lang="en-US" altLang="zh-TW" dirty="0">
-                <a:solidFill>
-                  <a:schemeClr val="accent5">
-                    <a:lumMod val="50000"/>
-                  </a:schemeClr>
-                </a:solidFill>
-              </a:rPr>
-              <a:t>)</a:t>
-            </a:r>
-          </a:p>
-          <a:p>
-            <a:pPr lvl="1">
-              <a:lnSpc>
-                <a:spcPct val="100000"/>
-              </a:lnSpc>
-            </a:pPr>
-            <a:r>
-              <a:rPr lang="en-US" altLang="zh-TW" dirty="0">
-                <a:solidFill>
-                  <a:schemeClr val="accent5">
-                    <a:lumMod val="50000"/>
-                  </a:schemeClr>
-                </a:solidFill>
-              </a:rPr>
-              <a:t>REM density</a:t>
-            </a:r>
-            <a:r>
-              <a:rPr lang="zh-TW" altLang="en-US" dirty="0">
-                <a:solidFill>
-                  <a:schemeClr val="accent5">
-                    <a:lumMod val="50000"/>
-                  </a:schemeClr>
-                </a:solidFill>
-              </a:rPr>
-              <a:t>有減少的現象</a:t>
-            </a:r>
-            <a:endParaRPr lang="en-US" altLang="zh-TW" dirty="0">
-              <a:solidFill>
-                <a:schemeClr val="accent5">
-                  <a:lumMod val="50000"/>
-                </a:schemeClr>
-              </a:solidFill>
-            </a:endParaRPr>
-          </a:p>
-        </p:txBody>
-      </p:sp>
-      <p:cxnSp>
-        <p:nvCxnSpPr>
-          <p:cNvPr id="13" name="直線接點 12">
-            <a:extLst>
-              <a:ext uri="{FF2B5EF4-FFF2-40B4-BE49-F238E27FC236}">
-                <a16:creationId xmlns:a16="http://schemas.microsoft.com/office/drawing/2014/main" id="{A2CBEF5F-F193-4177-A39F-C277C9A26A99}"/>
-              </a:ext>
-            </a:extLst>
-          </p:cNvPr>
-          <p:cNvCxnSpPr>
-            <a:cxnSpLocks/>
-          </p:cNvCxnSpPr>
-          <p:nvPr/>
-        </p:nvCxnSpPr>
-        <p:spPr>
-          <a:xfrm>
-            <a:off x="1425007" y="5429250"/>
-            <a:ext cx="4670993" cy="0"/>
-          </a:xfrm>
-          <a:prstGeom prst="line">
-            <a:avLst/>
-          </a:prstGeom>
-          <a:ln w="28575">
-            <a:solidFill>
-              <a:srgbClr val="FF0000"/>
-            </a:solidFill>
-          </a:ln>
-        </p:spPr>
-        <p:style>
-          <a:lnRef idx="1">
-            <a:schemeClr val="accent1"/>
-          </a:lnRef>
-          <a:fillRef idx="0">
-            <a:schemeClr val="accent1"/>
-          </a:fillRef>
-          <a:effectRef idx="0">
-            <a:schemeClr val="accent1"/>
-          </a:effectRef>
-          <a:fontRef idx="minor">
-            <a:schemeClr val="tx1"/>
-          </a:fontRef>
-        </p:style>
-      </p:cxnSp>
     </p:spTree>
     <p:extLst>
       <p:ext uri="{BB962C8B-B14F-4D97-AF65-F5344CB8AC3E}">
@@ -25005,7 +23753,7 @@
             </a:r>
             <a:r>
               <a:rPr lang="zh-TW" altLang="en-US" dirty="0"/>
-              <a:t>整晚占比提升</a:t>
+              <a:t>整晚占比些微提升</a:t>
             </a:r>
             <a:endParaRPr lang="en-US" altLang="zh-TW" dirty="0"/>
           </a:p>
@@ -25370,7 +24118,7 @@
         </p:blipFill>
         <p:spPr>
           <a:xfrm>
-            <a:off x="0" y="2950058"/>
+            <a:off x="0" y="3166368"/>
             <a:ext cx="12192000" cy="3396284"/>
           </a:xfrm>
           <a:prstGeom prst="rect">
@@ -25396,8 +24144,8 @@
         </p:nvSpPr>
         <p:spPr>
           <a:xfrm>
-            <a:off x="720436" y="1321724"/>
-            <a:ext cx="10633364" cy="4855239"/>
+            <a:off x="720436" y="1321725"/>
+            <a:ext cx="10633364" cy="1844644"/>
           </a:xfrm>
         </p:spPr>
         <p:txBody>
@@ -25437,6 +24185,16 @@
             <a:r>
               <a:rPr lang="en-US" altLang="zh-TW" dirty="0"/>
               <a:t>cortisol</a:t>
+            </a:r>
+          </a:p>
+          <a:p>
+            <a:r>
+              <a:rPr lang="zh-TW" altLang="en-US" dirty="0"/>
+              <a:t>生物參考區間</a:t>
+            </a:r>
+            <a:r>
+              <a:rPr lang="en-US" altLang="zh-TW" dirty="0"/>
+              <a:t>: 3.7 – 19.4 mg/dL</a:t>
             </a:r>
           </a:p>
           <a:p>
@@ -25617,7 +24375,7 @@
         </p:blipFill>
         <p:spPr>
           <a:xfrm>
-            <a:off x="0" y="2925143"/>
+            <a:off x="0" y="3095570"/>
             <a:ext cx="12192000" cy="3388963"/>
           </a:xfrm>
           <a:prstGeom prst="rect">
@@ -25684,6 +24442,24 @@
             <a:r>
               <a:rPr lang="en-US" altLang="zh-TW" dirty="0"/>
               <a:t>cortisol</a:t>
+            </a:r>
+          </a:p>
+          <a:p>
+            <a:r>
+              <a:rPr lang="zh-TW" altLang="en-US" dirty="0"/>
+              <a:t>生物參考區間</a:t>
+            </a:r>
+            <a:r>
+              <a:rPr lang="en-US" altLang="zh-TW" dirty="0"/>
+              <a:t>:</a:t>
+            </a:r>
+            <a:r>
+              <a:rPr lang="zh-TW" altLang="en-US" dirty="0"/>
+              <a:t> </a:t>
+            </a:r>
+            <a:r>
+              <a:rPr lang="en-US" altLang="zh-TW" dirty="0"/>
+              <a:t>2.9 – 17.3 mg/dL</a:t>
             </a:r>
           </a:p>
         </p:txBody>
@@ -26020,7 +24796,15 @@
           <a:p>
             <a:r>
               <a:rPr lang="zh-TW" altLang="en-US" dirty="0"/>
-              <a:t>睡眠指標相關性表現</a:t>
+              <a:t>睡眠指標與</a:t>
+            </a:r>
+            <a:r>
+              <a:rPr lang="en-US" altLang="zh-TW" dirty="0"/>
+              <a:t>cortisol</a:t>
+            </a:r>
+            <a:r>
+              <a:rPr lang="zh-TW" altLang="en-US" dirty="0"/>
+              <a:t>相關係數表現</a:t>
             </a:r>
           </a:p>
         </p:txBody>
@@ -26728,7 +25512,7 @@
         </p:nvSpPr>
         <p:spPr>
           <a:xfrm>
-            <a:off x="916141" y="1290420"/>
+            <a:off x="8046076" y="445599"/>
             <a:ext cx="2686050" cy="646331"/>
           </a:xfrm>
           <a:prstGeom prst="rect">

--- a/20210804_REM分析.pptx
+++ b/20210804_REM分析.pptx
@@ -25513,7 +25513,7 @@
         <p:spPr>
           <a:xfrm>
             <a:off x="8046076" y="445599"/>
-            <a:ext cx="2686050" cy="646331"/>
+            <a:ext cx="1560040" cy="646331"/>
           </a:xfrm>
           <a:prstGeom prst="rect">
             <a:avLst/>

--- a/20210804_REM分析.pptx
+++ b/20210804_REM分析.pptx
@@ -230,7 +230,7 @@
           <a:p>
             <a:fld id="{61C76E1B-E228-429A-ABE7-09AA4AD7327C}" type="datetimeFigureOut">
               <a:rPr lang="zh-TW" altLang="en-US" smtClean="0"/>
-              <a:t>2021/8/7</a:t>
+              <a:t>2021/8/13</a:t>
             </a:fld>
             <a:endParaRPr lang="zh-TW" altLang="en-US"/>
           </a:p>
@@ -766,7 +766,7 @@
           <a:p>
             <a:fld id="{FCF6783C-4B54-4D72-A1A7-A087B316A3B8}" type="datetime1">
               <a:rPr lang="zh-TW" altLang="en-US" smtClean="0"/>
-              <a:t>2021/8/7</a:t>
+              <a:t>2021/8/13</a:t>
             </a:fld>
             <a:endParaRPr lang="zh-TW" altLang="en-US"/>
           </a:p>
@@ -1034,7 +1034,7 @@
           <a:p>
             <a:fld id="{D1ED406B-07A6-44BF-906E-0E6F2225B991}" type="datetime1">
               <a:rPr lang="zh-TW" altLang="en-US" smtClean="0"/>
-              <a:t>2021/8/7</a:t>
+              <a:t>2021/8/13</a:t>
             </a:fld>
             <a:endParaRPr lang="zh-TW" altLang="en-US"/>
           </a:p>
@@ -1242,7 +1242,7 @@
           <a:p>
             <a:fld id="{4855A211-7B8B-40E6-8051-77D0F92598CB}" type="datetime1">
               <a:rPr lang="zh-TW" altLang="en-US" smtClean="0"/>
-              <a:t>2021/8/7</a:t>
+              <a:t>2021/8/13</a:t>
             </a:fld>
             <a:endParaRPr lang="zh-TW" altLang="en-US"/>
           </a:p>
@@ -1439,7 +1439,7 @@
           <a:p>
             <a:fld id="{607AB6BC-4133-47A1-955B-86DB465411C3}" type="datetime1">
               <a:rPr lang="zh-TW" altLang="en-US" smtClean="0"/>
-              <a:t>2021/8/7</a:t>
+              <a:t>2021/8/13</a:t>
             </a:fld>
             <a:endParaRPr lang="zh-TW" altLang="en-US"/>
           </a:p>
@@ -1924,7 +1924,7 @@
           <a:p>
             <a:fld id="{063DD569-35D5-40ED-99FD-76D2F54A9038}" type="datetime1">
               <a:rPr lang="zh-TW" altLang="en-US" smtClean="0"/>
-              <a:t>2021/8/7</a:t>
+              <a:t>2021/8/13</a:t>
             </a:fld>
             <a:endParaRPr lang="zh-TW" altLang="en-US"/>
           </a:p>
@@ -2189,7 +2189,7 @@
           <a:p>
             <a:fld id="{753AB039-4F1A-4616-B8B5-F977F76AB712}" type="datetime1">
               <a:rPr lang="zh-TW" altLang="en-US" smtClean="0"/>
-              <a:t>2021/8/7</a:t>
+              <a:t>2021/8/13</a:t>
             </a:fld>
             <a:endParaRPr lang="zh-TW" altLang="en-US"/>
           </a:p>
@@ -2601,7 +2601,7 @@
           <a:p>
             <a:fld id="{AEEA35C1-5758-4143-A641-B2D8C25FD431}" type="datetime1">
               <a:rPr lang="zh-TW" altLang="en-US" smtClean="0"/>
-              <a:t>2021/8/7</a:t>
+              <a:t>2021/8/13</a:t>
             </a:fld>
             <a:endParaRPr lang="zh-TW" altLang="en-US"/>
           </a:p>
@@ -2742,7 +2742,7 @@
           <a:p>
             <a:fld id="{60EC041C-EC38-4789-9350-644DCCF8A061}" type="datetime1">
               <a:rPr lang="zh-TW" altLang="en-US" smtClean="0"/>
-              <a:t>2021/8/7</a:t>
+              <a:t>2021/8/13</a:t>
             </a:fld>
             <a:endParaRPr lang="zh-TW" altLang="en-US"/>
           </a:p>
@@ -2855,7 +2855,7 @@
           <a:p>
             <a:fld id="{7223D8F3-4ECC-4891-A5C4-0D72C29D1563}" type="datetime1">
               <a:rPr lang="zh-TW" altLang="en-US" smtClean="0"/>
-              <a:t>2021/8/7</a:t>
+              <a:t>2021/8/13</a:t>
             </a:fld>
             <a:endParaRPr lang="zh-TW" altLang="en-US"/>
           </a:p>
@@ -3166,7 +3166,7 @@
           <a:p>
             <a:fld id="{F2649D45-65D8-4A22-BC50-ED872CAB048D}" type="datetime1">
               <a:rPr lang="zh-TW" altLang="en-US" smtClean="0"/>
-              <a:t>2021/8/7</a:t>
+              <a:t>2021/8/13</a:t>
             </a:fld>
             <a:endParaRPr lang="zh-TW" altLang="en-US"/>
           </a:p>
@@ -3454,7 +3454,7 @@
           <a:p>
             <a:fld id="{0ABBE3BD-5EE8-423F-AC10-4B07DD1F877C}" type="datetime1">
               <a:rPr lang="zh-TW" altLang="en-US" smtClean="0"/>
-              <a:t>2021/8/7</a:t>
+              <a:t>2021/8/13</a:t>
             </a:fld>
             <a:endParaRPr lang="zh-TW" altLang="en-US"/>
           </a:p>
@@ -3695,7 +3695,7 @@
           <a:p>
             <a:fld id="{DCE92120-7A61-4EBE-8DC9-30D2102A9B6B}" type="datetime1">
               <a:rPr lang="zh-TW" altLang="en-US" smtClean="0"/>
-              <a:t>2021/8/7</a:t>
+              <a:t>2021/8/13</a:t>
             </a:fld>
             <a:endParaRPr lang="zh-TW" altLang="en-US"/>
           </a:p>
